--- a/trunk/doc/Presentation.pptx
+++ b/trunk/doc/Presentation.pptx
@@ -5,24 +5,22 @@
     <p:sldMasterId id="2147483669" r:id="rId4"/>
   </p:sldMasterIdLst>
   <p:notesMasterIdLst>
-    <p:notesMasterId r:id="rId17"/>
+    <p:notesMasterId r:id="rId15"/>
   </p:notesMasterIdLst>
   <p:handoutMasterIdLst>
-    <p:handoutMasterId r:id="rId18"/>
+    <p:handoutMasterId r:id="rId16"/>
   </p:handoutMasterIdLst>
   <p:sldIdLst>
     <p:sldId id="256" r:id="rId5"/>
     <p:sldId id="259" r:id="rId6"/>
-    <p:sldId id="257" r:id="rId7"/>
-    <p:sldId id="263" r:id="rId8"/>
-    <p:sldId id="258" r:id="rId9"/>
-    <p:sldId id="265" r:id="rId10"/>
-    <p:sldId id="270" r:id="rId11"/>
-    <p:sldId id="271" r:id="rId12"/>
-    <p:sldId id="272" r:id="rId13"/>
-    <p:sldId id="273" r:id="rId14"/>
-    <p:sldId id="274" r:id="rId15"/>
-    <p:sldId id="266" r:id="rId16"/>
+    <p:sldId id="263" r:id="rId7"/>
+    <p:sldId id="258" r:id="rId8"/>
+    <p:sldId id="265" r:id="rId9"/>
+    <p:sldId id="275" r:id="rId10"/>
+    <p:sldId id="276" r:id="rId11"/>
+    <p:sldId id="273" r:id="rId12"/>
+    <p:sldId id="274" r:id="rId13"/>
+    <p:sldId id="266" r:id="rId14"/>
   </p:sldIdLst>
   <p:sldSz cx="9144000" cy="6858000" type="screen4x3"/>
   <p:notesSz cx="6797675" cy="9872663"/>
@@ -236,7 +234,7 @@
           <a:p>
             <a:fld id="{EFA0D184-D464-48E9-9CA0-A94E873F6C2C}" type="datetimeFigureOut">
               <a:rPr lang="de-CH" smtClean="0"/>
-              <a:t>07.01.2015</a:t>
+              <a:t>09.01.2015</a:t>
             </a:fld>
             <a:endParaRPr lang="de-CH"/>
           </a:p>
@@ -401,7 +399,7 @@
           <a:p>
             <a:fld id="{5AF2B663-2BA9-4D7E-8201-5DE4109E1EDD}" type="datetimeFigureOut">
               <a:rPr lang="de-CH" smtClean="0"/>
-              <a:t>07.01.2015</a:t>
+              <a:t>09.01.2015</a:t>
             </a:fld>
             <a:endParaRPr lang="de-CH"/>
           </a:p>
@@ -6951,365 +6949,6 @@
       </p:grpSpPr>
       <p:sp>
         <p:nvSpPr>
-          <p:cNvPr id="2" name="Inhaltsplatzhalter 1"/>
-          <p:cNvSpPr>
-            <a:spLocks noGrp="1"/>
-          </p:cNvSpPr>
-          <p:nvPr>
-            <p:ph sz="half" idx="1"/>
-          </p:nvPr>
-        </p:nvSpPr>
-        <p:spPr/>
-        <p:txBody>
-          <a:bodyPr/>
-          <a:lstStyle/>
-          <a:p>
-            <a:r>
-              <a:rPr lang="de-CH" dirty="0" smtClean="0"/>
-              <a:t>Martin</a:t>
-            </a:r>
-          </a:p>
-          <a:p>
-            <a:pPr lvl="1"/>
-            <a:r>
-              <a:rPr lang="de-CH" dirty="0" err="1" smtClean="0"/>
-              <a:t>viu</a:t>
-            </a:r>
-            <a:endParaRPr lang="de-CH" dirty="0" smtClean="0"/>
-          </a:p>
-          <a:p>
-            <a:r>
-              <a:rPr lang="de-CH" dirty="0" smtClean="0"/>
-              <a:t>Fabian</a:t>
-            </a:r>
-          </a:p>
-          <a:p>
-            <a:pPr lvl="1"/>
-            <a:r>
-              <a:rPr lang="de-CH" dirty="0" smtClean="0"/>
-              <a:t>…</a:t>
-            </a:r>
-          </a:p>
-          <a:p>
-            <a:pPr lvl="1"/>
-            <a:r>
-              <a:rPr lang="de-CH" dirty="0" smtClean="0"/>
-              <a:t>Shopping </a:t>
-            </a:r>
-            <a:r>
-              <a:rPr lang="de-CH" dirty="0" err="1" smtClean="0"/>
-              <a:t>Cart</a:t>
-            </a:r>
-            <a:r>
-              <a:rPr lang="de-CH" dirty="0" smtClean="0"/>
-              <a:t> &amp; </a:t>
-            </a:r>
-            <a:r>
-              <a:rPr lang="de-CH" dirty="0" err="1" smtClean="0"/>
-              <a:t>Ordering</a:t>
-            </a:r>
-            <a:endParaRPr lang="de-CH" dirty="0" smtClean="0"/>
-          </a:p>
-          <a:p>
-            <a:r>
-              <a:rPr lang="de-CH" dirty="0" smtClean="0"/>
-              <a:t>Marcel</a:t>
-            </a:r>
-          </a:p>
-          <a:p>
-            <a:pPr lvl="1"/>
-            <a:r>
-              <a:rPr lang="de-CH" dirty="0" err="1" smtClean="0"/>
-              <a:t>ou</a:t>
-            </a:r>
-            <a:r>
-              <a:rPr lang="de-CH" dirty="0" smtClean="0"/>
-              <a:t> </a:t>
-            </a:r>
-            <a:r>
-              <a:rPr lang="de-CH" dirty="0" err="1" smtClean="0"/>
-              <a:t>viu</a:t>
-            </a:r>
-            <a:endParaRPr lang="de-CH" dirty="0" smtClean="0"/>
-          </a:p>
-          <a:p>
-            <a:endParaRPr lang="de-CH" dirty="0" smtClean="0"/>
-          </a:p>
-          <a:p>
-            <a:endParaRPr lang="de-CH" dirty="0" smtClean="0"/>
-          </a:p>
-          <a:p>
-            <a:endParaRPr lang="de-CH" dirty="0"/>
-          </a:p>
-        </p:txBody>
-      </p:sp>
-      <p:sp>
-        <p:nvSpPr>
-          <p:cNvPr id="3" name="Titel 2"/>
-          <p:cNvSpPr>
-            <a:spLocks noGrp="1"/>
-          </p:cNvSpPr>
-          <p:nvPr>
-            <p:ph type="ctrTitle"/>
-          </p:nvPr>
-        </p:nvSpPr>
-        <p:spPr/>
-        <p:txBody>
-          <a:bodyPr/>
-          <a:lstStyle/>
-          <a:p>
-            <a:r>
-              <a:rPr lang="de-CH" dirty="0"/>
-              <a:t>Distribution </a:t>
-            </a:r>
-            <a:r>
-              <a:rPr lang="de-CH" dirty="0" err="1"/>
-              <a:t>among</a:t>
-            </a:r>
-            <a:r>
-              <a:rPr lang="de-CH" dirty="0"/>
-              <a:t> </a:t>
-            </a:r>
-            <a:r>
-              <a:rPr lang="de-CH" dirty="0" err="1"/>
-              <a:t>the</a:t>
-            </a:r>
-            <a:r>
-              <a:rPr lang="de-CH" dirty="0"/>
-              <a:t> </a:t>
-            </a:r>
-            <a:r>
-              <a:rPr lang="de-CH" dirty="0" err="1"/>
-              <a:t>team</a:t>
-            </a:r>
-            <a:endParaRPr lang="de-CH" dirty="0"/>
-          </a:p>
-        </p:txBody>
-      </p:sp>
-    </p:spTree>
-    <p:extLst>
-      <p:ext uri="{BB962C8B-B14F-4D97-AF65-F5344CB8AC3E}">
-        <p14:creationId xmlns:p14="http://schemas.microsoft.com/office/powerpoint/2010/main" val="1401125318"/>
-      </p:ext>
-    </p:extLst>
-  </p:cSld>
-  <p:clrMapOvr>
-    <a:masterClrMapping/>
-  </p:clrMapOvr>
-  <p:timing>
-    <p:tnLst>
-      <p:par>
-        <p:cTn id="1" dur="indefinite" restart="never" nodeType="tmRoot"/>
-      </p:par>
-    </p:tnLst>
-  </p:timing>
-</p:sld>
-</file>
-
-<file path=ppt/slides/slide11.xml><?xml version="1.0" encoding="utf-8"?>
-<p:sld xmlns:a="http://schemas.openxmlformats.org/drawingml/2006/main" xmlns:r="http://schemas.openxmlformats.org/officeDocument/2006/relationships" xmlns:p="http://schemas.openxmlformats.org/presentationml/2006/main">
-  <p:cSld>
-    <p:spTree>
-      <p:nvGrpSpPr>
-        <p:cNvPr id="1" name=""/>
-        <p:cNvGrpSpPr/>
-        <p:nvPr/>
-      </p:nvGrpSpPr>
-      <p:grpSpPr>
-        <a:xfrm>
-          <a:off x="0" y="0"/>
-          <a:ext cx="0" cy="0"/>
-          <a:chOff x="0" y="0"/>
-          <a:chExt cx="0" cy="0"/>
-        </a:xfrm>
-      </p:grpSpPr>
-      <p:sp>
-        <p:nvSpPr>
-          <p:cNvPr id="2" name="Content Placeholder 1"/>
-          <p:cNvSpPr>
-            <a:spLocks noGrp="1"/>
-          </p:cNvSpPr>
-          <p:nvPr>
-            <p:ph sz="half" idx="1"/>
-          </p:nvPr>
-        </p:nvSpPr>
-        <p:spPr/>
-        <p:txBody>
-          <a:bodyPr/>
-          <a:lstStyle/>
-          <a:p>
-            <a:r>
-              <a:rPr lang="en-US" dirty="0" smtClean="0"/>
-              <a:t>Distribution of work demands good planning – especially in teams where there’s a gap in skills &amp; experience</a:t>
-            </a:r>
-          </a:p>
-          <a:p>
-            <a:r>
-              <a:rPr lang="en-US" dirty="0" err="1" smtClean="0"/>
-              <a:t>Layouting</a:t>
-            </a:r>
-            <a:r>
-              <a:rPr lang="en-US" dirty="0" smtClean="0"/>
-              <a:t> consumes plenty of time – especially if you’re not familiar with CSS</a:t>
-            </a:r>
-          </a:p>
-          <a:p>
-            <a:endParaRPr lang="en-US" dirty="0"/>
-          </a:p>
-          <a:p>
-            <a:endParaRPr lang="en-US" dirty="0" smtClean="0"/>
-          </a:p>
-          <a:p>
-            <a:endParaRPr lang="en-US" dirty="0"/>
-          </a:p>
-          <a:p>
-            <a:r>
-              <a:rPr lang="en-US" dirty="0" smtClean="0"/>
-              <a:t>What we liked </a:t>
-            </a:r>
-          </a:p>
-          <a:p>
-            <a:pPr lvl="1"/>
-            <a:r>
-              <a:rPr lang="en-US" dirty="0" smtClean="0"/>
-              <a:t>Despite of the given technologies to use there was enough space for individual implementation</a:t>
-            </a:r>
-          </a:p>
-          <a:p>
-            <a:endParaRPr lang="en-US" dirty="0"/>
-          </a:p>
-          <a:p>
-            <a:r>
-              <a:rPr lang="en-US" dirty="0" smtClean="0"/>
-              <a:t>What we didn’t like so much…</a:t>
-            </a:r>
-          </a:p>
-          <a:p>
-            <a:pPr lvl="1"/>
-            <a:r>
-              <a:rPr lang="en-US" dirty="0" smtClean="0"/>
-              <a:t>the effort to replace the implementation of a feature with another technology required too much time in some cases</a:t>
-            </a:r>
-          </a:p>
-          <a:p>
-            <a:pPr lvl="1"/>
-            <a:endParaRPr lang="en-US" dirty="0" smtClean="0"/>
-          </a:p>
-          <a:p>
-            <a:pPr lvl="1"/>
-            <a:endParaRPr lang="en-US" dirty="0"/>
-          </a:p>
-        </p:txBody>
-      </p:sp>
-      <p:sp>
-        <p:nvSpPr>
-          <p:cNvPr id="3" name="Title 2"/>
-          <p:cNvSpPr>
-            <a:spLocks noGrp="1"/>
-          </p:cNvSpPr>
-          <p:nvPr>
-            <p:ph type="ctrTitle"/>
-          </p:nvPr>
-        </p:nvSpPr>
-        <p:spPr/>
-        <p:txBody>
-          <a:bodyPr/>
-          <a:lstStyle/>
-          <a:p>
-            <a:r>
-              <a:rPr lang="en-US" dirty="0" smtClean="0"/>
-              <a:t>Lessons learnt &amp; Review</a:t>
-            </a:r>
-            <a:endParaRPr lang="en-US" dirty="0"/>
-          </a:p>
-        </p:txBody>
-      </p:sp>
-      <p:pic>
-        <p:nvPicPr>
-          <p:cNvPr id="1027" name="Picture 3"/>
-          <p:cNvPicPr>
-            <a:picLocks noChangeAspect="1" noChangeArrowheads="1"/>
-          </p:cNvPicPr>
-          <p:nvPr/>
-        </p:nvPicPr>
-        <p:blipFill>
-          <a:blip r:embed="rId2">
-            <a:extLst>
-              <a:ext uri="{28A0092B-C50C-407E-A947-70E740481C1C}">
-                <a14:useLocalDpi xmlns:a14="http://schemas.microsoft.com/office/drawing/2010/main" val="0"/>
-              </a:ext>
-            </a:extLst>
-          </a:blip>
-          <a:srcRect/>
-          <a:stretch>
-            <a:fillRect/>
-          </a:stretch>
-        </p:blipFill>
-        <p:spPr bwMode="auto">
-          <a:xfrm>
-            <a:off x="2209574" y="3335730"/>
-            <a:ext cx="352960" cy="328574"/>
-          </a:xfrm>
-          <a:prstGeom prst="rect">
-            <a:avLst/>
-          </a:prstGeom>
-          <a:noFill/>
-          <a:ln>
-            <a:noFill/>
-          </a:ln>
-          <a:extLst>
-            <a:ext uri="{909E8E84-426E-40DD-AFC4-6F175D3DCCD1}">
-              <a14:hiddenFill xmlns:a14="http://schemas.microsoft.com/office/drawing/2010/main">
-                <a:solidFill>
-                  <a:schemeClr val="accent1"/>
-                </a:solidFill>
-              </a14:hiddenFill>
-            </a:ext>
-            <a:ext uri="{91240B29-F687-4F45-9708-019B960494DF}">
-              <a14:hiddenLine xmlns:a14="http://schemas.microsoft.com/office/drawing/2010/main" w="9525">
-                <a:solidFill>
-                  <a:schemeClr val="tx1"/>
-                </a:solidFill>
-                <a:miter lim="800000"/>
-                <a:headEnd/>
-                <a:tailEnd/>
-              </a14:hiddenLine>
-            </a:ext>
-          </a:extLst>
-        </p:spPr>
-      </p:pic>
-    </p:spTree>
-    <p:extLst>
-      <p:ext uri="{BB962C8B-B14F-4D97-AF65-F5344CB8AC3E}">
-        <p14:creationId xmlns:p14="http://schemas.microsoft.com/office/powerpoint/2010/main" val="2865284130"/>
-      </p:ext>
-    </p:extLst>
-  </p:cSld>
-  <p:clrMapOvr>
-    <a:masterClrMapping/>
-  </p:clrMapOvr>
-</p:sld>
-</file>
-
-<file path=ppt/slides/slide12.xml><?xml version="1.0" encoding="utf-8"?>
-<p:sld xmlns:a="http://schemas.openxmlformats.org/drawingml/2006/main" xmlns:r="http://schemas.openxmlformats.org/officeDocument/2006/relationships" xmlns:p="http://schemas.openxmlformats.org/presentationml/2006/main">
-  <p:cSld>
-    <p:spTree>
-      <p:nvGrpSpPr>
-        <p:cNvPr id="1" name=""/>
-        <p:cNvGrpSpPr/>
-        <p:nvPr/>
-      </p:nvGrpSpPr>
-      <p:grpSpPr>
-        <a:xfrm>
-          <a:off x="0" y="0"/>
-          <a:ext cx="0" cy="0"/>
-          <a:chOff x="0" y="0"/>
-          <a:chExt cx="0" cy="0"/>
-        </a:xfrm>
-      </p:grpSpPr>
-      <p:sp>
-        <p:nvSpPr>
           <p:cNvPr id="2" name="Titel 1"/>
           <p:cNvSpPr>
             <a:spLocks noGrp="1"/>
@@ -7631,16 +7270,8 @@
               <a:buChar char="§"/>
             </a:pPr>
             <a:r>
-              <a:rPr lang="de-CH" dirty="0" err="1"/>
-              <a:t>L</a:t>
-            </a:r>
-            <a:r>
-              <a:rPr lang="de-CH" dirty="0" err="1" smtClean="0"/>
-              <a:t>live</a:t>
-            </a:r>
-            <a:r>
               <a:rPr lang="de-CH" dirty="0" smtClean="0"/>
-              <a:t> </a:t>
+              <a:t>Live </a:t>
             </a:r>
             <a:r>
               <a:rPr lang="de-CH" dirty="0" err="1" smtClean="0"/>
@@ -7648,7 +7279,11 @@
             </a:r>
             <a:r>
               <a:rPr lang="de-CH" dirty="0" smtClean="0"/>
-              <a:t> &amp; Features</a:t>
+              <a:t> &amp; </a:t>
+            </a:r>
+            <a:r>
+              <a:rPr lang="de-CH" dirty="0" err="1" smtClean="0"/>
+              <a:t>features</a:t>
             </a:r>
             <a:endParaRPr lang="de-CH" dirty="0" smtClean="0"/>
           </a:p>
@@ -7774,12 +7409,12 @@
       </p:grpSpPr>
       <p:sp>
         <p:nvSpPr>
-          <p:cNvPr id="5" name="Titel 4"/>
+          <p:cNvPr id="2" name="Inhaltsplatzhalter 1"/>
           <p:cNvSpPr>
             <a:spLocks noGrp="1"/>
           </p:cNvSpPr>
           <p:nvPr>
-            <p:ph type="ctrTitle"/>
+            <p:ph sz="half" idx="1"/>
           </p:nvPr>
         </p:nvSpPr>
         <p:spPr/>
@@ -7788,28 +7423,147 @@
           <a:lstStyle/>
           <a:p>
             <a:r>
-              <a:rPr lang="en-US" dirty="0"/>
-              <a:t>▶ due to the limited time, focus your presentation on the demo plus maybe </a:t>
+              <a:rPr lang="en-US" dirty="0" smtClean="0"/>
+              <a:t>Standard project: </a:t>
             </a:r>
             <a:br>
-              <a:rPr lang="en-US" dirty="0"/>
+              <a:rPr lang="en-US" dirty="0" smtClean="0"/>
             </a:br>
             <a:r>
-              <a:rPr lang="en-US" dirty="0"/>
-              <a:t>some highlights &amp; distinct features of your project </a:t>
-            </a:r>
-            <a:endParaRPr lang="de-CH" dirty="0"/>
-          </a:p>
-        </p:txBody>
-      </p:sp>
-      <p:sp>
-        <p:nvSpPr>
-          <p:cNvPr id="6" name="Untertitel 5"/>
+              <a:rPr lang="en-US" dirty="0" smtClean="0"/>
+              <a:t>Book </a:t>
+            </a:r>
+            <a:r>
+              <a:rPr lang="en-US" dirty="0" smtClean="0"/>
+              <a:t>shop called «</a:t>
+            </a:r>
+            <a:r>
+              <a:rPr lang="en-US" dirty="0" err="1" smtClean="0"/>
+              <a:t>groot</a:t>
+            </a:r>
+            <a:r>
+              <a:rPr lang="en-US" dirty="0" smtClean="0"/>
+              <a:t>» - apparently we sell </a:t>
+            </a:r>
+            <a:r>
+              <a:rPr lang="en-US" dirty="0" smtClean="0"/>
+              <a:t>books </a:t>
+            </a:r>
+            <a:r>
+              <a:rPr lang="en-US" dirty="0" smtClean="0">
+                <a:sym typeface="Wingdings" panose="05000000000000000000" pitchFamily="2" charset="2"/>
+              </a:rPr>
+              <a:t>^_^</a:t>
+            </a:r>
+            <a:r>
+              <a:rPr lang="en-US" dirty="0" smtClean="0"/>
+              <a:t/>
+            </a:r>
+            <a:br>
+              <a:rPr lang="en-US" dirty="0" smtClean="0"/>
+            </a:br>
+            <a:endParaRPr lang="en-US" dirty="0" smtClean="0"/>
+          </a:p>
+          <a:p>
+            <a:r>
+              <a:rPr lang="en-US" dirty="0" smtClean="0"/>
+              <a:t>Background &amp; personal skills of the team members</a:t>
+            </a:r>
+          </a:p>
+          <a:p>
+            <a:pPr lvl="1"/>
+            <a:r>
+              <a:rPr lang="en-US" dirty="0" smtClean="0">
+                <a:solidFill>
+                  <a:srgbClr val="FF0000"/>
+                </a:solidFill>
+              </a:rPr>
+              <a:t>Martin</a:t>
+            </a:r>
+            <a:r>
+              <a:rPr lang="en-US" dirty="0" smtClean="0">
+                <a:solidFill>
+                  <a:srgbClr val="FF0000"/>
+                </a:solidFill>
+              </a:rPr>
+              <a:t>:</a:t>
+            </a:r>
+            <a:r>
+              <a:rPr lang="en-US" dirty="0" smtClean="0"/>
+              <a:t> ______________________</a:t>
+            </a:r>
+            <a:endParaRPr lang="en-US" dirty="0" smtClean="0"/>
+          </a:p>
+          <a:p>
+            <a:pPr lvl="1"/>
+            <a:r>
+              <a:rPr lang="en-US" dirty="0" smtClean="0"/>
+              <a:t>Fabian:</a:t>
+            </a:r>
+          </a:p>
+          <a:p>
+            <a:pPr lvl="2"/>
+            <a:r>
+              <a:rPr lang="en-US" dirty="0" smtClean="0"/>
+              <a:t>Never really used any technology covered in the course</a:t>
+            </a:r>
+            <a:br>
+              <a:rPr lang="en-US" dirty="0" smtClean="0"/>
+            </a:br>
+            <a:r>
+              <a:rPr lang="en-US" dirty="0" smtClean="0"/>
+              <a:t>except for HTML and CSS in </a:t>
+            </a:r>
+            <a:r>
+              <a:rPr lang="en-US" dirty="0" smtClean="0"/>
+              <a:t>apprenticeship. Therefore the pace of the course was quite demanding.</a:t>
+            </a:r>
+            <a:endParaRPr lang="en-US" dirty="0" smtClean="0"/>
+          </a:p>
+          <a:p>
+            <a:pPr lvl="1"/>
+            <a:r>
+              <a:rPr lang="en-US" dirty="0" smtClean="0">
+                <a:solidFill>
+                  <a:srgbClr val="FF0000"/>
+                </a:solidFill>
+              </a:rPr>
+              <a:t>Marcel:</a:t>
+            </a:r>
+            <a:r>
+              <a:rPr lang="en-US" dirty="0" smtClean="0"/>
+              <a:t/>
+            </a:r>
+            <a:br>
+              <a:rPr lang="en-US" dirty="0" smtClean="0"/>
+            </a:br>
+            <a:endParaRPr lang="en-US" dirty="0" smtClean="0"/>
+          </a:p>
+          <a:p>
+            <a:r>
+              <a:rPr lang="en-US" dirty="0" smtClean="0"/>
+              <a:t>2 Shops, 1 presentation</a:t>
+            </a:r>
+          </a:p>
+          <a:p>
+            <a:endParaRPr lang="en-US" dirty="0" smtClean="0"/>
+          </a:p>
+          <a:p>
+            <a:endParaRPr lang="en-US" dirty="0" smtClean="0"/>
+          </a:p>
+          <a:p>
+            <a:endParaRPr lang="en-US" dirty="0"/>
+          </a:p>
+        </p:txBody>
+      </p:sp>
+      <p:sp>
+        <p:nvSpPr>
+          <p:cNvPr id="3" name="Titel 2"/>
           <p:cNvSpPr>
             <a:spLocks noGrp="1"/>
           </p:cNvSpPr>
           <p:nvPr>
-            <p:ph type="subTitle" idx="1"/>
+            <p:ph type="ctrTitle"/>
           </p:nvPr>
         </p:nvSpPr>
         <p:spPr/>
@@ -7817,14 +7571,18 @@
           <a:bodyPr/>
           <a:lstStyle/>
           <a:p>
-            <a:endParaRPr lang="de-CH"/>
+            <a:r>
+              <a:rPr lang="de-CH" dirty="0" err="1" smtClean="0"/>
+              <a:t>Introduction</a:t>
+            </a:r>
+            <a:endParaRPr lang="de-CH" dirty="0"/>
           </a:p>
         </p:txBody>
       </p:sp>
     </p:spTree>
     <p:extLst>
       <p:ext uri="{BB962C8B-B14F-4D97-AF65-F5344CB8AC3E}">
-        <p14:creationId xmlns:p14="http://schemas.microsoft.com/office/powerpoint/2010/main" val="3399875752"/>
+        <p14:creationId xmlns:p14="http://schemas.microsoft.com/office/powerpoint/2010/main" val="3741675672"/>
       </p:ext>
     </p:extLst>
   </p:cSld>
@@ -7860,12 +7618,12 @@
       </p:grpSpPr>
       <p:sp>
         <p:nvSpPr>
-          <p:cNvPr id="2" name="Inhaltsplatzhalter 1"/>
+          <p:cNvPr id="2" name="Titel 1"/>
           <p:cNvSpPr>
             <a:spLocks noGrp="1"/>
           </p:cNvSpPr>
           <p:nvPr>
-            <p:ph sz="half" idx="1"/>
+            <p:ph type="ctrTitle"/>
           </p:nvPr>
         </p:nvSpPr>
         <p:spPr/>
@@ -7875,91 +7633,20 @@
           <a:p>
             <a:r>
               <a:rPr lang="en-US" dirty="0" smtClean="0"/>
-              <a:t>Book shop called «</a:t>
-            </a:r>
-            <a:r>
-              <a:rPr lang="en-US" dirty="0" err="1" smtClean="0"/>
-              <a:t>groot</a:t>
-            </a:r>
-            <a:r>
-              <a:rPr lang="en-US" dirty="0" smtClean="0"/>
-              <a:t>» - apparently we sell books</a:t>
-            </a:r>
-            <a:br>
-              <a:rPr lang="en-US" dirty="0" smtClean="0"/>
-            </a:br>
-            <a:endParaRPr lang="en-US" dirty="0" smtClean="0"/>
-          </a:p>
-          <a:p>
-            <a:r>
-              <a:rPr lang="en-US" dirty="0" smtClean="0"/>
-              <a:t>Background &amp; personal skills of the team members</a:t>
-            </a:r>
-          </a:p>
-          <a:p>
-            <a:pPr lvl="1"/>
-            <a:r>
-              <a:rPr lang="en-US" dirty="0" smtClean="0"/>
-              <a:t>Martin:</a:t>
-            </a:r>
-          </a:p>
-          <a:p>
-            <a:pPr lvl="1"/>
-            <a:r>
-              <a:rPr lang="en-US" dirty="0" smtClean="0"/>
-              <a:t>Fabian:</a:t>
-            </a:r>
-          </a:p>
-          <a:p>
-            <a:pPr lvl="2"/>
-            <a:r>
-              <a:rPr lang="en-US" dirty="0" smtClean="0"/>
-              <a:t>Never really used any technology covered in the course</a:t>
-            </a:r>
-            <a:br>
-              <a:rPr lang="en-US" dirty="0" smtClean="0"/>
-            </a:br>
-            <a:r>
-              <a:rPr lang="en-US" dirty="0" smtClean="0"/>
-              <a:t>except for HTML and CSS in apprenticeship</a:t>
-            </a:r>
-          </a:p>
-          <a:p>
-            <a:pPr lvl="1"/>
-            <a:r>
-              <a:rPr lang="en-US" dirty="0" smtClean="0"/>
-              <a:t>Marcel:</a:t>
-            </a:r>
-            <a:br>
-              <a:rPr lang="en-US" dirty="0" smtClean="0"/>
-            </a:br>
-            <a:endParaRPr lang="en-US" dirty="0" smtClean="0"/>
-          </a:p>
-          <a:p>
-            <a:r>
-              <a:rPr lang="en-US" dirty="0" smtClean="0"/>
-              <a:t>2 Shops, 1 presentation</a:t>
-            </a:r>
-          </a:p>
-          <a:p>
-            <a:endParaRPr lang="en-US" dirty="0" smtClean="0"/>
-          </a:p>
-          <a:p>
-            <a:endParaRPr lang="en-US" dirty="0" smtClean="0"/>
-          </a:p>
-          <a:p>
+              <a:t>Technologies used in the project</a:t>
+            </a:r>
             <a:endParaRPr lang="en-US" dirty="0"/>
           </a:p>
         </p:txBody>
       </p:sp>
       <p:sp>
         <p:nvSpPr>
-          <p:cNvPr id="3" name="Titel 2"/>
+          <p:cNvPr id="3" name="Textplatzhalter 2"/>
           <p:cNvSpPr>
             <a:spLocks noGrp="1"/>
           </p:cNvSpPr>
           <p:nvPr>
-            <p:ph type="ctrTitle"/>
+            <p:ph type="body" idx="1"/>
           </p:nvPr>
         </p:nvSpPr>
         <p:spPr/>
@@ -7968,17 +7655,96 @@
           <a:lstStyle/>
           <a:p>
             <a:r>
-              <a:rPr lang="de-CH" dirty="0" err="1" smtClean="0"/>
-              <a:t>Introduction</a:t>
-            </a:r>
-            <a:endParaRPr lang="de-CH" dirty="0"/>
+              <a:rPr lang="en-US" dirty="0" smtClean="0"/>
+              <a:t>… all the ones from the course:</a:t>
+            </a:r>
+            <a:endParaRPr lang="en-US" dirty="0"/>
+          </a:p>
+        </p:txBody>
+      </p:sp>
+      <p:sp>
+        <p:nvSpPr>
+          <p:cNvPr id="4" name="Inhaltsplatzhalter 3"/>
+          <p:cNvSpPr>
+            <a:spLocks noGrp="1"/>
+          </p:cNvSpPr>
+          <p:nvPr>
+            <p:ph sz="half" idx="13"/>
+          </p:nvPr>
+        </p:nvSpPr>
+        <p:spPr/>
+        <p:txBody>
+          <a:bodyPr/>
+          <a:lstStyle/>
+          <a:p>
+            <a:r>
+              <a:rPr lang="en-US" dirty="0" smtClean="0"/>
+              <a:t>HTML </a:t>
+            </a:r>
+            <a:r>
+              <a:rPr lang="en-US" dirty="0" smtClean="0"/>
+              <a:t>for static content</a:t>
+            </a:r>
+          </a:p>
+          <a:p>
+            <a:r>
+              <a:rPr lang="en-US" dirty="0" smtClean="0"/>
+              <a:t>CSS for Styling</a:t>
+            </a:r>
+          </a:p>
+          <a:p>
+            <a:r>
+              <a:rPr lang="en-US" dirty="0" smtClean="0"/>
+              <a:t>JavaScript for</a:t>
+            </a:r>
+          </a:p>
+          <a:p>
+            <a:r>
+              <a:rPr lang="en-US" dirty="0" smtClean="0"/>
+              <a:t>PHP for</a:t>
+            </a:r>
+          </a:p>
+          <a:p>
+            <a:endParaRPr lang="en-US" dirty="0" smtClean="0"/>
+          </a:p>
+          <a:p>
+            <a:r>
+              <a:rPr lang="en-US" dirty="0" smtClean="0"/>
+              <a:t>AJAX for</a:t>
+            </a:r>
+          </a:p>
+          <a:p>
+            <a:r>
+              <a:rPr lang="en-US" dirty="0" smtClean="0"/>
+              <a:t>REST </a:t>
+            </a:r>
+            <a:r>
+              <a:rPr lang="en-US" dirty="0" smtClean="0"/>
+              <a:t>for</a:t>
+            </a:r>
+          </a:p>
+          <a:p>
+            <a:pPr marL="0" indent="0">
+              <a:buNone/>
+            </a:pPr>
+            <a:endParaRPr lang="en-US" dirty="0" smtClean="0"/>
+          </a:p>
+          <a:p>
+            <a:r>
+              <a:rPr lang="en-US" dirty="0" smtClean="0"/>
+              <a:t>and in addition to them:</a:t>
+            </a:r>
+          </a:p>
+          <a:p>
+            <a:pPr lvl="1"/>
+            <a:endParaRPr lang="en-US" dirty="0"/>
           </a:p>
         </p:txBody>
       </p:sp>
     </p:spTree>
     <p:extLst>
       <p:ext uri="{BB962C8B-B14F-4D97-AF65-F5344CB8AC3E}">
-        <p14:creationId xmlns:p14="http://schemas.microsoft.com/office/powerpoint/2010/main" val="3741675672"/>
+        <p14:creationId xmlns:p14="http://schemas.microsoft.com/office/powerpoint/2010/main" val="153582886"/>
       </p:ext>
     </p:extLst>
   </p:cSld>
@@ -8014,7 +7780,7 @@
       </p:grpSpPr>
       <p:sp>
         <p:nvSpPr>
-          <p:cNvPr id="2" name="Titel 1"/>
+          <p:cNvPr id="7" name="Titel 6"/>
           <p:cNvSpPr>
             <a:spLocks noGrp="1"/>
           </p:cNvSpPr>
@@ -8028,16 +7794,16 @@
           <a:lstStyle/>
           <a:p>
             <a:r>
-              <a:rPr lang="en-US" dirty="0" smtClean="0"/>
-              <a:t>Technologies used in the project</a:t>
-            </a:r>
-            <a:endParaRPr lang="en-US" dirty="0"/>
-          </a:p>
-        </p:txBody>
-      </p:sp>
-      <p:sp>
-        <p:nvSpPr>
-          <p:cNvPr id="3" name="Textplatzhalter 2"/>
+              <a:rPr lang="de-CH" dirty="0" smtClean="0"/>
+              <a:t>Live Demonstration &amp; Features</a:t>
+            </a:r>
+            <a:endParaRPr lang="de-CH" dirty="0"/>
+          </a:p>
+        </p:txBody>
+      </p:sp>
+      <p:sp>
+        <p:nvSpPr>
+          <p:cNvPr id="8" name="Textplatzhalter 7"/>
           <p:cNvSpPr>
             <a:spLocks noGrp="1"/>
           </p:cNvSpPr>
@@ -8050,22 +7816,18 @@
           <a:bodyPr/>
           <a:lstStyle/>
           <a:p>
-            <a:r>
-              <a:rPr lang="en-US" dirty="0" smtClean="0"/>
-              <a:t>… all the ones from the course:</a:t>
-            </a:r>
-            <a:endParaRPr lang="en-US" dirty="0"/>
-          </a:p>
-        </p:txBody>
-      </p:sp>
-      <p:sp>
-        <p:nvSpPr>
-          <p:cNvPr id="4" name="Inhaltsplatzhalter 3"/>
+            <a:endParaRPr lang="de-CH" dirty="0"/>
+          </a:p>
+        </p:txBody>
+      </p:sp>
+      <p:sp>
+        <p:nvSpPr>
+          <p:cNvPr id="11" name="Textplatzhalter 10"/>
           <p:cNvSpPr>
             <a:spLocks noGrp="1"/>
           </p:cNvSpPr>
           <p:nvPr>
-            <p:ph sz="half" idx="13"/>
+            <p:ph type="body" idx="18"/>
           </p:nvPr>
         </p:nvSpPr>
         <p:spPr/>
@@ -8073,98 +7835,111 @@
           <a:bodyPr/>
           <a:lstStyle/>
           <a:p>
-            <a:r>
-              <a:rPr lang="en-US" dirty="0" smtClean="0"/>
-              <a:t>Was </a:t>
-            </a:r>
-            <a:r>
-              <a:rPr lang="en-US" dirty="0" err="1" smtClean="0"/>
-              <a:t>habt</a:t>
-            </a:r>
-            <a:r>
-              <a:rPr lang="en-US" dirty="0" smtClean="0"/>
-              <a:t> </a:t>
-            </a:r>
-            <a:r>
-              <a:rPr lang="en-US" dirty="0" err="1" smtClean="0"/>
-              <a:t>ihr</a:t>
-            </a:r>
-            <a:r>
-              <a:rPr lang="en-US" dirty="0" smtClean="0"/>
-              <a:t> </a:t>
-            </a:r>
-            <a:r>
-              <a:rPr lang="en-US" dirty="0" err="1" smtClean="0"/>
-              <a:t>noch</a:t>
-            </a:r>
-            <a:r>
-              <a:rPr lang="en-US" dirty="0" smtClean="0"/>
-              <a:t> </a:t>
-            </a:r>
-            <a:r>
-              <a:rPr lang="en-US" dirty="0" err="1" smtClean="0"/>
-              <a:t>verwendet</a:t>
-            </a:r>
-            <a:r>
-              <a:rPr lang="en-US" dirty="0" smtClean="0"/>
-              <a:t>?</a:t>
-            </a:r>
-          </a:p>
-          <a:p>
-            <a:r>
-              <a:rPr lang="en-US" dirty="0" smtClean="0"/>
-              <a:t>HTML for static content</a:t>
-            </a:r>
-          </a:p>
-          <a:p>
-            <a:r>
-              <a:rPr lang="en-US" dirty="0" smtClean="0"/>
-              <a:t>CSS for Styling</a:t>
-            </a:r>
-          </a:p>
-          <a:p>
-            <a:r>
-              <a:rPr lang="en-US" dirty="0" smtClean="0"/>
-              <a:t>JavaScript for</a:t>
-            </a:r>
-          </a:p>
-          <a:p>
-            <a:r>
-              <a:rPr lang="en-US" dirty="0" smtClean="0"/>
-              <a:t>PHP for</a:t>
-            </a:r>
-          </a:p>
-          <a:p>
-            <a:endParaRPr lang="en-US" dirty="0" smtClean="0"/>
-          </a:p>
-          <a:p>
-            <a:r>
-              <a:rPr lang="en-US" dirty="0" smtClean="0"/>
-              <a:t>AJAX for</a:t>
-            </a:r>
-          </a:p>
-          <a:p>
-            <a:r>
-              <a:rPr lang="en-US" dirty="0" smtClean="0"/>
-              <a:t>REST for</a:t>
-            </a:r>
-          </a:p>
-          <a:p>
-            <a:r>
-              <a:rPr lang="en-US" dirty="0" smtClean="0"/>
-              <a:t>and in addition to them:</a:t>
-            </a:r>
+            <a:endParaRPr lang="de-CH"/>
+          </a:p>
+        </p:txBody>
+      </p:sp>
+      <p:sp>
+        <p:nvSpPr>
+          <p:cNvPr id="9" name="Inhaltsplatzhalter 8"/>
+          <p:cNvSpPr>
+            <a:spLocks noGrp="1"/>
+          </p:cNvSpPr>
+          <p:nvPr>
+            <p:ph sz="half" idx="13"/>
+          </p:nvPr>
+        </p:nvSpPr>
+        <p:spPr>
+          <a:xfrm>
+            <a:off x="467999" y="1439230"/>
+            <a:ext cx="8171999" cy="3960000"/>
+          </a:xfrm>
+        </p:spPr>
+        <p:txBody>
+          <a:bodyPr/>
+          <a:lstStyle/>
+          <a:p>
+            <a:r>
+              <a:rPr lang="de-CH" dirty="0" smtClean="0"/>
+              <a:t>Martin:</a:t>
+            </a:r>
+            <a:endParaRPr lang="de-CH" dirty="0" smtClean="0"/>
+          </a:p>
+          <a:p>
+            <a:r>
+              <a:rPr lang="de-CH" dirty="0" smtClean="0"/>
+              <a:t>Aufbau </a:t>
+            </a:r>
+            <a:r>
+              <a:rPr lang="de-CH" dirty="0" err="1" smtClean="0"/>
+              <a:t>Groot</a:t>
+            </a:r>
+            <a:r>
+              <a:rPr lang="de-CH" dirty="0" smtClean="0"/>
+              <a:t>-Stack &amp; allgemeines zur Architektur</a:t>
+            </a:r>
+            <a:endParaRPr lang="de-CH" dirty="0" smtClean="0"/>
+          </a:p>
+          <a:p>
+            <a:r>
+              <a:rPr lang="de-CH" dirty="0" smtClean="0"/>
+              <a:t>Translation </a:t>
+            </a:r>
+            <a:r>
+              <a:rPr lang="de-CH" dirty="0" smtClean="0"/>
+              <a:t>Files</a:t>
+            </a:r>
+          </a:p>
+          <a:p>
+            <a:r>
+              <a:rPr lang="de-CH" dirty="0" err="1" smtClean="0"/>
+              <a:t>TemplateRenderer</a:t>
+            </a:r>
+            <a:endParaRPr lang="de-CH" dirty="0" smtClean="0"/>
+          </a:p>
+          <a:p>
+            <a:r>
+              <a:rPr lang="de-CH" dirty="0" smtClean="0"/>
+              <a:t>View-</a:t>
+            </a:r>
+            <a:r>
+              <a:rPr lang="de-CH" dirty="0" err="1" smtClean="0"/>
+              <a:t>Controlle</a:t>
+            </a:r>
+            <a:endParaRPr lang="de-CH" dirty="0" smtClean="0"/>
           </a:p>
           <a:p>
             <a:pPr lvl="1"/>
-            <a:endParaRPr lang="en-US" dirty="0"/>
+            <a:r>
+              <a:rPr lang="de-CH" dirty="0" smtClean="0"/>
+              <a:t>Eventuell </a:t>
+            </a:r>
+            <a:r>
+              <a:rPr lang="de-CH" dirty="0"/>
+              <a:t>Standardablauf Such mit erstelltem Seq. </a:t>
+            </a:r>
+            <a:r>
+              <a:rPr lang="de-CH" dirty="0" smtClean="0"/>
+              <a:t>Diagramm</a:t>
+            </a:r>
+          </a:p>
+          <a:p>
+            <a:pPr lvl="1"/>
+            <a:endParaRPr lang="de-CH" dirty="0"/>
+          </a:p>
+          <a:p>
+            <a:r>
+              <a:rPr lang="de-CH" dirty="0" smtClean="0"/>
+              <a:t>-----&gt; Präsentation eines Features nach Wahl</a:t>
+            </a:r>
+            <a:endParaRPr lang="de-CH" dirty="0"/>
           </a:p>
         </p:txBody>
       </p:sp>
     </p:spTree>
     <p:extLst>
       <p:ext uri="{BB962C8B-B14F-4D97-AF65-F5344CB8AC3E}">
-        <p14:creationId xmlns:p14="http://schemas.microsoft.com/office/powerpoint/2010/main" val="153582886"/>
+        <p14:creationId xmlns:p14="http://schemas.microsoft.com/office/powerpoint/2010/main" val="1673217479"/>
       </p:ext>
     </p:extLst>
   </p:cSld>
@@ -8236,7 +8011,7 @@
           <a:bodyPr/>
           <a:lstStyle/>
           <a:p>
-            <a:endParaRPr lang="de-CH"/>
+            <a:endParaRPr lang="de-CH" dirty="0"/>
           </a:p>
         </p:txBody>
       </p:sp>
@@ -8269,129 +8044,53 @@
             <p:ph sz="half" idx="13"/>
           </p:nvPr>
         </p:nvSpPr>
-        <p:spPr/>
+        <p:spPr>
+          <a:xfrm>
+            <a:off x="468000" y="1439230"/>
+            <a:ext cx="8171998" cy="3960000"/>
+          </a:xfrm>
+        </p:spPr>
         <p:txBody>
           <a:bodyPr/>
           <a:lstStyle/>
           <a:p>
-            <a:endParaRPr lang="de-CH" dirty="0" smtClean="0"/>
-          </a:p>
-          <a:p>
-            <a:endParaRPr lang="de-CH" dirty="0" smtClean="0"/>
-          </a:p>
-          <a:p>
             <a:r>
               <a:rPr lang="de-CH" dirty="0" smtClean="0"/>
-              <a:t>Vorgängig Dinu</a:t>
+              <a:t>Marcel:</a:t>
+            </a:r>
+            <a:r>
+              <a:rPr lang="de-CH" dirty="0"/>
+              <a:t/>
+            </a:r>
+            <a:br>
+              <a:rPr lang="de-CH" dirty="0"/>
+            </a:br>
+            <a:r>
+              <a:rPr lang="de-CH" dirty="0"/>
+              <a:t>Wikipedia-REST API- Präsentation Shop- </a:t>
             </a:r>
             <a:r>
               <a:rPr lang="de-CH" dirty="0" smtClean="0"/>
-              <a:t>:</a:t>
-            </a:r>
-          </a:p>
-          <a:p>
-            <a:r>
-              <a:rPr lang="de-CH" dirty="0" smtClean="0"/>
-              <a:t>Aufbau </a:t>
-            </a:r>
-            <a:r>
-              <a:rPr lang="de-CH" dirty="0" err="1" smtClean="0"/>
-              <a:t>Groot</a:t>
-            </a:r>
-            <a:r>
-              <a:rPr lang="de-CH" smtClean="0"/>
-              <a:t>-Stack</a:t>
-            </a:r>
-          </a:p>
-          <a:p>
-            <a:endParaRPr lang="de-CH" dirty="0" smtClean="0"/>
-          </a:p>
-          <a:p>
-            <a:r>
-              <a:rPr lang="de-CH" dirty="0" smtClean="0"/>
-              <a:t>Translation Files</a:t>
-            </a:r>
-          </a:p>
-          <a:p>
-            <a:r>
-              <a:rPr lang="de-CH" dirty="0" err="1" smtClean="0"/>
-              <a:t>TemplateRenderer</a:t>
-            </a:r>
-            <a:endParaRPr lang="de-CH" dirty="0" smtClean="0"/>
-          </a:p>
-          <a:p>
-            <a:r>
-              <a:rPr lang="de-CH" dirty="0" smtClean="0"/>
-              <a:t>View-</a:t>
-            </a:r>
-            <a:r>
-              <a:rPr lang="de-CH" dirty="0" err="1" smtClean="0"/>
-              <a:t>Controlle</a:t>
-            </a:r>
-            <a:endParaRPr lang="de-CH" dirty="0" smtClean="0"/>
-          </a:p>
-          <a:p>
-            <a:pPr lvl="1"/>
-            <a:r>
-              <a:rPr lang="de-CH" dirty="0" smtClean="0"/>
-              <a:t>Eventuell </a:t>
-            </a:r>
-            <a:r>
-              <a:rPr lang="de-CH" dirty="0"/>
-              <a:t>Standardablauf Such mit erstelltem Seq. Diagramm</a:t>
-            </a:r>
-          </a:p>
-        </p:txBody>
-      </p:sp>
-      <p:sp>
-        <p:nvSpPr>
-          <p:cNvPr id="10" name="Inhaltsplatzhalter 9"/>
-          <p:cNvSpPr>
-            <a:spLocks noGrp="1"/>
-          </p:cNvSpPr>
-          <p:nvPr>
-            <p:ph sz="half" idx="15"/>
-          </p:nvPr>
-        </p:nvSpPr>
-        <p:spPr/>
-        <p:txBody>
-          <a:bodyPr/>
-          <a:lstStyle/>
-          <a:p>
-            <a:r>
-              <a:rPr lang="de-CH" dirty="0" err="1" smtClean="0"/>
-              <a:t>Märcu</a:t>
-            </a:r>
-            <a:r>
-              <a:rPr lang="de-CH" dirty="0" smtClean="0"/>
-              <a:t/>
+              <a:t>Model</a:t>
             </a:r>
             <a:br>
               <a:rPr lang="de-CH" dirty="0" smtClean="0"/>
             </a:br>
             <a:r>
               <a:rPr lang="de-CH" dirty="0" smtClean="0"/>
-              <a:t>Wikipedia-REST </a:t>
+              <a:t>Beispiel </a:t>
             </a:r>
             <a:r>
               <a:rPr lang="de-CH" dirty="0"/>
-              <a:t>API- Präsentation Shop- Model, </a:t>
-            </a:r>
-            <a:r>
-              <a:rPr lang="de-CH" dirty="0" err="1"/>
-              <a:t>beispiel</a:t>
+              <a:t>anhand </a:t>
+            </a:r>
+            <a:r>
+              <a:rPr lang="de-CH" dirty="0" smtClean="0"/>
+              <a:t>User Model </a:t>
             </a:r>
             <a:r>
               <a:rPr lang="de-CH" dirty="0"/>
-              <a:t> anhand </a:t>
-            </a:r>
-            <a:r>
-              <a:rPr lang="de-CH" dirty="0" err="1"/>
-              <a:t>UserModel</a:t>
-            </a:r>
-            <a:r>
-              <a:rPr lang="de-CH" dirty="0"/>
-              <a:t> (</a:t>
+              <a:t>(</a:t>
             </a:r>
             <a:r>
               <a:rPr lang="de-CH" dirty="0" err="1"/>
@@ -8409,13 +8108,16 @@
               <a:rPr lang="de-CH" dirty="0"/>
               <a:t>)</a:t>
             </a:r>
+          </a:p>
+          <a:p>
+            <a:endParaRPr lang="de-CH" dirty="0"/>
           </a:p>
         </p:txBody>
       </p:sp>
     </p:spTree>
     <p:extLst>
       <p:ext uri="{BB962C8B-B14F-4D97-AF65-F5344CB8AC3E}">
-        <p14:creationId xmlns:p14="http://schemas.microsoft.com/office/powerpoint/2010/main" val="1673217479"/>
+        <p14:creationId xmlns:p14="http://schemas.microsoft.com/office/powerpoint/2010/main" val="1221095212"/>
       </p:ext>
     </p:extLst>
   </p:cSld>
@@ -8466,7 +8168,7 @@
           <a:p>
             <a:r>
               <a:rPr lang="de-CH" dirty="0" smtClean="0"/>
-              <a:t>Features</a:t>
+              <a:t>Live Demonstration &amp; Features</a:t>
             </a:r>
             <a:endParaRPr lang="de-CH" dirty="0"/>
           </a:p>
@@ -8487,7 +8189,7 @@
           <a:bodyPr/>
           <a:lstStyle/>
           <a:p>
-            <a:endParaRPr lang="de-CH"/>
+            <a:endParaRPr lang="de-CH" dirty="0"/>
           </a:p>
         </p:txBody>
       </p:sp>
@@ -8527,8 +8229,62 @@
           <a:p>
             <a:r>
               <a:rPr lang="de-CH" dirty="0" smtClean="0"/>
-              <a:t>Beschrieb des Features	</a:t>
-            </a:r>
+              <a:t>Fabian:</a:t>
+            </a:r>
+          </a:p>
+          <a:p>
+            <a:r>
+              <a:rPr lang="de-CH" dirty="0" smtClean="0"/>
+              <a:t>CSS</a:t>
+            </a:r>
+          </a:p>
+          <a:p>
+            <a:pPr lvl="1"/>
+            <a:r>
+              <a:rPr lang="de-CH" dirty="0" smtClean="0"/>
+              <a:t>CSS3,</a:t>
+            </a:r>
+          </a:p>
+          <a:p>
+            <a:r>
+              <a:rPr lang="de-CH" dirty="0" smtClean="0"/>
+              <a:t>Shopping </a:t>
+            </a:r>
+            <a:r>
+              <a:rPr lang="de-CH" dirty="0" err="1" smtClean="0"/>
+              <a:t>Cart</a:t>
+            </a:r>
+            <a:endParaRPr lang="de-CH" dirty="0" smtClean="0"/>
+          </a:p>
+          <a:p>
+            <a:pPr lvl="1"/>
+            <a:r>
+              <a:rPr lang="de-CH" smtClean="0"/>
+              <a:t>OOP PHP</a:t>
+            </a:r>
+          </a:p>
+          <a:p>
+            <a:pPr lvl="1"/>
+            <a:endParaRPr lang="de-CH" smtClean="0"/>
+          </a:p>
+          <a:p>
+            <a:pPr lvl="1"/>
+            <a:endParaRPr lang="de-CH" dirty="0"/>
+          </a:p>
+          <a:p>
+            <a:r>
+              <a:rPr lang="de-CH" dirty="0" err="1" smtClean="0"/>
+              <a:t>Ordering</a:t>
+            </a:r>
+            <a:r>
+              <a:rPr lang="de-CH" dirty="0" smtClean="0"/>
+              <a:t> Process</a:t>
+            </a:r>
+          </a:p>
+          <a:p>
+            <a:endParaRPr lang="de-CH" dirty="0"/>
+          </a:p>
+          <a:p>
             <a:endParaRPr lang="de-CH" dirty="0"/>
           </a:p>
         </p:txBody>
@@ -8548,10 +8304,6 @@
           <a:bodyPr/>
           <a:lstStyle/>
           <a:p>
-            <a:r>
-              <a:rPr lang="de-CH" dirty="0" err="1" smtClean="0"/>
-              <a:t>PrintScreen</a:t>
-            </a:r>
             <a:endParaRPr lang="de-CH" dirty="0"/>
           </a:p>
         </p:txBody>
@@ -8559,7 +8311,7 @@
     </p:spTree>
     <p:extLst>
       <p:ext uri="{BB962C8B-B14F-4D97-AF65-F5344CB8AC3E}">
-        <p14:creationId xmlns:p14="http://schemas.microsoft.com/office/powerpoint/2010/main" val="1590525897"/>
+        <p14:creationId xmlns:p14="http://schemas.microsoft.com/office/powerpoint/2010/main" val="2962422346"/>
       </p:ext>
     </p:extLst>
   </p:cSld>
@@ -8595,12 +8347,12 @@
       </p:grpSpPr>
       <p:sp>
         <p:nvSpPr>
-          <p:cNvPr id="7" name="Titel 6"/>
+          <p:cNvPr id="2" name="Inhaltsplatzhalter 1"/>
           <p:cNvSpPr>
             <a:spLocks noGrp="1"/>
           </p:cNvSpPr>
           <p:nvPr>
-            <p:ph type="ctrTitle"/>
+            <p:ph sz="half" idx="1"/>
           </p:nvPr>
         </p:nvSpPr>
         <p:spPr/>
@@ -8610,20 +8362,91 @@
           <a:p>
             <a:r>
               <a:rPr lang="de-CH" dirty="0" smtClean="0"/>
-              <a:t>Features</a:t>
-            </a:r>
+              <a:t>Martin</a:t>
+            </a:r>
+          </a:p>
+          <a:p>
+            <a:pPr lvl="1"/>
+            <a:r>
+              <a:rPr lang="de-CH" dirty="0" err="1" smtClean="0"/>
+              <a:t>viu</a:t>
+            </a:r>
+            <a:endParaRPr lang="de-CH" dirty="0" smtClean="0"/>
+          </a:p>
+          <a:p>
+            <a:r>
+              <a:rPr lang="de-CH" dirty="0" smtClean="0"/>
+              <a:t>Fabian</a:t>
+            </a:r>
+          </a:p>
+          <a:p>
+            <a:pPr lvl="1"/>
+            <a:r>
+              <a:rPr lang="de-CH" dirty="0" smtClean="0"/>
+              <a:t>…</a:t>
+            </a:r>
+          </a:p>
+          <a:p>
+            <a:pPr lvl="1"/>
+            <a:r>
+              <a:rPr lang="de-CH" dirty="0" smtClean="0"/>
+              <a:t>Shopping </a:t>
+            </a:r>
+            <a:r>
+              <a:rPr lang="de-CH" dirty="0" err="1" smtClean="0"/>
+              <a:t>Cart</a:t>
+            </a:r>
+            <a:r>
+              <a:rPr lang="de-CH" dirty="0" smtClean="0"/>
+              <a:t> &amp; </a:t>
+            </a:r>
+            <a:r>
+              <a:rPr lang="de-CH" dirty="0" err="1" smtClean="0"/>
+              <a:t>Ordering</a:t>
+            </a:r>
+            <a:endParaRPr lang="de-CH" dirty="0" smtClean="0"/>
+          </a:p>
+          <a:p>
+            <a:r>
+              <a:rPr lang="de-CH" dirty="0" smtClean="0"/>
+              <a:t>Marcel</a:t>
+            </a:r>
+          </a:p>
+          <a:p>
+            <a:pPr lvl="1"/>
+            <a:r>
+              <a:rPr lang="de-CH" dirty="0" err="1" smtClean="0"/>
+              <a:t>ou</a:t>
+            </a:r>
+            <a:r>
+              <a:rPr lang="de-CH" dirty="0" smtClean="0"/>
+              <a:t> </a:t>
+            </a:r>
+            <a:r>
+              <a:rPr lang="de-CH" dirty="0" err="1" smtClean="0"/>
+              <a:t>viu</a:t>
+            </a:r>
+            <a:endParaRPr lang="de-CH" dirty="0" smtClean="0"/>
+          </a:p>
+          <a:p>
+            <a:endParaRPr lang="de-CH" dirty="0" smtClean="0"/>
+          </a:p>
+          <a:p>
+            <a:endParaRPr lang="de-CH" dirty="0" smtClean="0"/>
+          </a:p>
+          <a:p>
             <a:endParaRPr lang="de-CH" dirty="0"/>
           </a:p>
         </p:txBody>
       </p:sp>
       <p:sp>
         <p:nvSpPr>
-          <p:cNvPr id="8" name="Textplatzhalter 7"/>
+          <p:cNvPr id="3" name="Titel 2"/>
           <p:cNvSpPr>
             <a:spLocks noGrp="1"/>
           </p:cNvSpPr>
           <p:nvPr>
-            <p:ph type="body" idx="1"/>
+            <p:ph type="ctrTitle"/>
           </p:nvPr>
         </p:nvSpPr>
         <p:spPr/>
@@ -8631,70 +8454,29 @@
           <a:bodyPr/>
           <a:lstStyle/>
           <a:p>
-            <a:endParaRPr lang="de-CH"/>
-          </a:p>
-        </p:txBody>
-      </p:sp>
-      <p:sp>
-        <p:nvSpPr>
-          <p:cNvPr id="11" name="Textplatzhalter 10"/>
-          <p:cNvSpPr>
-            <a:spLocks noGrp="1"/>
-          </p:cNvSpPr>
-          <p:nvPr>
-            <p:ph type="body" idx="18"/>
-          </p:nvPr>
-        </p:nvSpPr>
-        <p:spPr/>
-        <p:txBody>
-          <a:bodyPr/>
-          <a:lstStyle/>
-          <a:p>
-            <a:endParaRPr lang="de-CH"/>
-          </a:p>
-        </p:txBody>
-      </p:sp>
-      <p:sp>
-        <p:nvSpPr>
-          <p:cNvPr id="9" name="Inhaltsplatzhalter 8"/>
-          <p:cNvSpPr>
-            <a:spLocks noGrp="1"/>
-          </p:cNvSpPr>
-          <p:nvPr>
-            <p:ph sz="half" idx="13"/>
-          </p:nvPr>
-        </p:nvSpPr>
-        <p:spPr/>
-        <p:txBody>
-          <a:bodyPr/>
-          <a:lstStyle/>
-          <a:p>
-            <a:r>
-              <a:rPr lang="de-CH" dirty="0" smtClean="0"/>
-              <a:t>Beschrieb des Features	</a:t>
-            </a:r>
-            <a:endParaRPr lang="de-CH" dirty="0"/>
-          </a:p>
-        </p:txBody>
-      </p:sp>
-      <p:sp>
-        <p:nvSpPr>
-          <p:cNvPr id="10" name="Inhaltsplatzhalter 9"/>
-          <p:cNvSpPr>
-            <a:spLocks noGrp="1"/>
-          </p:cNvSpPr>
-          <p:nvPr>
-            <p:ph sz="half" idx="15"/>
-          </p:nvPr>
-        </p:nvSpPr>
-        <p:spPr/>
-        <p:txBody>
-          <a:bodyPr/>
-          <a:lstStyle/>
-          <a:p>
-            <a:r>
-              <a:rPr lang="de-CH" dirty="0" err="1" smtClean="0"/>
-              <a:t>PrintScreen</a:t>
+            <a:r>
+              <a:rPr lang="de-CH" dirty="0"/>
+              <a:t>Distribution </a:t>
+            </a:r>
+            <a:r>
+              <a:rPr lang="de-CH" dirty="0" err="1"/>
+              <a:t>among</a:t>
+            </a:r>
+            <a:r>
+              <a:rPr lang="de-CH" dirty="0"/>
+              <a:t> </a:t>
+            </a:r>
+            <a:r>
+              <a:rPr lang="de-CH" dirty="0" err="1"/>
+              <a:t>the</a:t>
+            </a:r>
+            <a:r>
+              <a:rPr lang="de-CH" dirty="0"/>
+              <a:t> </a:t>
+            </a:r>
+            <a:r>
+              <a:rPr lang="de-CH" dirty="0" err="1"/>
+              <a:t>team</a:t>
             </a:r>
             <a:endParaRPr lang="de-CH" dirty="0"/>
           </a:p>
@@ -8703,7 +8485,7 @@
     </p:spTree>
     <p:extLst>
       <p:ext uri="{BB962C8B-B14F-4D97-AF65-F5344CB8AC3E}">
-        <p14:creationId xmlns:p14="http://schemas.microsoft.com/office/powerpoint/2010/main" val="1590525897"/>
+        <p14:creationId xmlns:p14="http://schemas.microsoft.com/office/powerpoint/2010/main" val="1401125318"/>
       </p:ext>
     </p:extLst>
   </p:cSld>
@@ -8739,12 +8521,12 @@
       </p:grpSpPr>
       <p:sp>
         <p:nvSpPr>
-          <p:cNvPr id="7" name="Titel 6"/>
+          <p:cNvPr id="2" name="Content Placeholder 1"/>
           <p:cNvSpPr>
             <a:spLocks noGrp="1"/>
           </p:cNvSpPr>
           <p:nvPr>
-            <p:ph type="ctrTitle"/>
+            <p:ph sz="half" idx="1"/>
           </p:nvPr>
         </p:nvSpPr>
         <p:spPr/>
@@ -8753,21 +8535,99 @@
           <a:lstStyle/>
           <a:p>
             <a:r>
-              <a:rPr lang="de-CH" dirty="0" smtClean="0"/>
-              <a:t>Features</a:t>
-            </a:r>
-            <a:endParaRPr lang="de-CH" dirty="0"/>
-          </a:p>
-        </p:txBody>
-      </p:sp>
-      <p:sp>
-        <p:nvSpPr>
-          <p:cNvPr id="8" name="Textplatzhalter 7"/>
+              <a:rPr lang="en-US" dirty="0" smtClean="0"/>
+              <a:t>Distribution of work demands good planning – especially in teams where there’s a gap in skills &amp; experience</a:t>
+            </a:r>
+          </a:p>
+          <a:p>
+            <a:r>
+              <a:rPr lang="en-US" dirty="0" err="1" smtClean="0"/>
+              <a:t>Layouting</a:t>
+            </a:r>
+            <a:r>
+              <a:rPr lang="en-US" dirty="0" smtClean="0"/>
+              <a:t> </a:t>
+            </a:r>
+            <a:r>
+              <a:rPr lang="en-US" dirty="0" smtClean="0"/>
+              <a:t>consumed </a:t>
+            </a:r>
+            <a:r>
+              <a:rPr lang="en-US" dirty="0" smtClean="0"/>
+              <a:t>plenty of </a:t>
+            </a:r>
+            <a:r>
+              <a:rPr lang="en-US" dirty="0" smtClean="0"/>
+              <a:t>time. Especially </a:t>
+            </a:r>
+            <a:r>
+              <a:rPr lang="en-US" dirty="0" smtClean="0"/>
+              <a:t>if you’re not familiar with </a:t>
+            </a:r>
+            <a:r>
+              <a:rPr lang="en-US" dirty="0" smtClean="0"/>
+              <a:t>CSS</a:t>
+            </a:r>
+          </a:p>
+          <a:p>
+            <a:r>
+              <a:rPr lang="en-US" dirty="0" smtClean="0"/>
+              <a:t>Handling of the repository tool with a suitable hierarchy and the possibility of versioning (unfortunately not available in GitHub)</a:t>
+            </a:r>
+          </a:p>
+          <a:p>
+            <a:pPr marL="0" indent="0">
+              <a:buNone/>
+            </a:pPr>
+            <a:endParaRPr lang="en-US" dirty="0"/>
+          </a:p>
+          <a:p>
+            <a:r>
+              <a:rPr lang="en-US" dirty="0" smtClean="0"/>
+              <a:t>What we liked </a:t>
+            </a:r>
+          </a:p>
+          <a:p>
+            <a:pPr lvl="1"/>
+            <a:r>
+              <a:rPr lang="en-US" dirty="0" smtClean="0"/>
+              <a:t>Despite of the given technologies to use there was enough space for individual implementation</a:t>
+            </a:r>
+          </a:p>
+          <a:p>
+            <a:endParaRPr lang="en-US" dirty="0"/>
+          </a:p>
+          <a:p>
+            <a:r>
+              <a:rPr lang="en-US" dirty="0" smtClean="0"/>
+              <a:t>What we didn’t like so much…</a:t>
+            </a:r>
+          </a:p>
+          <a:p>
+            <a:pPr lvl="1"/>
+            <a:r>
+              <a:rPr lang="en-US" dirty="0" smtClean="0"/>
+              <a:t>the effort to replace the implementation of a feature with another technology required too much time in some cases</a:t>
+            </a:r>
+          </a:p>
+          <a:p>
+            <a:pPr lvl="1"/>
+            <a:endParaRPr lang="en-US" dirty="0" smtClean="0"/>
+          </a:p>
+          <a:p>
+            <a:pPr lvl="1"/>
+            <a:endParaRPr lang="en-US" dirty="0"/>
+          </a:p>
+        </p:txBody>
+      </p:sp>
+      <p:sp>
+        <p:nvSpPr>
+          <p:cNvPr id="3" name="Title 2"/>
           <p:cNvSpPr>
             <a:spLocks noGrp="1"/>
           </p:cNvSpPr>
           <p:nvPr>
-            <p:ph type="body" idx="1"/>
+            <p:ph type="ctrTitle"/>
           </p:nvPr>
         </p:nvSpPr>
         <p:spPr/>
@@ -8775,79 +8635,18 @@
           <a:bodyPr/>
           <a:lstStyle/>
           <a:p>
-            <a:endParaRPr lang="de-CH"/>
-          </a:p>
-        </p:txBody>
-      </p:sp>
-      <p:sp>
-        <p:nvSpPr>
-          <p:cNvPr id="11" name="Textplatzhalter 10"/>
-          <p:cNvSpPr>
-            <a:spLocks noGrp="1"/>
-          </p:cNvSpPr>
-          <p:nvPr>
-            <p:ph type="body" idx="18"/>
-          </p:nvPr>
-        </p:nvSpPr>
-        <p:spPr/>
-        <p:txBody>
-          <a:bodyPr/>
-          <a:lstStyle/>
-          <a:p>
-            <a:endParaRPr lang="de-CH"/>
-          </a:p>
-        </p:txBody>
-      </p:sp>
-      <p:sp>
-        <p:nvSpPr>
-          <p:cNvPr id="9" name="Inhaltsplatzhalter 8"/>
-          <p:cNvSpPr>
-            <a:spLocks noGrp="1"/>
-          </p:cNvSpPr>
-          <p:nvPr>
-            <p:ph sz="half" idx="13"/>
-          </p:nvPr>
-        </p:nvSpPr>
-        <p:spPr/>
-        <p:txBody>
-          <a:bodyPr/>
-          <a:lstStyle/>
-          <a:p>
-            <a:r>
-              <a:rPr lang="de-CH" dirty="0" smtClean="0"/>
-              <a:t>Beschrieb des Features	</a:t>
-            </a:r>
-            <a:endParaRPr lang="de-CH" dirty="0"/>
-          </a:p>
-        </p:txBody>
-      </p:sp>
-      <p:sp>
-        <p:nvSpPr>
-          <p:cNvPr id="10" name="Inhaltsplatzhalter 9"/>
-          <p:cNvSpPr>
-            <a:spLocks noGrp="1"/>
-          </p:cNvSpPr>
-          <p:nvPr>
-            <p:ph sz="half" idx="15"/>
-          </p:nvPr>
-        </p:nvSpPr>
-        <p:spPr/>
-        <p:txBody>
-          <a:bodyPr/>
-          <a:lstStyle/>
-          <a:p>
-            <a:r>
-              <a:rPr lang="de-CH" dirty="0" err="1" smtClean="0"/>
-              <a:t>PrintScreen</a:t>
-            </a:r>
-            <a:endParaRPr lang="de-CH" dirty="0"/>
+            <a:r>
+              <a:rPr lang="en-US" dirty="0" smtClean="0"/>
+              <a:t>Lessons learnt &amp; Review</a:t>
+            </a:r>
+            <a:endParaRPr lang="en-US" dirty="0"/>
           </a:p>
         </p:txBody>
       </p:sp>
     </p:spTree>
     <p:extLst>
       <p:ext uri="{BB962C8B-B14F-4D97-AF65-F5344CB8AC3E}">
-        <p14:creationId xmlns:p14="http://schemas.microsoft.com/office/powerpoint/2010/main" val="1590525897"/>
+        <p14:creationId xmlns:p14="http://schemas.microsoft.com/office/powerpoint/2010/main" val="2865284130"/>
       </p:ext>
     </p:extLst>
   </p:cSld>
@@ -9695,6 +9494,33 @@
 </file>
 
 <file path=customXml/item1.xml><?xml version="1.0" encoding="utf-8"?>
+<p:properties xmlns:p="http://schemas.microsoft.com/office/2006/metadata/properties" xmlns:xsi="http://www.w3.org/2001/XMLSchema-instance" xmlns:pc="http://schemas.microsoft.com/office/infopath/2007/PartnerControls">
+  <documentManagement>
+    <TaxCatchAll xmlns="2551ef7e-3b29-44d1-a8ad-ef34c26bfc60">
+      <Value>241</Value>
+    </TaxCatchAll>
+    <BfhIntranetDepartmentText xmlns="4b463c31-e9b0-413b-88df-ea7e9f53a7ba">
+      <Terms xmlns="http://schemas.microsoft.com/office/infopath/2007/PartnerControls">
+        <TermInfo xmlns="http://schemas.microsoft.com/office/infopath/2007/PartnerControls">
+          <TermName xmlns="http://schemas.microsoft.com/office/infopath/2007/PartnerControls">Vorlage</TermName>
+          <TermId xmlns="http://schemas.microsoft.com/office/infopath/2007/PartnerControls">de1a6d3c-ac6a-4b34-8edd-308eb81066db</TermId>
+        </TermInfo>
+      </Terms>
+    </BfhIntranetDepartmentText>
+  </documentManagement>
+</p:properties>
+</file>
+
+<file path=customXml/item2.xml><?xml version="1.0" encoding="utf-8"?>
+<?mso-contentType ?>
+<FormTemplates xmlns="http://schemas.microsoft.com/sharepoint/v3/contenttype/forms">
+  <Display>DocumentLibraryForm</Display>
+  <Edit>DocumentLibraryForm</Edit>
+  <New>DocumentLibraryForm</New>
+</FormTemplates>
+</file>
+
+<file path=customXml/item3.xml><?xml version="1.0" encoding="utf-8"?>
 <ct:contentTypeSchema xmlns:ct="http://schemas.microsoft.com/office/2006/metadata/contentType" xmlns:ma="http://schemas.microsoft.com/office/2006/metadata/properties/metaAttributes" ct:_="" ma:_="" ma:contentTypeName="BFH Document" ma:contentTypeID="0x0101009127C3B567804923A8661E062BBD8EF500562C9D82744B284A86093F1D9B579BDC" ma:contentTypeVersion="2" ma:contentTypeDescription="Ein neues Dokument erstellen." ma:contentTypeScope="" ma:versionID="85c74107ca2205fa2d79ffbd44cb7ca7">
   <xsd:schema xmlns:xsd="http://www.w3.org/2001/XMLSchema" xmlns:xs="http://www.w3.org/2001/XMLSchema" xmlns:p="http://schemas.microsoft.com/office/2006/metadata/properties" xmlns:ns2="4b463c31-e9b0-413b-88df-ea7e9f53a7ba" xmlns:ns3="2551ef7e-3b29-44d1-a8ad-ef34c26bfc60" targetNamespace="http://schemas.microsoft.com/office/2006/metadata/properties" ma:root="true" ma:fieldsID="850aabddd6d95701c4b28714f3a316c8" ns2:_="" ns3:_="">
     <xsd:import namespace="4b463c31-e9b0-413b-88df-ea7e9f53a7ba"/>
@@ -9839,34 +9665,32 @@
 </ct:contentTypeSchema>
 </file>
 
-<file path=customXml/item2.xml><?xml version="1.0" encoding="utf-8"?>
-<?mso-contentType ?>
-<FormTemplates xmlns="http://schemas.microsoft.com/sharepoint/v3/contenttype/forms">
-  <Display>DocumentLibraryForm</Display>
-  <Edit>DocumentLibraryForm</Edit>
-  <New>DocumentLibraryForm</New>
-</FormTemplates>
+<file path=customXml/itemProps1.xml><?xml version="1.0" encoding="utf-8"?>
+<ds:datastoreItem xmlns:ds="http://schemas.openxmlformats.org/officeDocument/2006/customXml" ds:itemID="{96591048-6F15-48C6-9650-9BFF3E56974F}">
+  <ds:schemaRefs>
+    <ds:schemaRef ds:uri="http://schemas.microsoft.com/office/infopath/2007/PartnerControls"/>
+    <ds:schemaRef ds:uri="http://www.w3.org/XML/1998/namespace"/>
+    <ds:schemaRef ds:uri="http://schemas.microsoft.com/office/2006/metadata/properties"/>
+    <ds:schemaRef ds:uri="http://purl.org/dc/dcmitype/"/>
+    <ds:schemaRef ds:uri="http://schemas.microsoft.com/office/2006/documentManagement/types"/>
+    <ds:schemaRef ds:uri="http://purl.org/dc/elements/1.1/"/>
+    <ds:schemaRef ds:uri="http://schemas.openxmlformats.org/package/2006/metadata/core-properties"/>
+    <ds:schemaRef ds:uri="2551ef7e-3b29-44d1-a8ad-ef34c26bfc60"/>
+    <ds:schemaRef ds:uri="4b463c31-e9b0-413b-88df-ea7e9f53a7ba"/>
+    <ds:schemaRef ds:uri="http://purl.org/dc/terms/"/>
+  </ds:schemaRefs>
+</ds:datastoreItem>
 </file>
 
-<file path=customXml/item3.xml><?xml version="1.0" encoding="utf-8"?>
-<p:properties xmlns:p="http://schemas.microsoft.com/office/2006/metadata/properties" xmlns:xsi="http://www.w3.org/2001/XMLSchema-instance" xmlns:pc="http://schemas.microsoft.com/office/infopath/2007/PartnerControls">
-  <documentManagement>
-    <TaxCatchAll xmlns="2551ef7e-3b29-44d1-a8ad-ef34c26bfc60">
-      <Value>241</Value>
-    </TaxCatchAll>
-    <BfhIntranetDepartmentText xmlns="4b463c31-e9b0-413b-88df-ea7e9f53a7ba">
-      <Terms xmlns="http://schemas.microsoft.com/office/infopath/2007/PartnerControls">
-        <TermInfo xmlns="http://schemas.microsoft.com/office/infopath/2007/PartnerControls">
-          <TermName xmlns="http://schemas.microsoft.com/office/infopath/2007/PartnerControls">Vorlage</TermName>
-          <TermId xmlns="http://schemas.microsoft.com/office/infopath/2007/PartnerControls">de1a6d3c-ac6a-4b34-8edd-308eb81066db</TermId>
-        </TermInfo>
-      </Terms>
-    </BfhIntranetDepartmentText>
-  </documentManagement>
-</p:properties>
+<file path=customXml/itemProps2.xml><?xml version="1.0" encoding="utf-8"?>
+<ds:datastoreItem xmlns:ds="http://schemas.openxmlformats.org/officeDocument/2006/customXml" ds:itemID="{CCF5E5E7-7F77-47A8-99A9-B4D5839292F3}">
+  <ds:schemaRefs>
+    <ds:schemaRef ds:uri="http://schemas.microsoft.com/sharepoint/v3/contenttype/forms"/>
+  </ds:schemaRefs>
+</ds:datastoreItem>
 </file>
 
-<file path=customXml/itemProps1.xml><?xml version="1.0" encoding="utf-8"?>
+<file path=customXml/itemProps3.xml><?xml version="1.0" encoding="utf-8"?>
 <ds:datastoreItem xmlns:ds="http://schemas.openxmlformats.org/officeDocument/2006/customXml" ds:itemID="{8F3C1F62-CC3B-4F2A-BAEC-F8005B132EC9}">
   <ds:schemaRefs>
     <ds:schemaRef ds:uri="http://schemas.microsoft.com/office/2006/metadata/contentType"/>
@@ -9883,29 +9707,4 @@
     <ds:schemaRef ds:uri="http://schemas.microsoft.com/internal/obd"/>
   </ds:schemaRefs>
 </ds:datastoreItem>
-</file>
-
-<file path=customXml/itemProps2.xml><?xml version="1.0" encoding="utf-8"?>
-<ds:datastoreItem xmlns:ds="http://schemas.openxmlformats.org/officeDocument/2006/customXml" ds:itemID="{CCF5E5E7-7F77-47A8-99A9-B4D5839292F3}">
-  <ds:schemaRefs>
-    <ds:schemaRef ds:uri="http://schemas.microsoft.com/sharepoint/v3/contenttype/forms"/>
-  </ds:schemaRefs>
-</ds:datastoreItem>
-</file>
-
-<file path=customXml/itemProps3.xml><?xml version="1.0" encoding="utf-8"?>
-<ds:datastoreItem xmlns:ds="http://schemas.openxmlformats.org/officeDocument/2006/customXml" ds:itemID="{96591048-6F15-48C6-9650-9BFF3E56974F}">
-  <ds:schemaRefs>
-    <ds:schemaRef ds:uri="http://schemas.microsoft.com/office/infopath/2007/PartnerControls"/>
-    <ds:schemaRef ds:uri="http://www.w3.org/XML/1998/namespace"/>
-    <ds:schemaRef ds:uri="http://schemas.microsoft.com/office/2006/metadata/properties"/>
-    <ds:schemaRef ds:uri="http://purl.org/dc/dcmitype/"/>
-    <ds:schemaRef ds:uri="http://schemas.microsoft.com/office/2006/documentManagement/types"/>
-    <ds:schemaRef ds:uri="http://purl.org/dc/elements/1.1/"/>
-    <ds:schemaRef ds:uri="http://schemas.openxmlformats.org/package/2006/metadata/core-properties"/>
-    <ds:schemaRef ds:uri="2551ef7e-3b29-44d1-a8ad-ef34c26bfc60"/>
-    <ds:schemaRef ds:uri="4b463c31-e9b0-413b-88df-ea7e9f53a7ba"/>
-    <ds:schemaRef ds:uri="http://purl.org/dc/terms/"/>
-  </ds:schemaRefs>
-</ds:datastoreItem>
 </file>
--- a/trunk/doc/Presentation.pptx
+++ b/trunk/doc/Presentation.pptx
@@ -5,10 +5,10 @@
     <p:sldMasterId id="2147483669" r:id="rId4"/>
   </p:sldMasterIdLst>
   <p:notesMasterIdLst>
-    <p:notesMasterId r:id="rId15"/>
+    <p:notesMasterId r:id="rId16"/>
   </p:notesMasterIdLst>
   <p:handoutMasterIdLst>
-    <p:handoutMasterId r:id="rId16"/>
+    <p:handoutMasterId r:id="rId17"/>
   </p:handoutMasterIdLst>
   <p:sldIdLst>
     <p:sldId id="256" r:id="rId5"/>
@@ -20,7 +20,8 @@
     <p:sldId id="276" r:id="rId11"/>
     <p:sldId id="273" r:id="rId12"/>
     <p:sldId id="274" r:id="rId13"/>
-    <p:sldId id="266" r:id="rId14"/>
+    <p:sldId id="277" r:id="rId14"/>
+    <p:sldId id="266" r:id="rId15"/>
   </p:sldIdLst>
   <p:sldSz cx="9144000" cy="6858000" type="screen4x3"/>
   <p:notesSz cx="6797675" cy="9872663"/>
@@ -201,6 +202,10 @@
             </a:lvl1pPr>
           </a:lstStyle>
           <a:p>
+            <a:r>
+              <a:rPr lang="de-CH" smtClean="0"/>
+              <a:t>12.01.2015 | Web Programming BTI7054</a:t>
+            </a:r>
             <a:endParaRPr lang="de-CH"/>
           </a:p>
         </p:txBody>
@@ -234,7 +239,7 @@
           <a:p>
             <a:fld id="{EFA0D184-D464-48E9-9CA0-A94E873F6C2C}" type="datetimeFigureOut">
               <a:rPr lang="de-CH" smtClean="0"/>
-              <a:t>09.01.2015</a:t>
+              <a:t>10.01.2015</a:t>
             </a:fld>
             <a:endParaRPr lang="de-CH"/>
           </a:p>
@@ -314,6 +319,7 @@
     </p:extLst>
   </p:cSld>
   <p:clrMap bg1="lt1" tx1="dk1" bg2="lt2" tx2="dk2" accent1="accent1" accent2="accent2" accent3="accent3" accent4="accent4" accent5="accent5" accent6="accent6" hlink="hlink" folHlink="folHlink"/>
+  <p:hf ftr="0" dt="0"/>
 </p:handoutMaster>
 </file>
 
@@ -366,6 +372,10 @@
             </a:lvl1pPr>
           </a:lstStyle>
           <a:p>
+            <a:r>
+              <a:rPr lang="de-CH" smtClean="0"/>
+              <a:t>12.01.2015 | Web Programming BTI7054</a:t>
+            </a:r>
             <a:endParaRPr lang="de-CH"/>
           </a:p>
         </p:txBody>
@@ -399,7 +409,7 @@
           <a:p>
             <a:fld id="{5AF2B663-2BA9-4D7E-8201-5DE4109E1EDD}" type="datetimeFigureOut">
               <a:rPr lang="de-CH" smtClean="0"/>
-              <a:t>09.01.2015</a:t>
+              <a:t>10.01.2015</a:t>
             </a:fld>
             <a:endParaRPr lang="de-CH"/>
           </a:p>
@@ -572,6 +582,7 @@
     </p:extLst>
   </p:cSld>
   <p:clrMap bg1="lt1" tx1="dk1" bg2="lt2" tx2="dk2" accent1="accent1" accent2="accent2" accent3="accent3" accent4="accent4" accent5="accent5" accent6="accent6" hlink="hlink" folHlink="folHlink"/>
+  <p:hf ftr="0" dt="0"/>
   <p:notesStyle>
     <a:lvl1pPr marL="0" algn="l" defTabSz="914400" rtl="0" eaLnBrk="1" latinLnBrk="0" hangingPunct="1">
       <a:defRPr sz="1200" kern="1200">
@@ -738,6 +749,29 @@
           </a:p>
         </p:txBody>
       </p:sp>
+      <p:sp>
+        <p:nvSpPr>
+          <p:cNvPr id="5" name="Header Placeholder 4"/>
+          <p:cNvSpPr>
+            <a:spLocks noGrp="1"/>
+          </p:cNvSpPr>
+          <p:nvPr>
+            <p:ph type="hdr" sz="quarter" idx="11"/>
+          </p:nvPr>
+        </p:nvSpPr>
+        <p:spPr/>
+        <p:txBody>
+          <a:bodyPr/>
+          <a:lstStyle/>
+          <a:p>
+            <a:r>
+              <a:rPr lang="de-CH" smtClean="0"/>
+              <a:t>12.01.2015 | Web Programming BTI7054</a:t>
+            </a:r>
+            <a:endParaRPr lang="de-CH"/>
+          </a:p>
+        </p:txBody>
+      </p:sp>
     </p:spTree>
     <p:extLst>
       <p:ext uri="{BB962C8B-B14F-4D97-AF65-F5344CB8AC3E}">
@@ -1333,11 +1367,15 @@
             </a:lvl5pPr>
           </a:lstStyle>
           <a:p>
-            <a:pPr lvl="0"/>
-            <a:r>
-              <a:rPr lang="de-DE" dirty="0" smtClean="0"/>
-              <a:t>Organisationseinheit oder Leistungsbereich</a:t>
-            </a:r>
+            <a:r>
+              <a:rPr lang="de-CH" dirty="0" smtClean="0">
+                <a:latin typeface="Lucida Sans" pitchFamily="34" charset="0"/>
+              </a:rPr>
+              <a:t>12.01.2015 | Web Programming BTI7054</a:t>
+            </a:r>
+            <a:endParaRPr lang="de-CH" dirty="0" smtClean="0">
+              <a:latin typeface="Lucida Sans" pitchFamily="34" charset="0"/>
+            </a:endParaRPr>
           </a:p>
         </p:txBody>
       </p:sp>
@@ -1394,6 +1432,13 @@
   <p:clrMapOvr>
     <a:masterClrMapping/>
   </p:clrMapOvr>
+  <p:timing>
+    <p:tnLst>
+      <p:par>
+        <p:cTn id="1" dur="indefinite" restart="never" nodeType="tmRoot"/>
+      </p:par>
+    </p:tnLst>
+  </p:timing>
 </p:sldLayout>
 </file>
 
@@ -2653,7 +2698,16 @@
         <p:txBody>
           <a:bodyPr vert="horz" lIns="0" rIns="0"/>
           <a:lstStyle>
-            <a:lvl1pPr marL="177800" indent="-177800">
+            <a:lvl1pPr marL="177800" marR="0" indent="-177800" algn="l" defTabSz="457200" rtl="0" eaLnBrk="1" fontAlgn="base" latinLnBrk="0" hangingPunct="1">
+              <a:lnSpc>
+                <a:spcPct val="100000"/>
+              </a:lnSpc>
+              <a:spcBef>
+                <a:spcPct val="20000"/>
+              </a:spcBef>
+              <a:spcAft>
+                <a:spcPct val="0"/>
+              </a:spcAft>
               <a:buClr>
                 <a:srgbClr val="FAA500"/>
               </a:buClr>
@@ -2740,10 +2794,43 @@
             </a:lvl5pPr>
           </a:lstStyle>
           <a:p>
+            <a:pPr marL="177800" marR="0" lvl="0" indent="-177800" algn="l" defTabSz="457200" rtl="0" eaLnBrk="1" fontAlgn="base" latinLnBrk="0" hangingPunct="1">
+              <a:lnSpc>
+                <a:spcPct val="100000"/>
+              </a:lnSpc>
+              <a:spcBef>
+                <a:spcPct val="20000"/>
+              </a:spcBef>
+              <a:spcAft>
+                <a:spcPct val="0"/>
+              </a:spcAft>
+              <a:buClr>
+                <a:srgbClr val="FAA500"/>
+              </a:buClr>
+              <a:buSzPct val="80000"/>
+              <a:buFont typeface="Lucida Grande"/>
+              <a:buChar char="▶"/>
+              <a:tabLst>
+                <a:tab pos="2151063" algn="l"/>
+              </a:tabLst>
+              <a:defRPr/>
+            </a:pPr>
+            <a:r>
+              <a:rPr lang="de-CH" dirty="0" smtClean="0">
+                <a:latin typeface="Lucida Sans" pitchFamily="34" charset="0"/>
+              </a:rPr>
+              <a:t>12.01.2015 | Web Programming BTI7054</a:t>
+            </a:r>
+          </a:p>
+          <a:p>
             <a:pPr lvl="0"/>
             <a:r>
               <a:rPr lang="de-DE" dirty="0" smtClean="0"/>
-              <a:t>Organisationseinheit oder Leistungsbereich</a:t>
+              <a:t>oder </a:t>
+            </a:r>
+            <a:r>
+              <a:rPr lang="de-DE" dirty="0" smtClean="0"/>
+              <a:t>Leistungsbereich</a:t>
             </a:r>
           </a:p>
         </p:txBody>
@@ -2801,6 +2888,13 @@
   <p:clrMapOvr>
     <a:masterClrMapping/>
   </p:clrMapOvr>
+  <p:timing>
+    <p:tnLst>
+      <p:par>
+        <p:cTn id="1" dur="indefinite" restart="never" nodeType="tmRoot"/>
+      </p:par>
+    </p:tnLst>
+  </p:timing>
 </p:sldLayout>
 </file>
 
@@ -3190,6 +3284,13 @@
   <p:clrMapOvr>
     <a:masterClrMapping/>
   </p:clrMapOvr>
+  <p:timing>
+    <p:tnLst>
+      <p:par>
+        <p:cTn id="1" dur="indefinite" restart="never" nodeType="tmRoot"/>
+      </p:par>
+    </p:tnLst>
+  </p:timing>
 </p:sldLayout>
 </file>
 
@@ -3579,6 +3680,13 @@
   <p:clrMapOvr>
     <a:masterClrMapping/>
   </p:clrMapOvr>
+  <p:timing>
+    <p:tnLst>
+      <p:par>
+        <p:cTn id="1" dur="indefinite" restart="never" nodeType="tmRoot"/>
+      </p:par>
+    </p:tnLst>
+  </p:timing>
 </p:sldLayout>
 </file>
 
@@ -3806,6 +3914,14 @@
   <p:clrMapOvr>
     <a:masterClrMapping/>
   </p:clrMapOvr>
+  <p:timing>
+    <p:tnLst>
+      <p:par>
+        <p:cTn id="1" dur="indefinite" restart="never" nodeType="tmRoot"/>
+      </p:par>
+    </p:tnLst>
+  </p:timing>
+  <p:hf sldNum="0" hdr="0" dt="0"/>
 </p:sldLayout>
 </file>
 
@@ -4107,6 +4223,13 @@
   <p:clrMapOvr>
     <a:masterClrMapping/>
   </p:clrMapOvr>
+  <p:timing>
+    <p:tnLst>
+      <p:par>
+        <p:cTn id="1" dur="indefinite" restart="never" nodeType="tmRoot"/>
+      </p:par>
+    </p:tnLst>
+  </p:timing>
 </p:sldLayout>
 </file>
 
@@ -4630,6 +4753,13 @@
   <p:clrMapOvr>
     <a:masterClrMapping/>
   </p:clrMapOvr>
+  <p:timing>
+    <p:tnLst>
+      <p:par>
+        <p:cTn id="1" dur="indefinite" restart="never" nodeType="tmRoot"/>
+      </p:par>
+    </p:tnLst>
+  </p:timing>
 </p:sldLayout>
 </file>
 
@@ -5153,6 +5283,13 @@
   <p:clrMapOvr>
     <a:masterClrMapping/>
   </p:clrMapOvr>
+  <p:timing>
+    <p:tnLst>
+      <p:par>
+        <p:cTn id="1" dur="indefinite" restart="never" nodeType="tmRoot"/>
+      </p:par>
+    </p:tnLst>
+  </p:timing>
 </p:sldLayout>
 </file>
 
@@ -6787,8 +6924,8 @@
         </p:nvSpPr>
         <p:spPr bwMode="auto">
           <a:xfrm>
-            <a:off x="468313" y="5156200"/>
-            <a:ext cx="6783387" cy="806450"/>
+            <a:off x="4769652" y="5295696"/>
+            <a:ext cx="1477388" cy="864515"/>
           </a:xfrm>
           <a:noFill/>
           <a:extLst>
@@ -6819,7 +6956,44 @@
           </a:bodyPr>
           <a:lstStyle/>
           <a:p>
-            <a:endParaRPr lang="de-CH" smtClean="0">
+            <a:r>
+              <a:rPr lang="de-CH" sz="1400" dirty="0" smtClean="0">
+                <a:latin typeface="Lucida Sans" pitchFamily="34" charset="0"/>
+              </a:rPr>
+              <a:t>Martin Käser</a:t>
+            </a:r>
+          </a:p>
+          <a:p>
+            <a:r>
+              <a:rPr lang="de-CH" sz="1400" dirty="0" smtClean="0">
+                <a:latin typeface="Lucida Sans" pitchFamily="34" charset="0"/>
+              </a:rPr>
+              <a:t>Fabian Schwab</a:t>
+            </a:r>
+          </a:p>
+          <a:p>
+            <a:r>
+              <a:rPr lang="de-CH" sz="1400" dirty="0" smtClean="0">
+                <a:latin typeface="Lucida Sans" pitchFamily="34" charset="0"/>
+              </a:rPr>
+              <a:t>Marcel </a:t>
+            </a:r>
+            <a:r>
+              <a:rPr lang="de-CH" sz="1400" dirty="0">
+                <a:latin typeface="Lucida Sans" pitchFamily="34" charset="0"/>
+              </a:rPr>
+              <a:t>Tschanz</a:t>
+            </a:r>
+          </a:p>
+          <a:p>
+            <a:r>
+              <a:rPr lang="de-CH" dirty="0" smtClean="0">
+                <a:latin typeface="Lucida Sans" pitchFamily="34" charset="0"/>
+                <a:cs typeface="Lucida Sans Unicode" pitchFamily="34" charset="0"/>
+              </a:rPr>
+              <a:t>	</a:t>
+            </a:r>
+            <a:endParaRPr lang="de-CH" dirty="0" smtClean="0">
               <a:latin typeface="Lucida Sans" pitchFamily="34" charset="0"/>
               <a:cs typeface="Lucida Sans Unicode" pitchFamily="34" charset="0"/>
             </a:endParaRPr>
@@ -6871,17 +7045,16 @@
           <a:lstStyle/>
           <a:p>
             <a:r>
-              <a:rPr lang="de-CH" dirty="0" err="1" smtClean="0">
+              <a:rPr lang="de-CH" dirty="0">
                 <a:latin typeface="Lucida Sans" pitchFamily="34" charset="0"/>
               </a:rPr>
-              <a:t>Authors</a:t>
-            </a:r>
-            <a:r>
-              <a:rPr lang="de-CH" dirty="0" smtClean="0">
-                <a:latin typeface="Lucida Sans" pitchFamily="34" charset="0"/>
-              </a:rPr>
-              <a:t>:  M. Käser, F. Schwab, M. Tschanz</a:t>
-            </a:r>
+              <a:t>12.01.2015 | Web Programming BTI7054</a:t>
+            </a:r>
+          </a:p>
+          <a:p>
+            <a:endParaRPr lang="de-CH" dirty="0" smtClean="0">
+              <a:latin typeface="Lucida Sans" pitchFamily="34" charset="0"/>
+            </a:endParaRPr>
           </a:p>
         </p:txBody>
       </p:sp>
@@ -6949,6 +7122,119 @@
       </p:grpSpPr>
       <p:sp>
         <p:nvSpPr>
+          <p:cNvPr id="2" name="Content Placeholder 1"/>
+          <p:cNvSpPr>
+            <a:spLocks noGrp="1"/>
+          </p:cNvSpPr>
+          <p:nvPr>
+            <p:ph sz="half" idx="1"/>
+          </p:nvPr>
+        </p:nvSpPr>
+        <p:spPr/>
+        <p:txBody>
+          <a:bodyPr/>
+          <a:lstStyle/>
+          <a:p>
+            <a:r>
+              <a:rPr lang="en-US" dirty="0" smtClean="0"/>
+              <a:t>What we liked </a:t>
+            </a:r>
+          </a:p>
+          <a:p>
+            <a:pPr lvl="1"/>
+            <a:r>
+              <a:rPr lang="en-US" dirty="0" smtClean="0"/>
+              <a:t>Despite of the given technologies to use there was enough space for individual implementation</a:t>
+            </a:r>
+          </a:p>
+          <a:p>
+            <a:endParaRPr lang="en-US" dirty="0"/>
+          </a:p>
+          <a:p>
+            <a:r>
+              <a:rPr lang="en-US" dirty="0" smtClean="0"/>
+              <a:t>What we didn’t like so much…</a:t>
+            </a:r>
+          </a:p>
+          <a:p>
+            <a:pPr lvl="1"/>
+            <a:r>
+              <a:rPr lang="en-US" dirty="0" smtClean="0"/>
+              <a:t>the effort to replace the implementation of a feature with another technology required too much time in some cases</a:t>
+            </a:r>
+          </a:p>
+          <a:p>
+            <a:pPr lvl="1"/>
+            <a:endParaRPr lang="en-US" dirty="0" smtClean="0"/>
+          </a:p>
+          <a:p>
+            <a:pPr lvl="1"/>
+            <a:endParaRPr lang="en-US" dirty="0"/>
+          </a:p>
+        </p:txBody>
+      </p:sp>
+      <p:sp>
+        <p:nvSpPr>
+          <p:cNvPr id="3" name="Title 2"/>
+          <p:cNvSpPr>
+            <a:spLocks noGrp="1"/>
+          </p:cNvSpPr>
+          <p:nvPr>
+            <p:ph type="ctrTitle"/>
+          </p:nvPr>
+        </p:nvSpPr>
+        <p:spPr/>
+        <p:txBody>
+          <a:bodyPr/>
+          <a:lstStyle/>
+          <a:p>
+            <a:r>
+              <a:rPr lang="en-US" dirty="0" smtClean="0"/>
+              <a:t>Lessons learnt &amp; Review</a:t>
+            </a:r>
+            <a:endParaRPr lang="en-US" dirty="0"/>
+          </a:p>
+        </p:txBody>
+      </p:sp>
+    </p:spTree>
+    <p:extLst>
+      <p:ext uri="{BB962C8B-B14F-4D97-AF65-F5344CB8AC3E}">
+        <p14:creationId xmlns:p14="http://schemas.microsoft.com/office/powerpoint/2010/main" val="4053086936"/>
+      </p:ext>
+    </p:extLst>
+  </p:cSld>
+  <p:clrMapOvr>
+    <a:masterClrMapping/>
+  </p:clrMapOvr>
+  <p:timing>
+    <p:tnLst>
+      <p:par>
+        <p:cTn id="1" dur="indefinite" restart="never" nodeType="tmRoot"/>
+      </p:par>
+    </p:tnLst>
+  </p:timing>
+</p:sld>
+</file>
+
+<file path=ppt/slides/slide11.xml><?xml version="1.0" encoding="utf-8"?>
+<p:sld xmlns:a="http://schemas.openxmlformats.org/drawingml/2006/main" xmlns:r="http://schemas.openxmlformats.org/officeDocument/2006/relationships" xmlns:p="http://schemas.openxmlformats.org/presentationml/2006/main">
+  <p:cSld>
+    <p:spTree>
+      <p:nvGrpSpPr>
+        <p:cNvPr id="1" name=""/>
+        <p:cNvGrpSpPr/>
+        <p:nvPr/>
+      </p:nvGrpSpPr>
+      <p:grpSpPr>
+        <a:xfrm>
+          <a:off x="0" y="0"/>
+          <a:ext cx="0" cy="0"/>
+          <a:chOff x="0" y="0"/>
+          <a:chExt cx="0" cy="0"/>
+        </a:xfrm>
+      </p:grpSpPr>
+      <p:sp>
+        <p:nvSpPr>
           <p:cNvPr id="2" name="Titel 1"/>
           <p:cNvSpPr>
             <a:spLocks noGrp="1"/>
@@ -6957,134 +7243,22 @@
             <p:ph type="ctrTitle"/>
           </p:nvPr>
         </p:nvSpPr>
-        <p:spPr/>
+        <p:spPr>
+          <a:xfrm>
+            <a:off x="467999" y="2788647"/>
+            <a:ext cx="8171999" cy="540000"/>
+          </a:xfrm>
+        </p:spPr>
         <p:txBody>
           <a:bodyPr/>
           <a:lstStyle/>
           <a:p>
-            <a:r>
-              <a:rPr lang="de-CH" dirty="0" err="1" smtClean="0"/>
+            <a:pPr algn="ctr"/>
+            <a:r>
+              <a:rPr lang="de-CH" sz="3200" dirty="0" err="1" smtClean="0"/>
               <a:t>Questions</a:t>
             </a:r>
-            <a:r>
-              <a:rPr lang="de-CH" dirty="0" smtClean="0"/>
-              <a:t>?</a:t>
-            </a:r>
             <a:endParaRPr lang="de-CH" dirty="0"/>
-          </a:p>
-        </p:txBody>
-      </p:sp>
-      <p:sp>
-        <p:nvSpPr>
-          <p:cNvPr id="3" name="Inhaltsplatzhalter 2"/>
-          <p:cNvSpPr>
-            <a:spLocks noGrp="1"/>
-          </p:cNvSpPr>
-          <p:nvPr>
-            <p:ph sz="half" idx="13"/>
-          </p:nvPr>
-        </p:nvSpPr>
-        <p:spPr/>
-        <p:txBody>
-          <a:bodyPr/>
-          <a:lstStyle/>
-          <a:p>
-            <a:endParaRPr lang="de-CH"/>
-          </a:p>
-        </p:txBody>
-      </p:sp>
-      <p:sp>
-        <p:nvSpPr>
-          <p:cNvPr id="4" name="Inhaltsplatzhalter 3"/>
-          <p:cNvSpPr>
-            <a:spLocks noGrp="1"/>
-          </p:cNvSpPr>
-          <p:nvPr>
-            <p:ph sz="half" idx="15"/>
-          </p:nvPr>
-        </p:nvSpPr>
-        <p:spPr/>
-        <p:txBody>
-          <a:bodyPr/>
-          <a:lstStyle/>
-          <a:p>
-            <a:endParaRPr lang="de-CH"/>
-          </a:p>
-        </p:txBody>
-      </p:sp>
-      <p:sp>
-        <p:nvSpPr>
-          <p:cNvPr id="5" name="Inhaltsplatzhalter 4"/>
-          <p:cNvSpPr>
-            <a:spLocks noGrp="1"/>
-          </p:cNvSpPr>
-          <p:nvPr>
-            <p:ph sz="half" idx="19"/>
-          </p:nvPr>
-        </p:nvSpPr>
-        <p:spPr/>
-        <p:txBody>
-          <a:bodyPr/>
-          <a:lstStyle/>
-          <a:p>
-            <a:endParaRPr lang="de-CH"/>
-          </a:p>
-        </p:txBody>
-      </p:sp>
-      <p:sp>
-        <p:nvSpPr>
-          <p:cNvPr id="6" name="Textplatzhalter 5"/>
-          <p:cNvSpPr>
-            <a:spLocks noGrp="1"/>
-          </p:cNvSpPr>
-          <p:nvPr>
-            <p:ph type="body" idx="1"/>
-          </p:nvPr>
-        </p:nvSpPr>
-        <p:spPr/>
-        <p:txBody>
-          <a:bodyPr/>
-          <a:lstStyle/>
-          <a:p>
-            <a:endParaRPr lang="de-CH"/>
-          </a:p>
-        </p:txBody>
-      </p:sp>
-      <p:sp>
-        <p:nvSpPr>
-          <p:cNvPr id="7" name="Textplatzhalter 6"/>
-          <p:cNvSpPr>
-            <a:spLocks noGrp="1"/>
-          </p:cNvSpPr>
-          <p:nvPr>
-            <p:ph type="body" idx="18"/>
-          </p:nvPr>
-        </p:nvSpPr>
-        <p:spPr/>
-        <p:txBody>
-          <a:bodyPr/>
-          <a:lstStyle/>
-          <a:p>
-            <a:endParaRPr lang="de-CH"/>
-          </a:p>
-        </p:txBody>
-      </p:sp>
-      <p:sp>
-        <p:nvSpPr>
-          <p:cNvPr id="8" name="Textplatzhalter 7"/>
-          <p:cNvSpPr>
-            <a:spLocks noGrp="1"/>
-          </p:cNvSpPr>
-          <p:nvPr>
-            <p:ph type="body" idx="20"/>
-          </p:nvPr>
-        </p:nvSpPr>
-        <p:spPr/>
-        <p:txBody>
-          <a:bodyPr/>
-          <a:lstStyle/>
-          <a:p>
-            <a:endParaRPr lang="de-CH"/>
           </a:p>
         </p:txBody>
       </p:sp>
@@ -7154,11 +7328,15 @@
             </a:r>
             <a:r>
               <a:rPr lang="de-CH" dirty="0" smtClean="0"/>
-              <a:t> </a:t>
+              <a:t> «</a:t>
             </a:r>
             <a:r>
               <a:rPr lang="de-CH" dirty="0" err="1" smtClean="0"/>
               <a:t>groot</a:t>
+            </a:r>
+            <a:r>
+              <a:rPr lang="de-CH" dirty="0" smtClean="0"/>
+              <a:t>»</a:t>
             </a:r>
             <a:endParaRPr lang="de-CH" dirty="0"/>
           </a:p>
@@ -7348,25 +7526,6 @@
               <a:t>review</a:t>
             </a:r>
             <a:endParaRPr lang="de-CH" dirty="0" smtClean="0"/>
-          </a:p>
-        </p:txBody>
-      </p:sp>
-      <p:sp>
-        <p:nvSpPr>
-          <p:cNvPr id="4" name="Textplatzhalter 3"/>
-          <p:cNvSpPr>
-            <a:spLocks noGrp="1"/>
-          </p:cNvSpPr>
-          <p:nvPr>
-            <p:ph type="body" sz="quarter" idx="13"/>
-          </p:nvPr>
-        </p:nvSpPr>
-        <p:spPr/>
-        <p:txBody>
-          <a:bodyPr/>
-          <a:lstStyle/>
-          <a:p>
-            <a:endParaRPr lang="de-CH"/>
           </a:p>
         </p:txBody>
       </p:sp>
@@ -7426,34 +7585,90 @@
               <a:rPr lang="en-US" dirty="0" smtClean="0"/>
               <a:t>Standard project: </a:t>
             </a:r>
+          </a:p>
+          <a:p>
+            <a:pPr lvl="1"/>
+            <a:r>
+              <a:rPr lang="en-US" dirty="0" smtClean="0"/>
+              <a:t>Book shop called “</a:t>
+            </a:r>
+            <a:r>
+              <a:rPr lang="en-US" dirty="0" err="1" smtClean="0"/>
+              <a:t>groot</a:t>
+            </a:r>
+            <a:r>
+              <a:rPr lang="en-US" dirty="0" smtClean="0"/>
+              <a:t>”</a:t>
+            </a:r>
+          </a:p>
+          <a:p>
+            <a:r>
+              <a:rPr lang="en-US" dirty="0"/>
+              <a:t>2 </a:t>
+            </a:r>
+            <a:r>
+              <a:rPr lang="en-US" dirty="0" smtClean="0"/>
+              <a:t>shops</a:t>
+            </a:r>
+            <a:r>
+              <a:rPr lang="en-US" dirty="0"/>
+              <a:t>, 1 presentation</a:t>
+            </a:r>
+          </a:p>
+          <a:p>
+            <a:endParaRPr lang="en-US" dirty="0" smtClean="0"/>
+          </a:p>
+          <a:p>
+            <a:r>
+              <a:rPr lang="en-US" dirty="0" smtClean="0"/>
+              <a:t>Background &amp; personal skills of the team members</a:t>
+            </a:r>
+          </a:p>
+          <a:p>
+            <a:pPr lvl="1"/>
+            <a:r>
+              <a:rPr lang="en-US" dirty="0" smtClean="0">
+                <a:solidFill>
+                  <a:srgbClr val="FF0000"/>
+                </a:solidFill>
+              </a:rPr>
+              <a:t>Martin:</a:t>
+            </a:r>
+            <a:r>
+              <a:rPr lang="en-US" dirty="0" smtClean="0"/>
+              <a:t> ______________________</a:t>
+            </a:r>
+          </a:p>
+          <a:p>
+            <a:pPr lvl="1"/>
+            <a:r>
+              <a:rPr lang="en-US" dirty="0" smtClean="0"/>
+              <a:t>Fabian:</a:t>
+            </a:r>
+          </a:p>
+          <a:p>
+            <a:pPr lvl="2"/>
+            <a:r>
+              <a:rPr lang="en-US" dirty="0" smtClean="0"/>
+              <a:t>Never really used any technology covered in the course</a:t>
+            </a:r>
             <a:br>
               <a:rPr lang="en-US" dirty="0" smtClean="0"/>
             </a:br>
             <a:r>
               <a:rPr lang="en-US" dirty="0" smtClean="0"/>
-              <a:t>Book </a:t>
-            </a:r>
-            <a:r>
-              <a:rPr lang="en-US" dirty="0" smtClean="0"/>
-              <a:t>shop called «</a:t>
-            </a:r>
-            <a:r>
-              <a:rPr lang="en-US" dirty="0" err="1" smtClean="0"/>
-              <a:t>groot</a:t>
-            </a:r>
-            <a:r>
-              <a:rPr lang="en-US" dirty="0" smtClean="0"/>
-              <a:t>» - apparently we sell </a:t>
-            </a:r>
-            <a:r>
-              <a:rPr lang="en-US" dirty="0" smtClean="0"/>
-              <a:t>books </a:t>
-            </a:r>
+              <a:t>except for HTML and CSS in apprenticeship. Therefore the pace of the course was quite demanding.</a:t>
+            </a:r>
+          </a:p>
+          <a:p>
+            <a:pPr lvl="1"/>
             <a:r>
               <a:rPr lang="en-US" dirty="0" smtClean="0">
-                <a:sym typeface="Wingdings" panose="05000000000000000000" pitchFamily="2" charset="2"/>
+                <a:solidFill>
+                  <a:srgbClr val="FF0000"/>
+                </a:solidFill>
               </a:rPr>
-              <a:t>^_^</a:t>
+              <a:t>Marcel:</a:t>
             </a:r>
             <a:r>
               <a:rPr lang="en-US" dirty="0" smtClean="0"/>
@@ -7463,87 +7678,6 @@
               <a:rPr lang="en-US" dirty="0" smtClean="0"/>
             </a:br>
             <a:endParaRPr lang="en-US" dirty="0" smtClean="0"/>
-          </a:p>
-          <a:p>
-            <a:r>
-              <a:rPr lang="en-US" dirty="0" smtClean="0"/>
-              <a:t>Background &amp; personal skills of the team members</a:t>
-            </a:r>
-          </a:p>
-          <a:p>
-            <a:pPr lvl="1"/>
-            <a:r>
-              <a:rPr lang="en-US" dirty="0" smtClean="0">
-                <a:solidFill>
-                  <a:srgbClr val="FF0000"/>
-                </a:solidFill>
-              </a:rPr>
-              <a:t>Martin</a:t>
-            </a:r>
-            <a:r>
-              <a:rPr lang="en-US" dirty="0" smtClean="0">
-                <a:solidFill>
-                  <a:srgbClr val="FF0000"/>
-                </a:solidFill>
-              </a:rPr>
-              <a:t>:</a:t>
-            </a:r>
-            <a:r>
-              <a:rPr lang="en-US" dirty="0" smtClean="0"/>
-              <a:t> ______________________</a:t>
-            </a:r>
-            <a:endParaRPr lang="en-US" dirty="0" smtClean="0"/>
-          </a:p>
-          <a:p>
-            <a:pPr lvl="1"/>
-            <a:r>
-              <a:rPr lang="en-US" dirty="0" smtClean="0"/>
-              <a:t>Fabian:</a:t>
-            </a:r>
-          </a:p>
-          <a:p>
-            <a:pPr lvl="2"/>
-            <a:r>
-              <a:rPr lang="en-US" dirty="0" smtClean="0"/>
-              <a:t>Never really used any technology covered in the course</a:t>
-            </a:r>
-            <a:br>
-              <a:rPr lang="en-US" dirty="0" smtClean="0"/>
-            </a:br>
-            <a:r>
-              <a:rPr lang="en-US" dirty="0" smtClean="0"/>
-              <a:t>except for HTML and CSS in </a:t>
-            </a:r>
-            <a:r>
-              <a:rPr lang="en-US" dirty="0" smtClean="0"/>
-              <a:t>apprenticeship. Therefore the pace of the course was quite demanding.</a:t>
-            </a:r>
-            <a:endParaRPr lang="en-US" dirty="0" smtClean="0"/>
-          </a:p>
-          <a:p>
-            <a:pPr lvl="1"/>
-            <a:r>
-              <a:rPr lang="en-US" dirty="0" smtClean="0">
-                <a:solidFill>
-                  <a:srgbClr val="FF0000"/>
-                </a:solidFill>
-              </a:rPr>
-              <a:t>Marcel:</a:t>
-            </a:r>
-            <a:r>
-              <a:rPr lang="en-US" dirty="0" smtClean="0"/>
-              <a:t/>
-            </a:r>
-            <a:br>
-              <a:rPr lang="en-US" dirty="0" smtClean="0"/>
-            </a:br>
-            <a:endParaRPr lang="en-US" dirty="0" smtClean="0"/>
-          </a:p>
-          <a:p>
-            <a:r>
-              <a:rPr lang="en-US" dirty="0" smtClean="0"/>
-              <a:t>2 Shops, 1 presentation</a:t>
-            </a:r>
           </a:p>
           <a:p>
             <a:endParaRPr lang="en-US" dirty="0" smtClean="0"/>
@@ -7679,11 +7813,7 @@
           <a:p>
             <a:r>
               <a:rPr lang="en-US" dirty="0" smtClean="0"/>
-              <a:t>HTML </a:t>
-            </a:r>
-            <a:r>
-              <a:rPr lang="en-US" dirty="0" smtClean="0"/>
-              <a:t>for static content</a:t>
+              <a:t>HTML for static content</a:t>
             </a:r>
           </a:p>
           <a:p>
@@ -7695,13 +7825,17 @@
           <a:p>
             <a:r>
               <a:rPr lang="en-US" dirty="0" smtClean="0"/>
-              <a:t>JavaScript for</a:t>
+              <a:t>JavaScript for _____________________</a:t>
             </a:r>
           </a:p>
           <a:p>
             <a:r>
               <a:rPr lang="en-US" dirty="0" smtClean="0"/>
-              <a:t>PHP for</a:t>
+              <a:t>PHP </a:t>
+            </a:r>
+            <a:r>
+              <a:rPr lang="en-US" dirty="0"/>
+              <a:t>for	_____________________</a:t>
             </a:r>
           </a:p>
           <a:p>
@@ -7710,7 +7844,15 @@
           <a:p>
             <a:r>
               <a:rPr lang="en-US" dirty="0" smtClean="0"/>
-              <a:t>AJAX for</a:t>
+              <a:t>AJAX </a:t>
+            </a:r>
+            <a:r>
+              <a:rPr lang="en-US" dirty="0"/>
+              <a:t>for </a:t>
+            </a:r>
+            <a:r>
+              <a:rPr lang="en-US" dirty="0" smtClean="0"/>
+              <a:t>_____________________</a:t>
             </a:r>
           </a:p>
           <a:p>
@@ -7719,8 +7861,8 @@
               <a:t>REST </a:t>
             </a:r>
             <a:r>
-              <a:rPr lang="en-US" dirty="0" smtClean="0"/>
-              <a:t>for</a:t>
+              <a:rPr lang="en-US" dirty="0"/>
+              <a:t>for _____________________</a:t>
             </a:r>
           </a:p>
           <a:p>
@@ -7732,8 +7874,15 @@
           <a:p>
             <a:r>
               <a:rPr lang="en-US" dirty="0" smtClean="0"/>
-              <a:t>and in addition to them:</a:t>
-            </a:r>
+              <a:t>and in addition to them</a:t>
+            </a:r>
+            <a:r>
+              <a:rPr lang="en-US" dirty="0"/>
+              <a:t>: _____________________</a:t>
+            </a:r>
+          </a:p>
+          <a:p>
+            <a:endParaRPr lang="en-US" dirty="0" smtClean="0"/>
           </a:p>
           <a:p>
             <a:pPr lvl="1"/>
@@ -7860,77 +8009,42 @@
           <a:lstStyle/>
           <a:p>
             <a:r>
+              <a:rPr lang="de-CH" i="1" dirty="0" smtClean="0"/>
+              <a:t>Martin (</a:t>
+            </a:r>
+            <a:r>
+              <a:rPr lang="de-CH" i="1" dirty="0"/>
+              <a:t>Namen entfernen wir dann für </a:t>
+            </a:r>
+            <a:r>
+              <a:rPr lang="de-CH" i="1" dirty="0" err="1"/>
+              <a:t>Präsi</a:t>
+            </a:r>
+            <a:r>
+              <a:rPr lang="de-CH" i="1" dirty="0" smtClean="0"/>
+              <a:t>):</a:t>
+            </a:r>
+            <a:endParaRPr lang="de-CH" dirty="0" smtClean="0"/>
+          </a:p>
+          <a:p>
+            <a:pPr lvl="1"/>
+            <a:r>
               <a:rPr lang="de-CH" dirty="0" smtClean="0"/>
-              <a:t>Martin:</a:t>
-            </a:r>
-            <a:endParaRPr lang="de-CH" dirty="0" smtClean="0"/>
-          </a:p>
-          <a:p>
+              <a:t>Basis Infrastruktur</a:t>
+            </a:r>
+          </a:p>
+          <a:p>
+            <a:pPr lvl="1"/>
             <a:r>
               <a:rPr lang="de-CH" dirty="0" smtClean="0"/>
-              <a:t>Aufbau </a:t>
-            </a:r>
-            <a:r>
-              <a:rPr lang="de-CH" dirty="0" err="1" smtClean="0"/>
-              <a:t>Groot</a:t>
-            </a:r>
+              <a:t>DEINE THEMEN</a:t>
+            </a:r>
+          </a:p>
+          <a:p>
+            <a:pPr lvl="1"/>
             <a:r>
               <a:rPr lang="de-CH" dirty="0" smtClean="0"/>
-              <a:t>-Stack &amp; allgemeines zur Architektur</a:t>
-            </a:r>
-            <a:endParaRPr lang="de-CH" dirty="0" smtClean="0"/>
-          </a:p>
-          <a:p>
-            <a:r>
-              <a:rPr lang="de-CH" dirty="0" smtClean="0"/>
-              <a:t>Translation </a:t>
-            </a:r>
-            <a:r>
-              <a:rPr lang="de-CH" dirty="0" smtClean="0"/>
-              <a:t>Files</a:t>
-            </a:r>
-          </a:p>
-          <a:p>
-            <a:r>
-              <a:rPr lang="de-CH" dirty="0" err="1" smtClean="0"/>
-              <a:t>TemplateRenderer</a:t>
-            </a:r>
-            <a:endParaRPr lang="de-CH" dirty="0" smtClean="0"/>
-          </a:p>
-          <a:p>
-            <a:r>
-              <a:rPr lang="de-CH" dirty="0" smtClean="0"/>
-              <a:t>View-</a:t>
-            </a:r>
-            <a:r>
-              <a:rPr lang="de-CH" dirty="0" err="1" smtClean="0"/>
-              <a:t>Controlle</a:t>
-            </a:r>
-            <a:endParaRPr lang="de-CH" dirty="0" smtClean="0"/>
-          </a:p>
-          <a:p>
-            <a:pPr lvl="1"/>
-            <a:r>
-              <a:rPr lang="de-CH" dirty="0" smtClean="0"/>
-              <a:t>Eventuell </a:t>
-            </a:r>
-            <a:r>
-              <a:rPr lang="de-CH" dirty="0"/>
-              <a:t>Standardablauf Such mit erstelltem Seq. </a:t>
-            </a:r>
-            <a:r>
-              <a:rPr lang="de-CH" dirty="0" smtClean="0"/>
-              <a:t>Diagramm</a:t>
-            </a:r>
-          </a:p>
-          <a:p>
-            <a:pPr lvl="1"/>
-            <a:endParaRPr lang="de-CH" dirty="0"/>
-          </a:p>
-          <a:p>
-            <a:r>
-              <a:rPr lang="de-CH" dirty="0" smtClean="0"/>
-              <a:t>-----&gt; Präsentation eines Features nach Wahl</a:t>
+              <a:t>+ Präsentation eines Features nach Wahl</a:t>
             </a:r>
             <a:endParaRPr lang="de-CH" dirty="0"/>
           </a:p>
@@ -8055,19 +8169,35 @@
           <a:lstStyle/>
           <a:p>
             <a:r>
+              <a:rPr lang="de-CH" i="1" dirty="0" smtClean="0"/>
+              <a:t>Marcel (Namen entfernen wir dann für </a:t>
+            </a:r>
+            <a:r>
+              <a:rPr lang="de-CH" i="1" dirty="0" err="1" smtClean="0"/>
+              <a:t>Präsi</a:t>
+            </a:r>
+            <a:r>
+              <a:rPr lang="de-CH" i="1" dirty="0" smtClean="0"/>
+              <a:t>):</a:t>
+            </a:r>
+            <a:endParaRPr lang="de-CH" i="1" dirty="0"/>
+          </a:p>
+          <a:p>
+            <a:pPr lvl="1"/>
+            <a:r>
               <a:rPr lang="de-CH" dirty="0" smtClean="0"/>
-              <a:t>Marcel:</a:t>
+              <a:t>DEINE THEMEN</a:t>
+            </a:r>
+          </a:p>
+          <a:p>
+            <a:pPr lvl="1"/>
+            <a:r>
+              <a:rPr lang="de-CH" dirty="0" smtClean="0"/>
+              <a:t>Wikipedia-REST </a:t>
             </a:r>
             <a:r>
               <a:rPr lang="de-CH" dirty="0"/>
-              <a:t/>
-            </a:r>
-            <a:br>
-              <a:rPr lang="de-CH" dirty="0"/>
-            </a:br>
-            <a:r>
-              <a:rPr lang="de-CH" dirty="0"/>
-              <a:t>Wikipedia-REST API- Präsentation Shop- </a:t>
+              <a:t>API- Präsentation Shop- </a:t>
             </a:r>
             <a:r>
               <a:rPr lang="de-CH" dirty="0" smtClean="0"/>
@@ -8222,96 +8352,315 @@
             <p:ph sz="half" idx="13"/>
           </p:nvPr>
         </p:nvSpPr>
-        <p:spPr/>
+        <p:spPr>
+          <a:xfrm>
+            <a:off x="468000" y="1439230"/>
+            <a:ext cx="8171998" cy="3960000"/>
+          </a:xfrm>
+        </p:spPr>
         <p:txBody>
           <a:bodyPr/>
           <a:lstStyle/>
           <a:p>
             <a:r>
+              <a:rPr lang="de-CH" i="1" dirty="0" smtClean="0"/>
+              <a:t>Fabian </a:t>
+            </a:r>
+            <a:r>
+              <a:rPr lang="de-CH" i="1" dirty="0"/>
+              <a:t>(Namen entfernen wir dann für </a:t>
+            </a:r>
+            <a:r>
+              <a:rPr lang="de-CH" i="1" dirty="0" err="1"/>
+              <a:t>Präsi</a:t>
+            </a:r>
+            <a:r>
+              <a:rPr lang="de-CH" i="1" dirty="0" smtClean="0"/>
+              <a:t>):</a:t>
+            </a:r>
+            <a:r>
               <a:rPr lang="de-CH" dirty="0" smtClean="0"/>
-              <a:t>Fabian:</a:t>
-            </a:r>
-          </a:p>
-          <a:p>
-            <a:r>
-              <a:rPr lang="de-CH" dirty="0" smtClean="0"/>
-              <a:t>CSS</a:t>
-            </a:r>
+              <a:t>:</a:t>
+            </a:r>
+            <a:endParaRPr lang="de-CH" dirty="0"/>
           </a:p>
           <a:p>
             <a:pPr lvl="1"/>
-            <a:r>
-              <a:rPr lang="de-CH" dirty="0" smtClean="0"/>
-              <a:t>CSS3,</a:t>
-            </a:r>
-          </a:p>
-          <a:p>
             <a:r>
               <a:rPr lang="de-CH" dirty="0" smtClean="0"/>
               <a:t>Shopping </a:t>
             </a:r>
             <a:r>
               <a:rPr lang="de-CH" dirty="0" err="1" smtClean="0"/>
+              <a:t>with</a:t>
+            </a:r>
+            <a:r>
+              <a:rPr lang="de-CH" dirty="0" smtClean="0"/>
+              <a:t> «</a:t>
+            </a:r>
+            <a:r>
+              <a:rPr lang="de-CH" dirty="0" err="1" smtClean="0"/>
+              <a:t>groot</a:t>
+            </a:r>
+            <a:r>
+              <a:rPr lang="de-CH" dirty="0" smtClean="0"/>
+              <a:t>»</a:t>
+            </a:r>
+          </a:p>
+          <a:p>
+            <a:pPr lvl="1"/>
+            <a:r>
+              <a:rPr lang="de-CH" dirty="0" smtClean="0"/>
+              <a:t>Shopping </a:t>
+            </a:r>
+            <a:r>
+              <a:rPr lang="de-CH" dirty="0" err="1" smtClean="0"/>
+              <a:t>cart</a:t>
+            </a:r>
+            <a:endParaRPr lang="de-CH" dirty="0" smtClean="0"/>
+          </a:p>
+          <a:p>
+            <a:pPr lvl="2"/>
+            <a:r>
+              <a:rPr lang="de-CH" dirty="0" smtClean="0"/>
+              <a:t>OOP </a:t>
+            </a:r>
+            <a:r>
+              <a:rPr lang="de-CH" dirty="0" err="1"/>
+              <a:t>e</a:t>
+            </a:r>
+            <a:r>
+              <a:rPr lang="de-CH" dirty="0" err="1" smtClean="0"/>
+              <a:t>lement</a:t>
+            </a:r>
+            <a:r>
+              <a:rPr lang="de-CH" dirty="0" smtClean="0"/>
+              <a:t> in PHP</a:t>
+            </a:r>
+          </a:p>
+          <a:p>
+            <a:pPr lvl="2"/>
+            <a:r>
+              <a:rPr lang="de-CH" dirty="0" err="1" smtClean="0"/>
               <a:t>Cart</a:t>
             </a:r>
-            <a:endParaRPr lang="de-CH" dirty="0" smtClean="0"/>
-          </a:p>
-          <a:p>
-            <a:pPr lvl="1"/>
+            <a:r>
+              <a:rPr lang="de-CH" dirty="0" smtClean="0"/>
+              <a:t> </a:t>
+            </a:r>
+            <a:r>
+              <a:rPr lang="de-CH" dirty="0" err="1" smtClean="0"/>
+              <a:t>temporarily</a:t>
+            </a:r>
+            <a:r>
+              <a:rPr lang="de-CH" dirty="0" smtClean="0"/>
+              <a:t> </a:t>
+            </a:r>
+            <a:r>
+              <a:rPr lang="de-CH" dirty="0" err="1" smtClean="0"/>
+              <a:t>stored</a:t>
+            </a:r>
+            <a:r>
+              <a:rPr lang="de-CH" dirty="0" smtClean="0"/>
+              <a:t> </a:t>
+            </a:r>
+            <a:r>
+              <a:rPr lang="de-CH" dirty="0" err="1" smtClean="0"/>
+              <a:t>as</a:t>
+            </a:r>
+            <a:r>
+              <a:rPr lang="de-CH" dirty="0" smtClean="0"/>
+              <a:t> a JSON </a:t>
+            </a:r>
+            <a:r>
+              <a:rPr lang="de-CH" dirty="0" err="1" smtClean="0"/>
+              <a:t>encoded</a:t>
+            </a:r>
+            <a:r>
+              <a:rPr lang="de-CH" dirty="0" smtClean="0"/>
+              <a:t> </a:t>
+            </a:r>
+            <a:r>
+              <a:rPr lang="de-CH" dirty="0" err="1" smtClean="0"/>
+              <a:t>array</a:t>
+            </a:r>
+            <a:r>
+              <a:rPr lang="de-CH" dirty="0" smtClean="0"/>
+              <a:t> in </a:t>
+            </a:r>
             <a:r>
               <a:rPr lang="de-CH" smtClean="0"/>
-              <a:t>OOP PHP</a:t>
-            </a:r>
-          </a:p>
-          <a:p>
-            <a:pPr lvl="1"/>
-            <a:endParaRPr lang="de-CH" smtClean="0"/>
-          </a:p>
-          <a:p>
-            <a:pPr lvl="1"/>
-            <a:endParaRPr lang="de-CH" dirty="0"/>
-          </a:p>
-          <a:p>
+              <a:t>a Cookie</a:t>
+            </a:r>
+          </a:p>
+          <a:p>
+            <a:pPr lvl="2"/>
+            <a:r>
+              <a:rPr lang="de-CH" smtClean="0"/>
+              <a:t>Creating</a:t>
+            </a:r>
+            <a:r>
+              <a:rPr lang="de-CH" dirty="0" smtClean="0"/>
+              <a:t> </a:t>
+            </a:r>
+            <a:r>
+              <a:rPr lang="de-CH" dirty="0" err="1" smtClean="0"/>
+              <a:t>of</a:t>
+            </a:r>
+            <a:r>
+              <a:rPr lang="de-CH" dirty="0" smtClean="0"/>
+              <a:t> a </a:t>
+            </a:r>
+            <a:r>
+              <a:rPr lang="de-CH" dirty="0" err="1" smtClean="0"/>
+              <a:t>shopping</a:t>
+            </a:r>
+            <a:r>
+              <a:rPr lang="de-CH" dirty="0" smtClean="0"/>
+              <a:t> </a:t>
+            </a:r>
+            <a:r>
+              <a:rPr lang="de-CH" dirty="0" err="1" smtClean="0"/>
+              <a:t>cart</a:t>
+            </a:r>
+            <a:r>
+              <a:rPr lang="de-CH" dirty="0" smtClean="0"/>
+              <a:t> </a:t>
+            </a:r>
+            <a:r>
+              <a:rPr lang="de-CH" dirty="0" err="1" smtClean="0"/>
+              <a:t>object</a:t>
+            </a:r>
+            <a:r>
+              <a:rPr lang="de-CH" dirty="0" smtClean="0"/>
+              <a:t> </a:t>
+            </a:r>
+            <a:r>
+              <a:rPr lang="de-CH" dirty="0" err="1" smtClean="0"/>
+              <a:t>by</a:t>
+            </a:r>
+            <a:r>
+              <a:rPr lang="de-CH" dirty="0" smtClean="0"/>
+              <a:t> </a:t>
+            </a:r>
+            <a:r>
+              <a:rPr lang="de-CH" dirty="0" err="1" smtClean="0"/>
+              <a:t>using</a:t>
+            </a:r>
+            <a:r>
+              <a:rPr lang="de-CH" dirty="0" smtClean="0"/>
+              <a:t> </a:t>
+            </a:r>
+            <a:r>
+              <a:rPr lang="de-CH" dirty="0" err="1" smtClean="0"/>
+              <a:t>the</a:t>
+            </a:r>
+            <a:r>
+              <a:rPr lang="de-CH" dirty="0" smtClean="0"/>
+              <a:t> </a:t>
+            </a:r>
+            <a:r>
+              <a:rPr lang="de-CH" dirty="0" err="1" smtClean="0"/>
+              <a:t>array</a:t>
+            </a:r>
+            <a:r>
+              <a:rPr lang="de-CH" dirty="0" smtClean="0"/>
+              <a:t> in </a:t>
+            </a:r>
+            <a:r>
+              <a:rPr lang="de-CH" dirty="0" err="1" smtClean="0"/>
+              <a:t>order</a:t>
+            </a:r>
+            <a:r>
+              <a:rPr lang="de-CH" dirty="0" smtClean="0"/>
+              <a:t> to have </a:t>
+            </a:r>
+            <a:r>
+              <a:rPr lang="de-CH" dirty="0" err="1" smtClean="0"/>
+              <a:t>access</a:t>
+            </a:r>
+            <a:r>
+              <a:rPr lang="de-CH" dirty="0" smtClean="0"/>
+              <a:t> to </a:t>
+            </a:r>
+            <a:r>
+              <a:rPr lang="de-CH" dirty="0" err="1" smtClean="0"/>
+              <a:t>functions</a:t>
+            </a:r>
+            <a:r>
+              <a:rPr lang="de-CH" dirty="0" smtClean="0"/>
+              <a:t> like </a:t>
+            </a:r>
+            <a:r>
+              <a:rPr lang="de-CH" dirty="0" err="1" smtClean="0"/>
+              <a:t>calculate</a:t>
+            </a:r>
+            <a:r>
+              <a:rPr lang="de-CH" dirty="0" smtClean="0"/>
+              <a:t> </a:t>
+            </a:r>
+            <a:r>
+              <a:rPr lang="de-CH" dirty="0" err="1" smtClean="0"/>
+              <a:t>price</a:t>
+            </a:r>
+            <a:r>
+              <a:rPr lang="de-CH" dirty="0" smtClean="0"/>
+              <a:t> &amp; </a:t>
+            </a:r>
+            <a:r>
+              <a:rPr lang="de-CH" dirty="0" err="1" smtClean="0"/>
+              <a:t>display</a:t>
+            </a:r>
+            <a:r>
+              <a:rPr lang="de-CH" dirty="0" smtClean="0"/>
+              <a:t> </a:t>
+            </a:r>
+            <a:r>
+              <a:rPr lang="de-CH" dirty="0" err="1" smtClean="0"/>
+              <a:t>the</a:t>
+            </a:r>
+            <a:r>
+              <a:rPr lang="de-CH" dirty="0" smtClean="0"/>
+              <a:t> </a:t>
+            </a:r>
+            <a:r>
+              <a:rPr lang="de-CH" dirty="0" err="1" smtClean="0"/>
+              <a:t>cart</a:t>
+            </a:r>
+            <a:r>
+              <a:rPr lang="de-CH" dirty="0" smtClean="0"/>
+              <a:t> </a:t>
+            </a:r>
+          </a:p>
+          <a:p>
+            <a:pPr lvl="2"/>
             <a:r>
               <a:rPr lang="de-CH" dirty="0" err="1" smtClean="0"/>
               <a:t>Ordering</a:t>
             </a:r>
             <a:r>
               <a:rPr lang="de-CH" dirty="0" smtClean="0"/>
-              <a:t> Process</a:t>
-            </a:r>
-          </a:p>
-          <a:p>
-            <a:endParaRPr lang="de-CH" dirty="0"/>
-          </a:p>
-          <a:p>
-            <a:endParaRPr lang="de-CH" dirty="0"/>
-          </a:p>
-        </p:txBody>
-      </p:sp>
-      <p:sp>
-        <p:nvSpPr>
-          <p:cNvPr id="10" name="Inhaltsplatzhalter 9"/>
-          <p:cNvSpPr>
-            <a:spLocks noGrp="1"/>
-          </p:cNvSpPr>
-          <p:nvPr>
-            <p:ph sz="half" idx="15"/>
-          </p:nvPr>
-        </p:nvSpPr>
-        <p:spPr/>
-        <p:txBody>
-          <a:bodyPr/>
-          <a:lstStyle/>
-          <a:p>
-            <a:endParaRPr lang="de-CH" dirty="0"/>
+              <a:t> </a:t>
+            </a:r>
+            <a:r>
+              <a:rPr lang="de-CH" dirty="0" err="1" smtClean="0"/>
+              <a:t>process</a:t>
+            </a:r>
+            <a:endParaRPr lang="de-CH" dirty="0" smtClean="0"/>
+          </a:p>
+          <a:p>
+            <a:pPr lvl="1"/>
+            <a:r>
+              <a:rPr lang="de-CH" dirty="0" smtClean="0"/>
+              <a:t>Layout</a:t>
+            </a:r>
           </a:p>
         </p:txBody>
       </p:sp>
     </p:spTree>
     <p:extLst>
       <p:ext uri="{BB962C8B-B14F-4D97-AF65-F5344CB8AC3E}">
-        <p14:creationId xmlns:p14="http://schemas.microsoft.com/office/powerpoint/2010/main" val="2962422346"/>
+        <p14:creationId xmlns:p14="http://schemas.microsoft.com/office/powerpoint/2010/main" val="291798853"/>
       </p:ext>
     </p:extLst>
   </p:cSld>
@@ -8368,10 +8717,9 @@
           <a:p>
             <a:pPr lvl="1"/>
             <a:r>
-              <a:rPr lang="de-CH" dirty="0" err="1" smtClean="0"/>
-              <a:t>viu</a:t>
-            </a:r>
-            <a:endParaRPr lang="de-CH" dirty="0" smtClean="0"/>
+              <a:rPr lang="de-CH" dirty="0" smtClean="0"/>
+              <a:t>_________</a:t>
+            </a:r>
           </a:p>
           <a:p>
             <a:r>
@@ -8383,18 +8731,11 @@
             <a:pPr lvl="1"/>
             <a:r>
               <a:rPr lang="de-CH" dirty="0" smtClean="0"/>
-              <a:t>…</a:t>
-            </a:r>
-          </a:p>
-          <a:p>
-            <a:pPr lvl="1"/>
-            <a:r>
-              <a:rPr lang="de-CH" dirty="0" smtClean="0"/>
               <a:t>Shopping </a:t>
             </a:r>
             <a:r>
               <a:rPr lang="de-CH" dirty="0" err="1" smtClean="0"/>
-              <a:t>Cart</a:t>
+              <a:t>cart</a:t>
             </a:r>
             <a:r>
               <a:rPr lang="de-CH" dirty="0" smtClean="0"/>
@@ -8402,9 +8743,16 @@
             </a:r>
             <a:r>
               <a:rPr lang="de-CH" dirty="0" err="1" smtClean="0"/>
-              <a:t>Ordering</a:t>
+              <a:t>ordering</a:t>
             </a:r>
             <a:endParaRPr lang="de-CH" dirty="0" smtClean="0"/>
+          </a:p>
+          <a:p>
+            <a:pPr lvl="1"/>
+            <a:r>
+              <a:rPr lang="de-CH" dirty="0" smtClean="0"/>
+              <a:t>CSS</a:t>
+            </a:r>
           </a:p>
           <a:p>
             <a:r>
@@ -8415,18 +8763,9 @@
           <a:p>
             <a:pPr lvl="1"/>
             <a:r>
-              <a:rPr lang="de-CH" dirty="0" err="1" smtClean="0"/>
-              <a:t>ou</a:t>
-            </a:r>
-            <a:r>
-              <a:rPr lang="de-CH" dirty="0" smtClean="0"/>
-              <a:t> </a:t>
-            </a:r>
-            <a:r>
-              <a:rPr lang="de-CH" dirty="0" err="1" smtClean="0"/>
-              <a:t>viu</a:t>
-            </a:r>
-            <a:endParaRPr lang="de-CH" dirty="0" smtClean="0"/>
+              <a:rPr lang="de-CH" dirty="0"/>
+              <a:t>_________</a:t>
+            </a:r>
           </a:p>
           <a:p>
             <a:endParaRPr lang="de-CH" dirty="0" smtClean="0"/>
@@ -8541,32 +8880,15 @@
           </a:p>
           <a:p>
             <a:r>
-              <a:rPr lang="en-US" dirty="0" err="1" smtClean="0"/>
-              <a:t>Layouting</a:t>
-            </a:r>
-            <a:r>
               <a:rPr lang="en-US" dirty="0" smtClean="0"/>
-              <a:t> </a:t>
-            </a:r>
+              <a:t>As a beginner it’s a blessing to have skilled colleagues around you</a:t>
+            </a:r>
+          </a:p>
+          <a:p>
+            <a:pPr lvl="1"/>
             <a:r>
               <a:rPr lang="en-US" dirty="0" smtClean="0"/>
-              <a:t>consumed </a:t>
-            </a:r>
-            <a:r>
-              <a:rPr lang="en-US" dirty="0" smtClean="0"/>
-              <a:t>plenty of </a:t>
-            </a:r>
-            <a:r>
-              <a:rPr lang="en-US" dirty="0" smtClean="0"/>
-              <a:t>time. Especially </a:t>
-            </a:r>
-            <a:r>
-              <a:rPr lang="en-US" dirty="0" smtClean="0"/>
-              <a:t>if you’re not familiar with </a:t>
-            </a:r>
-            <a:r>
-              <a:rPr lang="en-US" dirty="0" smtClean="0"/>
-              <a:t>CSS</a:t>
+              <a:t>CSS can be really tricky and might getting out of control without a proper hierarchy</a:t>
             </a:r>
           </a:p>
           <a:p>
@@ -8574,45 +8896,6 @@
               <a:rPr lang="en-US" dirty="0" smtClean="0"/>
               <a:t>Handling of the repository tool with a suitable hierarchy and the possibility of versioning (unfortunately not available in GitHub)</a:t>
             </a:r>
-          </a:p>
-          <a:p>
-            <a:pPr marL="0" indent="0">
-              <a:buNone/>
-            </a:pPr>
-            <a:endParaRPr lang="en-US" dirty="0"/>
-          </a:p>
-          <a:p>
-            <a:r>
-              <a:rPr lang="en-US" dirty="0" smtClean="0"/>
-              <a:t>What we liked </a:t>
-            </a:r>
-          </a:p>
-          <a:p>
-            <a:pPr lvl="1"/>
-            <a:r>
-              <a:rPr lang="en-US" dirty="0" smtClean="0"/>
-              <a:t>Despite of the given technologies to use there was enough space for individual implementation</a:t>
-            </a:r>
-          </a:p>
-          <a:p>
-            <a:endParaRPr lang="en-US" dirty="0"/>
-          </a:p>
-          <a:p>
-            <a:r>
-              <a:rPr lang="en-US" dirty="0" smtClean="0"/>
-              <a:t>What we didn’t like so much…</a:t>
-            </a:r>
-          </a:p>
-          <a:p>
-            <a:pPr lvl="1"/>
-            <a:r>
-              <a:rPr lang="en-US" dirty="0" smtClean="0"/>
-              <a:t>the effort to replace the implementation of a feature with another technology required too much time in some cases</a:t>
-            </a:r>
-          </a:p>
-          <a:p>
-            <a:pPr lvl="1"/>
-            <a:endParaRPr lang="en-US" dirty="0" smtClean="0"/>
           </a:p>
           <a:p>
             <a:pPr lvl="1"/>
@@ -9668,16 +9951,16 @@
 <file path=customXml/itemProps1.xml><?xml version="1.0" encoding="utf-8"?>
 <ds:datastoreItem xmlns:ds="http://schemas.openxmlformats.org/officeDocument/2006/customXml" ds:itemID="{96591048-6F15-48C6-9650-9BFF3E56974F}">
   <ds:schemaRefs>
+    <ds:schemaRef ds:uri="http://purl.org/dc/elements/1.1/"/>
+    <ds:schemaRef ds:uri="4b463c31-e9b0-413b-88df-ea7e9f53a7ba"/>
+    <ds:schemaRef ds:uri="http://purl.org/dc/terms/"/>
+    <ds:schemaRef ds:uri="http://schemas.microsoft.com/office/2006/metadata/properties"/>
+    <ds:schemaRef ds:uri="http://schemas.microsoft.com/office/2006/documentManagement/types"/>
+    <ds:schemaRef ds:uri="http://purl.org/dc/dcmitype/"/>
+    <ds:schemaRef ds:uri="http://www.w3.org/XML/1998/namespace"/>
     <ds:schemaRef ds:uri="http://schemas.microsoft.com/office/infopath/2007/PartnerControls"/>
-    <ds:schemaRef ds:uri="http://www.w3.org/XML/1998/namespace"/>
-    <ds:schemaRef ds:uri="http://schemas.microsoft.com/office/2006/metadata/properties"/>
-    <ds:schemaRef ds:uri="http://purl.org/dc/dcmitype/"/>
-    <ds:schemaRef ds:uri="http://schemas.microsoft.com/office/2006/documentManagement/types"/>
-    <ds:schemaRef ds:uri="http://purl.org/dc/elements/1.1/"/>
     <ds:schemaRef ds:uri="http://schemas.openxmlformats.org/package/2006/metadata/core-properties"/>
     <ds:schemaRef ds:uri="2551ef7e-3b29-44d1-a8ad-ef34c26bfc60"/>
-    <ds:schemaRef ds:uri="4b463c31-e9b0-413b-88df-ea7e9f53a7ba"/>
-    <ds:schemaRef ds:uri="http://purl.org/dc/terms/"/>
   </ds:schemaRefs>
 </ds:datastoreItem>
 </file>

--- a/trunk/doc/Presentation.pptx
+++ b/trunk/doc/Presentation.pptx
@@ -1373,9 +1373,6 @@
               </a:rPr>
               <a:t>12.01.2015 | Web Programming BTI7054</a:t>
             </a:r>
-            <a:endParaRPr lang="de-CH" dirty="0" smtClean="0">
-              <a:latin typeface="Lucida Sans" pitchFamily="34" charset="0"/>
-            </a:endParaRPr>
           </a:p>
         </p:txBody>
       </p:sp>
@@ -2826,11 +2823,7 @@
             <a:pPr lvl="0"/>
             <a:r>
               <a:rPr lang="de-DE" dirty="0" smtClean="0"/>
-              <a:t>oder </a:t>
-            </a:r>
-            <a:r>
-              <a:rPr lang="de-DE" dirty="0" smtClean="0"/>
-              <a:t>Leistungsbereich</a:t>
+              <a:t>oder Leistungsbereich</a:t>
             </a:r>
           </a:p>
         </p:txBody>
@@ -6993,10 +6986,6 @@
               </a:rPr>
               <a:t>	</a:t>
             </a:r>
-            <a:endParaRPr lang="de-CH" dirty="0" smtClean="0">
-              <a:latin typeface="Lucida Sans" pitchFamily="34" charset="0"/>
-              <a:cs typeface="Lucida Sans Unicode" pitchFamily="34" charset="0"/>
-            </a:endParaRPr>
           </a:p>
         </p:txBody>
       </p:sp>
@@ -7583,8 +7572,21 @@
           <a:p>
             <a:r>
               <a:rPr lang="en-US" dirty="0" smtClean="0"/>
-              <a:t>Standard project: </a:t>
-            </a:r>
+              <a:t>Standard </a:t>
+            </a:r>
+            <a:r>
+              <a:rPr lang="en-US" dirty="0" smtClean="0"/>
+              <a:t>project without </a:t>
+            </a:r>
+            <a:r>
+              <a:rPr lang="en-US" smtClean="0"/>
+              <a:t>the support of </a:t>
+            </a:r>
+            <a:r>
+              <a:rPr lang="en-US" dirty="0" smtClean="0"/>
+              <a:t>a framework: </a:t>
+            </a:r>
+            <a:endParaRPr lang="en-US" dirty="0" smtClean="0"/>
           </a:p>
           <a:p>
             <a:pPr lvl="1"/>
@@ -9777,33 +9779,6 @@
 </file>
 
 <file path=customXml/item1.xml><?xml version="1.0" encoding="utf-8"?>
-<p:properties xmlns:p="http://schemas.microsoft.com/office/2006/metadata/properties" xmlns:xsi="http://www.w3.org/2001/XMLSchema-instance" xmlns:pc="http://schemas.microsoft.com/office/infopath/2007/PartnerControls">
-  <documentManagement>
-    <TaxCatchAll xmlns="2551ef7e-3b29-44d1-a8ad-ef34c26bfc60">
-      <Value>241</Value>
-    </TaxCatchAll>
-    <BfhIntranetDepartmentText xmlns="4b463c31-e9b0-413b-88df-ea7e9f53a7ba">
-      <Terms xmlns="http://schemas.microsoft.com/office/infopath/2007/PartnerControls">
-        <TermInfo xmlns="http://schemas.microsoft.com/office/infopath/2007/PartnerControls">
-          <TermName xmlns="http://schemas.microsoft.com/office/infopath/2007/PartnerControls">Vorlage</TermName>
-          <TermId xmlns="http://schemas.microsoft.com/office/infopath/2007/PartnerControls">de1a6d3c-ac6a-4b34-8edd-308eb81066db</TermId>
-        </TermInfo>
-      </Terms>
-    </BfhIntranetDepartmentText>
-  </documentManagement>
-</p:properties>
-</file>
-
-<file path=customXml/item2.xml><?xml version="1.0" encoding="utf-8"?>
-<?mso-contentType ?>
-<FormTemplates xmlns="http://schemas.microsoft.com/sharepoint/v3/contenttype/forms">
-  <Display>DocumentLibraryForm</Display>
-  <Edit>DocumentLibraryForm</Edit>
-  <New>DocumentLibraryForm</New>
-</FormTemplates>
-</file>
-
-<file path=customXml/item3.xml><?xml version="1.0" encoding="utf-8"?>
 <ct:contentTypeSchema xmlns:ct="http://schemas.microsoft.com/office/2006/metadata/contentType" xmlns:ma="http://schemas.microsoft.com/office/2006/metadata/properties/metaAttributes" ct:_="" ma:_="" ma:contentTypeName="BFH Document" ma:contentTypeID="0x0101009127C3B567804923A8661E062BBD8EF500562C9D82744B284A86093F1D9B579BDC" ma:contentTypeVersion="2" ma:contentTypeDescription="Ein neues Dokument erstellen." ma:contentTypeScope="" ma:versionID="85c74107ca2205fa2d79ffbd44cb7ca7">
   <xsd:schema xmlns:xsd="http://www.w3.org/2001/XMLSchema" xmlns:xs="http://www.w3.org/2001/XMLSchema" xmlns:p="http://schemas.microsoft.com/office/2006/metadata/properties" xmlns:ns2="4b463c31-e9b0-413b-88df-ea7e9f53a7ba" xmlns:ns3="2551ef7e-3b29-44d1-a8ad-ef34c26bfc60" targetNamespace="http://schemas.microsoft.com/office/2006/metadata/properties" ma:root="true" ma:fieldsID="850aabddd6d95701c4b28714f3a316c8" ns2:_="" ns3:_="">
     <xsd:import namespace="4b463c31-e9b0-413b-88df-ea7e9f53a7ba"/>
@@ -9948,32 +9923,34 @@
 </ct:contentTypeSchema>
 </file>
 
-<file path=customXml/itemProps1.xml><?xml version="1.0" encoding="utf-8"?>
-<ds:datastoreItem xmlns:ds="http://schemas.openxmlformats.org/officeDocument/2006/customXml" ds:itemID="{96591048-6F15-48C6-9650-9BFF3E56974F}">
-  <ds:schemaRefs>
-    <ds:schemaRef ds:uri="http://purl.org/dc/elements/1.1/"/>
-    <ds:schemaRef ds:uri="4b463c31-e9b0-413b-88df-ea7e9f53a7ba"/>
-    <ds:schemaRef ds:uri="http://purl.org/dc/terms/"/>
-    <ds:schemaRef ds:uri="http://schemas.microsoft.com/office/2006/metadata/properties"/>
-    <ds:schemaRef ds:uri="http://schemas.microsoft.com/office/2006/documentManagement/types"/>
-    <ds:schemaRef ds:uri="http://purl.org/dc/dcmitype/"/>
-    <ds:schemaRef ds:uri="http://www.w3.org/XML/1998/namespace"/>
-    <ds:schemaRef ds:uri="http://schemas.microsoft.com/office/infopath/2007/PartnerControls"/>
-    <ds:schemaRef ds:uri="http://schemas.openxmlformats.org/package/2006/metadata/core-properties"/>
-    <ds:schemaRef ds:uri="2551ef7e-3b29-44d1-a8ad-ef34c26bfc60"/>
-  </ds:schemaRefs>
-</ds:datastoreItem>
+<file path=customXml/item2.xml><?xml version="1.0" encoding="utf-8"?>
+<?mso-contentType ?>
+<FormTemplates xmlns="http://schemas.microsoft.com/sharepoint/v3/contenttype/forms">
+  <Display>DocumentLibraryForm</Display>
+  <Edit>DocumentLibraryForm</Edit>
+  <New>DocumentLibraryForm</New>
+</FormTemplates>
 </file>
 
-<file path=customXml/itemProps2.xml><?xml version="1.0" encoding="utf-8"?>
-<ds:datastoreItem xmlns:ds="http://schemas.openxmlformats.org/officeDocument/2006/customXml" ds:itemID="{CCF5E5E7-7F77-47A8-99A9-B4D5839292F3}">
-  <ds:schemaRefs>
-    <ds:schemaRef ds:uri="http://schemas.microsoft.com/sharepoint/v3/contenttype/forms"/>
-  </ds:schemaRefs>
-</ds:datastoreItem>
+<file path=customXml/item3.xml><?xml version="1.0" encoding="utf-8"?>
+<p:properties xmlns:p="http://schemas.microsoft.com/office/2006/metadata/properties" xmlns:xsi="http://www.w3.org/2001/XMLSchema-instance" xmlns:pc="http://schemas.microsoft.com/office/infopath/2007/PartnerControls">
+  <documentManagement>
+    <TaxCatchAll xmlns="2551ef7e-3b29-44d1-a8ad-ef34c26bfc60">
+      <Value>241</Value>
+    </TaxCatchAll>
+    <BfhIntranetDepartmentText xmlns="4b463c31-e9b0-413b-88df-ea7e9f53a7ba">
+      <Terms xmlns="http://schemas.microsoft.com/office/infopath/2007/PartnerControls">
+        <TermInfo xmlns="http://schemas.microsoft.com/office/infopath/2007/PartnerControls">
+          <TermName xmlns="http://schemas.microsoft.com/office/infopath/2007/PartnerControls">Vorlage</TermName>
+          <TermId xmlns="http://schemas.microsoft.com/office/infopath/2007/PartnerControls">de1a6d3c-ac6a-4b34-8edd-308eb81066db</TermId>
+        </TermInfo>
+      </Terms>
+    </BfhIntranetDepartmentText>
+  </documentManagement>
+</p:properties>
 </file>
 
-<file path=customXml/itemProps3.xml><?xml version="1.0" encoding="utf-8"?>
+<file path=customXml/itemProps1.xml><?xml version="1.0" encoding="utf-8"?>
 <ds:datastoreItem xmlns:ds="http://schemas.openxmlformats.org/officeDocument/2006/customXml" ds:itemID="{8F3C1F62-CC3B-4F2A-BAEC-F8005B132EC9}">
   <ds:schemaRefs>
     <ds:schemaRef ds:uri="http://schemas.microsoft.com/office/2006/metadata/contentType"/>
@@ -9990,4 +9967,29 @@
     <ds:schemaRef ds:uri="http://schemas.microsoft.com/internal/obd"/>
   </ds:schemaRefs>
 </ds:datastoreItem>
+</file>
+
+<file path=customXml/itemProps2.xml><?xml version="1.0" encoding="utf-8"?>
+<ds:datastoreItem xmlns:ds="http://schemas.openxmlformats.org/officeDocument/2006/customXml" ds:itemID="{CCF5E5E7-7F77-47A8-99A9-B4D5839292F3}">
+  <ds:schemaRefs>
+    <ds:schemaRef ds:uri="http://schemas.microsoft.com/sharepoint/v3/contenttype/forms"/>
+  </ds:schemaRefs>
+</ds:datastoreItem>
+</file>
+
+<file path=customXml/itemProps3.xml><?xml version="1.0" encoding="utf-8"?>
+<ds:datastoreItem xmlns:ds="http://schemas.openxmlformats.org/officeDocument/2006/customXml" ds:itemID="{96591048-6F15-48C6-9650-9BFF3E56974F}">
+  <ds:schemaRefs>
+    <ds:schemaRef ds:uri="http://purl.org/dc/elements/1.1/"/>
+    <ds:schemaRef ds:uri="4b463c31-e9b0-413b-88df-ea7e9f53a7ba"/>
+    <ds:schemaRef ds:uri="http://purl.org/dc/terms/"/>
+    <ds:schemaRef ds:uri="http://schemas.microsoft.com/office/2006/metadata/properties"/>
+    <ds:schemaRef ds:uri="http://schemas.microsoft.com/office/2006/documentManagement/types"/>
+    <ds:schemaRef ds:uri="http://purl.org/dc/dcmitype/"/>
+    <ds:schemaRef ds:uri="http://www.w3.org/XML/1998/namespace"/>
+    <ds:schemaRef ds:uri="http://schemas.microsoft.com/office/infopath/2007/PartnerControls"/>
+    <ds:schemaRef ds:uri="http://schemas.openxmlformats.org/package/2006/metadata/core-properties"/>
+    <ds:schemaRef ds:uri="2551ef7e-3b29-44d1-a8ad-ef34c26bfc60"/>
+  </ds:schemaRefs>
+</ds:datastoreItem>
 </file>
--- a/trunk/doc/Presentation.pptx
+++ b/trunk/doc/Presentation.pptx
@@ -5,10 +5,10 @@
     <p:sldMasterId id="2147483669" r:id="rId4"/>
   </p:sldMasterIdLst>
   <p:notesMasterIdLst>
-    <p:notesMasterId r:id="rId16"/>
+    <p:notesMasterId r:id="rId18"/>
   </p:notesMasterIdLst>
   <p:handoutMasterIdLst>
-    <p:handoutMasterId r:id="rId17"/>
+    <p:handoutMasterId r:id="rId19"/>
   </p:handoutMasterIdLst>
   <p:sldIdLst>
     <p:sldId id="256" r:id="rId5"/>
@@ -16,12 +16,14 @@
     <p:sldId id="263" r:id="rId7"/>
     <p:sldId id="258" r:id="rId8"/>
     <p:sldId id="265" r:id="rId9"/>
-    <p:sldId id="275" r:id="rId10"/>
-    <p:sldId id="276" r:id="rId11"/>
-    <p:sldId id="273" r:id="rId12"/>
-    <p:sldId id="274" r:id="rId13"/>
-    <p:sldId id="277" r:id="rId14"/>
-    <p:sldId id="266" r:id="rId15"/>
+    <p:sldId id="278" r:id="rId10"/>
+    <p:sldId id="279" r:id="rId11"/>
+    <p:sldId id="275" r:id="rId12"/>
+    <p:sldId id="276" r:id="rId13"/>
+    <p:sldId id="273" r:id="rId14"/>
+    <p:sldId id="274" r:id="rId15"/>
+    <p:sldId id="277" r:id="rId16"/>
+    <p:sldId id="266" r:id="rId17"/>
   </p:sldIdLst>
   <p:sldSz cx="9144000" cy="6858000" type="screen4x3"/>
   <p:notesSz cx="6797675" cy="9872663"/>
@@ -239,7 +241,7 @@
           <a:p>
             <a:fld id="{EFA0D184-D464-48E9-9CA0-A94E873F6C2C}" type="datetimeFigureOut">
               <a:rPr lang="de-CH" smtClean="0"/>
-              <a:t>10.01.2015</a:t>
+              <a:t>10.01.15</a:t>
             </a:fld>
             <a:endParaRPr lang="de-CH"/>
           </a:p>
@@ -305,7 +307,7 @@
           <a:p>
             <a:fld id="{5F377753-DB7C-4FA7-98FC-17681D88797A}" type="slidenum">
               <a:rPr lang="de-CH" smtClean="0"/>
-              <a:t>‹#›</a:t>
+              <a:t>‹Nr.›</a:t>
             </a:fld>
             <a:endParaRPr lang="de-CH"/>
           </a:p>
@@ -409,7 +411,7 @@
           <a:p>
             <a:fld id="{5AF2B663-2BA9-4D7E-8201-5DE4109E1EDD}" type="datetimeFigureOut">
               <a:rPr lang="de-CH" smtClean="0"/>
-              <a:t>10.01.2015</a:t>
+              <a:t>10.01.15</a:t>
             </a:fld>
             <a:endParaRPr lang="de-CH"/>
           </a:p>
@@ -568,7 +570,7 @@
           <a:p>
             <a:fld id="{37E44704-8E6D-4CF2-8CFA-A0F7BC751896}" type="slidenum">
               <a:rPr lang="de-CH" smtClean="0"/>
-              <a:t>‹#›</a:t>
+              <a:t>‹Nr.›</a:t>
             </a:fld>
             <a:endParaRPr lang="de-CH"/>
           </a:p>
@@ -1009,14 +1011,14 @@
             <a:noFill/>
           </a:ln>
           <a:extLst>
-            <a:ext uri="{909E8E84-426E-40DD-AFC4-6F175D3DCCD1}">
+            <a:ext uri="{909E8E84-426E-40dd-AFC4-6F175D3DCCD1}">
               <a14:hiddenFill xmlns:a14="http://schemas.microsoft.com/office/drawing/2010/main">
                 <a:solidFill>
                   <a:srgbClr val="FFFFFF"/>
                 </a:solidFill>
               </a14:hiddenFill>
             </a:ext>
-            <a:ext uri="{91240B29-F687-4F45-9708-019B960494DF}">
+            <a:ext uri="{91240B29-F687-4f45-9708-019B960494DF}">
               <a14:hiddenLine xmlns:a14="http://schemas.microsoft.com/office/drawing/2010/main" w="9525">
                 <a:solidFill>
                   <a:srgbClr val="000000"/>
@@ -1432,7 +1434,7 @@
   <p:timing>
     <p:tnLst>
       <p:par>
-        <p:cTn id="1" dur="indefinite" restart="never" nodeType="tmRoot"/>
+        <p:cTn xmlns:p14="http://schemas.microsoft.com/office/powerpoint/2010/main" id="1" dur="indefinite" restart="never" nodeType="tmRoot"/>
       </p:par>
     </p:tnLst>
   </p:timing>
@@ -2135,7 +2137,7 @@
           <a:p>
             <a:fld id="{F19AE9A8-34D4-4E8C-BE9C-13C550F1BED0}" type="slidenum">
               <a:rPr lang="de-CH" smtClean="0"/>
-              <a:t>‹#›</a:t>
+              <a:t>‹Nr.›</a:t>
             </a:fld>
             <a:endParaRPr lang="de-CH" dirty="0"/>
           </a:p>
@@ -2188,7 +2190,7 @@
           <a:p>
             <a:fld id="{F19AE9A8-34D4-4E8C-BE9C-13C550F1BED0}" type="slidenum">
               <a:rPr lang="de-CH" smtClean="0"/>
-              <a:t>‹#›</a:t>
+              <a:t>‹Nr.›</a:t>
             </a:fld>
             <a:endParaRPr lang="de-CH" dirty="0"/>
           </a:p>
@@ -2490,14 +2492,14 @@
             <a:noFill/>
           </a:ln>
           <a:extLst>
-            <a:ext uri="{909E8E84-426E-40DD-AFC4-6F175D3DCCD1}">
+            <a:ext uri="{909E8E84-426E-40dd-AFC4-6F175D3DCCD1}">
               <a14:hiddenFill xmlns:a14="http://schemas.microsoft.com/office/drawing/2010/main">
                 <a:solidFill>
                   <a:srgbClr val="FFFFFF"/>
                 </a:solidFill>
               </a14:hiddenFill>
             </a:ext>
-            <a:ext uri="{91240B29-F687-4F45-9708-019B960494DF}">
+            <a:ext uri="{91240B29-F687-4f45-9708-019B960494DF}">
               <a14:hiddenLine xmlns:a14="http://schemas.microsoft.com/office/drawing/2010/main" w="9525">
                 <a:solidFill>
                   <a:srgbClr val="000000"/>
@@ -2884,7 +2886,7 @@
   <p:timing>
     <p:tnLst>
       <p:par>
-        <p:cTn id="1" dur="indefinite" restart="never" nodeType="tmRoot"/>
+        <p:cTn xmlns:p14="http://schemas.microsoft.com/office/powerpoint/2010/main" id="1" dur="indefinite" restart="never" nodeType="tmRoot"/>
       </p:par>
     </p:tnLst>
   </p:timing>
@@ -3261,7 +3263,7 @@
           <a:p>
             <a:fld id="{F19AE9A8-34D4-4E8C-BE9C-13C550F1BED0}" type="slidenum">
               <a:rPr lang="de-CH" smtClean="0"/>
-              <a:t>‹#›</a:t>
+              <a:t>‹Nr.›</a:t>
             </a:fld>
             <a:endParaRPr lang="de-CH" dirty="0"/>
           </a:p>
@@ -3280,7 +3282,7 @@
   <p:timing>
     <p:tnLst>
       <p:par>
-        <p:cTn id="1" dur="indefinite" restart="never" nodeType="tmRoot"/>
+        <p:cTn xmlns:p14="http://schemas.microsoft.com/office/powerpoint/2010/main" id="1" dur="indefinite" restart="never" nodeType="tmRoot"/>
       </p:par>
     </p:tnLst>
   </p:timing>
@@ -3657,7 +3659,7 @@
           <a:p>
             <a:fld id="{F19AE9A8-34D4-4E8C-BE9C-13C550F1BED0}" type="slidenum">
               <a:rPr lang="de-CH" smtClean="0"/>
-              <a:t>‹#›</a:t>
+              <a:t>‹Nr.›</a:t>
             </a:fld>
             <a:endParaRPr lang="de-CH" dirty="0"/>
           </a:p>
@@ -3676,7 +3678,7 @@
   <p:timing>
     <p:tnLst>
       <p:par>
-        <p:cTn id="1" dur="indefinite" restart="never" nodeType="tmRoot"/>
+        <p:cTn xmlns:p14="http://schemas.microsoft.com/office/powerpoint/2010/main" id="1" dur="indefinite" restart="never" nodeType="tmRoot"/>
       </p:par>
     </p:tnLst>
   </p:timing>
@@ -3891,7 +3893,7 @@
           <a:p>
             <a:fld id="{F19AE9A8-34D4-4E8C-BE9C-13C550F1BED0}" type="slidenum">
               <a:rPr lang="de-CH" smtClean="0"/>
-              <a:t>‹#›</a:t>
+              <a:t>‹Nr.›</a:t>
             </a:fld>
             <a:endParaRPr lang="de-CH" dirty="0"/>
           </a:p>
@@ -3910,7 +3912,7 @@
   <p:timing>
     <p:tnLst>
       <p:par>
-        <p:cTn id="1" dur="indefinite" restart="never" nodeType="tmRoot"/>
+        <p:cTn xmlns:p14="http://schemas.microsoft.com/office/powerpoint/2010/main" id="1" dur="indefinite" restart="never" nodeType="tmRoot"/>
       </p:par>
     </p:tnLst>
   </p:timing>
@@ -4200,7 +4202,7 @@
           <a:p>
             <a:fld id="{F19AE9A8-34D4-4E8C-BE9C-13C550F1BED0}" type="slidenum">
               <a:rPr lang="de-CH" smtClean="0"/>
-              <a:t>‹#›</a:t>
+              <a:t>‹Nr.›</a:t>
             </a:fld>
             <a:endParaRPr lang="de-CH" dirty="0"/>
           </a:p>
@@ -4219,7 +4221,7 @@
   <p:timing>
     <p:tnLst>
       <p:par>
-        <p:cTn id="1" dur="indefinite" restart="never" nodeType="tmRoot"/>
+        <p:cTn xmlns:p14="http://schemas.microsoft.com/office/powerpoint/2010/main" id="1" dur="indefinite" restart="never" nodeType="tmRoot"/>
       </p:par>
     </p:tnLst>
   </p:timing>
@@ -4730,7 +4732,7 @@
           <a:p>
             <a:fld id="{F19AE9A8-34D4-4E8C-BE9C-13C550F1BED0}" type="slidenum">
               <a:rPr lang="de-CH" smtClean="0"/>
-              <a:t>‹#›</a:t>
+              <a:t>‹Nr.›</a:t>
             </a:fld>
             <a:endParaRPr lang="de-CH" dirty="0"/>
           </a:p>
@@ -4749,7 +4751,7 @@
   <p:timing>
     <p:tnLst>
       <p:par>
-        <p:cTn id="1" dur="indefinite" restart="never" nodeType="tmRoot"/>
+        <p:cTn xmlns:p14="http://schemas.microsoft.com/office/powerpoint/2010/main" id="1" dur="indefinite" restart="never" nodeType="tmRoot"/>
       </p:par>
     </p:tnLst>
   </p:timing>
@@ -5260,7 +5262,7 @@
           <a:p>
             <a:fld id="{F19AE9A8-34D4-4E8C-BE9C-13C550F1BED0}" type="slidenum">
               <a:rPr lang="de-CH" smtClean="0"/>
-              <a:t>‹#›</a:t>
+              <a:t>‹Nr.›</a:t>
             </a:fld>
             <a:endParaRPr lang="de-CH" dirty="0"/>
           </a:p>
@@ -5279,7 +5281,7 @@
   <p:timing>
     <p:tnLst>
       <p:par>
-        <p:cTn id="1" dur="indefinite" restart="never" nodeType="tmRoot"/>
+        <p:cTn xmlns:p14="http://schemas.microsoft.com/office/powerpoint/2010/main" id="1" dur="indefinite" restart="never" nodeType="tmRoot"/>
       </p:par>
     </p:tnLst>
   </p:timing>
@@ -5987,7 +5989,7 @@
           <a:p>
             <a:fld id="{F19AE9A8-34D4-4E8C-BE9C-13C550F1BED0}" type="slidenum">
               <a:rPr lang="de-CH" smtClean="0"/>
-              <a:t>‹#›</a:t>
+              <a:t>‹Nr.›</a:t>
             </a:fld>
             <a:endParaRPr lang="de-CH" dirty="0"/>
           </a:p>
@@ -6052,14 +6054,14 @@
             <a:noFill/>
           </a:ln>
           <a:extLst>
-            <a:ext uri="{909E8E84-426E-40DD-AFC4-6F175D3DCCD1}">
+            <a:ext uri="{909E8E84-426E-40dd-AFC4-6F175D3DCCD1}">
               <a14:hiddenFill xmlns:a14="http://schemas.microsoft.com/office/drawing/2010/main">
                 <a:solidFill>
                   <a:srgbClr val="FFFFFF"/>
                 </a:solidFill>
               </a14:hiddenFill>
             </a:ext>
-            <a:ext uri="{91240B29-F687-4F45-9708-019B960494DF}">
+            <a:ext uri="{91240B29-F687-4f45-9708-019B960494DF}">
               <a14:hiddenLine xmlns:a14="http://schemas.microsoft.com/office/drawing/2010/main" w="9525">
                 <a:solidFill>
                   <a:srgbClr val="000000"/>
@@ -6373,7 +6375,7 @@
             <a:fld id="{F19AE9A8-34D4-4E8C-BE9C-13C550F1BED0}" type="slidenum">
               <a:rPr lang="de-CH" smtClean="0"/>
               <a:pPr/>
-              <a:t>‹#›</a:t>
+              <a:t>‹Nr.›</a:t>
             </a:fld>
             <a:endParaRPr lang="de-CH" dirty="0"/>
           </a:p>
@@ -6398,7 +6400,7 @@
   <p:timing>
     <p:tnLst>
       <p:par>
-        <p:cTn id="1" dur="indefinite" restart="never" nodeType="tmRoot"/>
+        <p:cTn xmlns:p14="http://schemas.microsoft.com/office/powerpoint/2010/main" id="1" dur="indefinite" restart="never" nodeType="tmRoot"/>
       </p:par>
     </p:tnLst>
   </p:timing>
@@ -6835,14 +6837,14 @@
           </a:xfrm>
           <a:noFill/>
           <a:extLst>
-            <a:ext uri="{909E8E84-426E-40DD-AFC4-6F175D3DCCD1}">
+            <a:ext uri="{909E8E84-426E-40dd-AFC4-6F175D3DCCD1}">
               <a14:hiddenFill xmlns:a14="http://schemas.microsoft.com/office/drawing/2010/main">
                 <a:solidFill>
                   <a:srgbClr val="FFFFFF"/>
                 </a:solidFill>
               </a14:hiddenFill>
             </a:ext>
-            <a:ext uri="{91240B29-F687-4F45-9708-019B960494DF}">
+            <a:ext uri="{91240B29-F687-4f45-9708-019B960494DF}">
               <a14:hiddenLine xmlns:a14="http://schemas.microsoft.com/office/drawing/2010/main" w="9525">
                 <a:solidFill>
                   <a:srgbClr val="000000"/>
@@ -6922,14 +6924,14 @@
           </a:xfrm>
           <a:noFill/>
           <a:extLst>
-            <a:ext uri="{909E8E84-426E-40DD-AFC4-6F175D3DCCD1}">
+            <a:ext uri="{909E8E84-426E-40dd-AFC4-6F175D3DCCD1}">
               <a14:hiddenFill xmlns:a14="http://schemas.microsoft.com/office/drawing/2010/main">
                 <a:solidFill>
                   <a:srgbClr val="FFFFFF"/>
                 </a:solidFill>
               </a14:hiddenFill>
             </a:ext>
-            <a:ext uri="{91240B29-F687-4F45-9708-019B960494DF}">
+            <a:ext uri="{91240B29-F687-4f45-9708-019B960494DF}">
               <a14:hiddenLine xmlns:a14="http://schemas.microsoft.com/office/drawing/2010/main" w="9525">
                 <a:solidFill>
                   <a:srgbClr val="000000"/>
@@ -7006,14 +7008,14 @@
           </a:xfrm>
           <a:noFill/>
           <a:extLst>
-            <a:ext uri="{909E8E84-426E-40DD-AFC4-6F175D3DCCD1}">
+            <a:ext uri="{909E8E84-426E-40dd-AFC4-6F175D3DCCD1}">
               <a14:hiddenFill xmlns:a14="http://schemas.microsoft.com/office/drawing/2010/main">
                 <a:solidFill>
                   <a:srgbClr val="FFFFFF"/>
                 </a:solidFill>
               </a14:hiddenFill>
             </a:ext>
-            <a:ext uri="{91240B29-F687-4F45-9708-019B960494DF}">
+            <a:ext uri="{91240B29-F687-4f45-9708-019B960494DF}">
               <a14:hiddenLine xmlns:a14="http://schemas.microsoft.com/office/drawing/2010/main" w="9525">
                 <a:solidFill>
                   <a:srgbClr val="000000"/>
@@ -7085,7 +7087,7 @@
   <p:timing>
     <p:tnLst>
       <p:par>
-        <p:cTn id="1" dur="indefinite" restart="never" nodeType="tmRoot"/>
+        <p:cTn xmlns:p14="http://schemas.microsoft.com/office/powerpoint/2010/main" id="1" dur="indefinite" restart="never" nodeType="tmRoot"/>
       </p:par>
     </p:tnLst>
   </p:timing>
@@ -7111,7 +7113,7 @@
       </p:grpSpPr>
       <p:sp>
         <p:nvSpPr>
-          <p:cNvPr id="2" name="Content Placeholder 1"/>
+          <p:cNvPr id="2" name="Inhaltsplatzhalter 1"/>
           <p:cNvSpPr>
             <a:spLocks noGrp="1"/>
           </p:cNvSpPr>
@@ -7125,46 +7127,153 @@
           <a:lstStyle/>
           <a:p>
             <a:r>
-              <a:rPr lang="en-US" dirty="0" smtClean="0"/>
-              <a:t>What we liked </a:t>
+              <a:rPr lang="de-CH" dirty="0" smtClean="0"/>
+              <a:t>Martin</a:t>
             </a:r>
           </a:p>
           <a:p>
             <a:pPr lvl="1"/>
             <a:r>
-              <a:rPr lang="en-US" dirty="0" smtClean="0"/>
-              <a:t>Despite of the given technologies to use there was enough space for individual implementation</a:t>
-            </a:r>
-          </a:p>
-          <a:p>
-            <a:endParaRPr lang="en-US" dirty="0"/>
-          </a:p>
-          <a:p>
-            <a:r>
-              <a:rPr lang="en-US" dirty="0" smtClean="0"/>
-              <a:t>What we didn’t like so much…</a:t>
+              <a:rPr lang="de-CH" dirty="0" smtClean="0"/>
+              <a:t>Core Applikation</a:t>
             </a:r>
           </a:p>
           <a:p>
             <a:pPr lvl="1"/>
             <a:r>
-              <a:rPr lang="en-US" dirty="0" smtClean="0"/>
-              <a:t>the effort to replace the implementation of a feature with another technology required too much time in some cases</a:t>
-            </a:r>
+              <a:rPr lang="de-CH" dirty="0" smtClean="0"/>
+              <a:t>Search </a:t>
+            </a:r>
+            <a:r>
+              <a:rPr lang="de-CH" dirty="0" err="1" smtClean="0"/>
+              <a:t>view</a:t>
+            </a:r>
+            <a:r>
+              <a:rPr lang="de-CH" dirty="0" smtClean="0"/>
+              <a:t> </a:t>
+            </a:r>
+            <a:r>
+              <a:rPr lang="de-CH" dirty="0" err="1" smtClean="0"/>
+              <a:t>and</a:t>
+            </a:r>
+            <a:r>
+              <a:rPr lang="de-CH" dirty="0" smtClean="0"/>
+              <a:t> </a:t>
+            </a:r>
+            <a:r>
+              <a:rPr lang="de-CH" dirty="0" err="1" smtClean="0"/>
+              <a:t>genre</a:t>
+            </a:r>
+            <a:r>
+              <a:rPr lang="de-CH" dirty="0"/>
+              <a:t> </a:t>
+            </a:r>
+            <a:r>
+              <a:rPr lang="de-CH" dirty="0" err="1"/>
+              <a:t>v</a:t>
+            </a:r>
+            <a:r>
+              <a:rPr lang="de-CH" dirty="0" err="1" smtClean="0"/>
+              <a:t>iew</a:t>
+            </a:r>
+            <a:endParaRPr lang="de-CH" dirty="0" smtClean="0"/>
           </a:p>
           <a:p>
             <a:pPr lvl="1"/>
-            <a:endParaRPr lang="en-US" dirty="0" smtClean="0"/>
+            <a:r>
+              <a:rPr lang="de-CH" dirty="0" smtClean="0"/>
+              <a:t>AJAX </a:t>
+            </a:r>
+            <a:r>
+              <a:rPr lang="de-CH" dirty="0" err="1" smtClean="0"/>
+              <a:t>Requests</a:t>
+            </a:r>
+            <a:r>
+              <a:rPr lang="de-CH" dirty="0" smtClean="0"/>
+              <a:t> </a:t>
+            </a:r>
+            <a:r>
+              <a:rPr lang="de-CH" dirty="0" err="1" smtClean="0"/>
+              <a:t>and</a:t>
+            </a:r>
+            <a:r>
+              <a:rPr lang="de-CH" dirty="0" smtClean="0"/>
+              <a:t> CSS </a:t>
+            </a:r>
+            <a:r>
+              <a:rPr lang="de-CH" dirty="0" err="1" smtClean="0"/>
+              <a:t>finalizing</a:t>
+            </a:r>
+            <a:endParaRPr lang="de-CH" dirty="0"/>
           </a:p>
           <a:p>
             <a:pPr lvl="1"/>
-            <a:endParaRPr lang="en-US" dirty="0"/>
-          </a:p>
-        </p:txBody>
-      </p:sp>
-      <p:sp>
-        <p:nvSpPr>
-          <p:cNvPr id="3" name="Title 2"/>
+            <a:r>
+              <a:rPr lang="de-CH" dirty="0" smtClean="0"/>
+              <a:t>(Emotional Support)</a:t>
+            </a:r>
+            <a:endParaRPr lang="de-CH" dirty="0" smtClean="0"/>
+          </a:p>
+          <a:p>
+            <a:r>
+              <a:rPr lang="de-CH" dirty="0" smtClean="0"/>
+              <a:t>Fabian</a:t>
+            </a:r>
+          </a:p>
+          <a:p>
+            <a:pPr lvl="1"/>
+            <a:r>
+              <a:rPr lang="de-CH" dirty="0" smtClean="0"/>
+              <a:t>Shopping </a:t>
+            </a:r>
+            <a:r>
+              <a:rPr lang="de-CH" dirty="0" err="1" smtClean="0"/>
+              <a:t>cart</a:t>
+            </a:r>
+            <a:r>
+              <a:rPr lang="de-CH" dirty="0" smtClean="0"/>
+              <a:t> &amp; </a:t>
+            </a:r>
+            <a:r>
+              <a:rPr lang="de-CH" dirty="0" err="1" smtClean="0"/>
+              <a:t>ordering</a:t>
+            </a:r>
+            <a:endParaRPr lang="de-CH" dirty="0" smtClean="0"/>
+          </a:p>
+          <a:p>
+            <a:pPr lvl="1"/>
+            <a:r>
+              <a:rPr lang="de-CH" dirty="0" smtClean="0"/>
+              <a:t>CSS</a:t>
+            </a:r>
+          </a:p>
+          <a:p>
+            <a:r>
+              <a:rPr lang="de-CH" dirty="0" smtClean="0"/>
+              <a:t>Marcel</a:t>
+            </a:r>
+          </a:p>
+          <a:p>
+            <a:pPr lvl="1"/>
+            <a:r>
+              <a:rPr lang="de-CH" dirty="0"/>
+              <a:t>_________</a:t>
+            </a:r>
+          </a:p>
+          <a:p>
+            <a:endParaRPr lang="de-CH" dirty="0" smtClean="0"/>
+          </a:p>
+          <a:p>
+            <a:endParaRPr lang="de-CH" dirty="0" smtClean="0"/>
+          </a:p>
+          <a:p>
+            <a:endParaRPr lang="de-CH" dirty="0"/>
+          </a:p>
+        </p:txBody>
+      </p:sp>
+      <p:sp>
+        <p:nvSpPr>
+          <p:cNvPr id="3" name="Titel 2"/>
           <p:cNvSpPr>
             <a:spLocks noGrp="1"/>
           </p:cNvSpPr>
@@ -7178,17 +7287,37 @@
           <a:lstStyle/>
           <a:p>
             <a:r>
-              <a:rPr lang="en-US" dirty="0" smtClean="0"/>
-              <a:t>Lessons learnt &amp; Review</a:t>
-            </a:r>
-            <a:endParaRPr lang="en-US" dirty="0"/>
+              <a:rPr lang="de-CH" dirty="0"/>
+              <a:t>Distribution </a:t>
+            </a:r>
+            <a:r>
+              <a:rPr lang="de-CH" dirty="0" err="1"/>
+              <a:t>among</a:t>
+            </a:r>
+            <a:r>
+              <a:rPr lang="de-CH" dirty="0"/>
+              <a:t> </a:t>
+            </a:r>
+            <a:r>
+              <a:rPr lang="de-CH" dirty="0" err="1"/>
+              <a:t>the</a:t>
+            </a:r>
+            <a:r>
+              <a:rPr lang="de-CH" dirty="0"/>
+              <a:t> </a:t>
+            </a:r>
+            <a:r>
+              <a:rPr lang="de-CH" dirty="0" err="1"/>
+              <a:t>team</a:t>
+            </a:r>
+            <a:endParaRPr lang="de-CH" dirty="0"/>
           </a:p>
         </p:txBody>
       </p:sp>
     </p:spTree>
     <p:extLst>
       <p:ext uri="{BB962C8B-B14F-4D97-AF65-F5344CB8AC3E}">
-        <p14:creationId xmlns:p14="http://schemas.microsoft.com/office/powerpoint/2010/main" val="4053086936"/>
+        <p14:creationId xmlns:p14="http://schemas.microsoft.com/office/powerpoint/2010/main" val="1401125318"/>
       </p:ext>
     </p:extLst>
   </p:cSld>
@@ -7198,7 +7327,7 @@
   <p:timing>
     <p:tnLst>
       <p:par>
-        <p:cTn id="1" dur="indefinite" restart="never" nodeType="tmRoot"/>
+        <p:cTn xmlns:p14="http://schemas.microsoft.com/office/powerpoint/2010/main" id="1" dur="indefinite" restart="never" nodeType="tmRoot"/>
       </p:par>
     </p:tnLst>
   </p:timing>
@@ -7224,6 +7353,266 @@
       </p:grpSpPr>
       <p:sp>
         <p:nvSpPr>
+          <p:cNvPr id="2" name="Content Placeholder 1"/>
+          <p:cNvSpPr>
+            <a:spLocks noGrp="1"/>
+          </p:cNvSpPr>
+          <p:nvPr>
+            <p:ph sz="half" idx="1"/>
+          </p:nvPr>
+        </p:nvSpPr>
+        <p:spPr/>
+        <p:txBody>
+          <a:bodyPr/>
+          <a:lstStyle/>
+          <a:p>
+            <a:r>
+              <a:rPr lang="en-US" dirty="0" smtClean="0"/>
+              <a:t>Distribution of work demands good planning – especially in teams where there’s a gap in skills &amp; experience</a:t>
+            </a:r>
+          </a:p>
+          <a:p>
+            <a:r>
+              <a:rPr lang="en-US" dirty="0" smtClean="0"/>
+              <a:t>As a beginner it’s a blessing to have skilled colleagues around you</a:t>
+            </a:r>
+          </a:p>
+          <a:p>
+            <a:pPr lvl="1"/>
+            <a:r>
+              <a:rPr lang="en-US" dirty="0" smtClean="0"/>
+              <a:t>CSS can be really tricky and might getting out of control without a proper hierarchy</a:t>
+            </a:r>
+          </a:p>
+          <a:p>
+            <a:r>
+              <a:rPr lang="en-US" dirty="0" smtClean="0"/>
+              <a:t>Handling of the repository tool with a suitable hierarchy and the possibility of versioning (unfortunately not available in </a:t>
+            </a:r>
+            <a:r>
+              <a:rPr lang="en-US" dirty="0" err="1" smtClean="0"/>
+              <a:t>GitHub</a:t>
+            </a:r>
+            <a:r>
+              <a:rPr lang="en-US" dirty="0" smtClean="0"/>
+              <a:t>) [WIESO </a:t>
+            </a:r>
+            <a:r>
+              <a:rPr lang="en-US" dirty="0" err="1" smtClean="0"/>
+              <a:t>nid</a:t>
+            </a:r>
+            <a:r>
+              <a:rPr lang="en-US" dirty="0" smtClean="0"/>
+              <a:t>, was </a:t>
+            </a:r>
+            <a:r>
+              <a:rPr lang="en-US" dirty="0" err="1" smtClean="0"/>
+              <a:t>meinsch</a:t>
+            </a:r>
+            <a:r>
+              <a:rPr lang="en-US" dirty="0" smtClean="0"/>
+              <a:t> do?]</a:t>
+            </a:r>
+          </a:p>
+          <a:p>
+            <a:pPr marL="0" indent="0">
+              <a:buNone/>
+            </a:pPr>
+            <a:endParaRPr lang="en-US" dirty="0" smtClean="0"/>
+          </a:p>
+          <a:p>
+            <a:pPr lvl="1"/>
+            <a:endParaRPr lang="en-US" dirty="0"/>
+          </a:p>
+        </p:txBody>
+      </p:sp>
+      <p:sp>
+        <p:nvSpPr>
+          <p:cNvPr id="3" name="Title 2"/>
+          <p:cNvSpPr>
+            <a:spLocks noGrp="1"/>
+          </p:cNvSpPr>
+          <p:nvPr>
+            <p:ph type="ctrTitle"/>
+          </p:nvPr>
+        </p:nvSpPr>
+        <p:spPr/>
+        <p:txBody>
+          <a:bodyPr/>
+          <a:lstStyle/>
+          <a:p>
+            <a:r>
+              <a:rPr lang="en-US" dirty="0" smtClean="0"/>
+              <a:t>Lessons learnt &amp; Review</a:t>
+            </a:r>
+            <a:endParaRPr lang="en-US" dirty="0"/>
+          </a:p>
+        </p:txBody>
+      </p:sp>
+    </p:spTree>
+    <p:extLst>
+      <p:ext uri="{BB962C8B-B14F-4D97-AF65-F5344CB8AC3E}">
+        <p14:creationId xmlns:p14="http://schemas.microsoft.com/office/powerpoint/2010/main" val="2865284130"/>
+      </p:ext>
+    </p:extLst>
+  </p:cSld>
+  <p:clrMapOvr>
+    <a:masterClrMapping/>
+  </p:clrMapOvr>
+  <p:timing>
+    <p:tnLst>
+      <p:par>
+        <p:cTn xmlns:p14="http://schemas.microsoft.com/office/powerpoint/2010/main" id="1" dur="indefinite" restart="never" nodeType="tmRoot"/>
+      </p:par>
+    </p:tnLst>
+  </p:timing>
+</p:sld>
+</file>
+
+<file path=ppt/slides/slide12.xml><?xml version="1.0" encoding="utf-8"?>
+<p:sld xmlns:a="http://schemas.openxmlformats.org/drawingml/2006/main" xmlns:r="http://schemas.openxmlformats.org/officeDocument/2006/relationships" xmlns:p="http://schemas.openxmlformats.org/presentationml/2006/main">
+  <p:cSld>
+    <p:spTree>
+      <p:nvGrpSpPr>
+        <p:cNvPr id="1" name=""/>
+        <p:cNvGrpSpPr/>
+        <p:nvPr/>
+      </p:nvGrpSpPr>
+      <p:grpSpPr>
+        <a:xfrm>
+          <a:off x="0" y="0"/>
+          <a:ext cx="0" cy="0"/>
+          <a:chOff x="0" y="0"/>
+          <a:chExt cx="0" cy="0"/>
+        </a:xfrm>
+      </p:grpSpPr>
+      <p:sp>
+        <p:nvSpPr>
+          <p:cNvPr id="2" name="Content Placeholder 1"/>
+          <p:cNvSpPr>
+            <a:spLocks noGrp="1"/>
+          </p:cNvSpPr>
+          <p:nvPr>
+            <p:ph sz="half" idx="1"/>
+          </p:nvPr>
+        </p:nvSpPr>
+        <p:spPr/>
+        <p:txBody>
+          <a:bodyPr/>
+          <a:lstStyle/>
+          <a:p>
+            <a:r>
+              <a:rPr lang="en-US" dirty="0" smtClean="0"/>
+              <a:t>What we liked </a:t>
+            </a:r>
+          </a:p>
+          <a:p>
+            <a:pPr lvl="1"/>
+            <a:r>
+              <a:rPr lang="en-US" dirty="0" smtClean="0"/>
+              <a:t>Despite of the given technologies to use there was enough space for individual </a:t>
+            </a:r>
+            <a:r>
+              <a:rPr lang="en-US" dirty="0" smtClean="0"/>
+              <a:t>implementation</a:t>
+            </a:r>
+          </a:p>
+          <a:p>
+            <a:pPr lvl="1"/>
+            <a:r>
+              <a:rPr lang="en-US" dirty="0" smtClean="0"/>
+              <a:t>Separation of the workload depending on the skillset</a:t>
+            </a:r>
+            <a:endParaRPr lang="en-US" dirty="0" smtClean="0"/>
+          </a:p>
+          <a:p>
+            <a:endParaRPr lang="en-US" dirty="0"/>
+          </a:p>
+          <a:p>
+            <a:r>
+              <a:rPr lang="en-US" dirty="0" smtClean="0"/>
+              <a:t>What we didn’t like so much…</a:t>
+            </a:r>
+          </a:p>
+          <a:p>
+            <a:pPr lvl="1"/>
+            <a:r>
+              <a:rPr lang="en-US" dirty="0" smtClean="0"/>
+              <a:t>the effort to replace the implementation of a feature with another technology required too much time in some cases</a:t>
+            </a:r>
+          </a:p>
+          <a:p>
+            <a:pPr lvl="1"/>
+            <a:endParaRPr lang="en-US" dirty="0" smtClean="0"/>
+          </a:p>
+          <a:p>
+            <a:pPr lvl="1"/>
+            <a:endParaRPr lang="en-US" dirty="0"/>
+          </a:p>
+        </p:txBody>
+      </p:sp>
+      <p:sp>
+        <p:nvSpPr>
+          <p:cNvPr id="3" name="Title 2"/>
+          <p:cNvSpPr>
+            <a:spLocks noGrp="1"/>
+          </p:cNvSpPr>
+          <p:nvPr>
+            <p:ph type="ctrTitle"/>
+          </p:nvPr>
+        </p:nvSpPr>
+        <p:spPr/>
+        <p:txBody>
+          <a:bodyPr/>
+          <a:lstStyle/>
+          <a:p>
+            <a:r>
+              <a:rPr lang="en-US" dirty="0" smtClean="0"/>
+              <a:t>Lessons learnt &amp; Review</a:t>
+            </a:r>
+            <a:endParaRPr lang="en-US" dirty="0"/>
+          </a:p>
+        </p:txBody>
+      </p:sp>
+    </p:spTree>
+    <p:extLst>
+      <p:ext uri="{BB962C8B-B14F-4D97-AF65-F5344CB8AC3E}">
+        <p14:creationId xmlns:p14="http://schemas.microsoft.com/office/powerpoint/2010/main" val="4053086936"/>
+      </p:ext>
+    </p:extLst>
+  </p:cSld>
+  <p:clrMapOvr>
+    <a:masterClrMapping/>
+  </p:clrMapOvr>
+  <p:timing>
+    <p:tnLst>
+      <p:par>
+        <p:cTn xmlns:p14="http://schemas.microsoft.com/office/powerpoint/2010/main" id="1" dur="indefinite" restart="never" nodeType="tmRoot"/>
+      </p:par>
+    </p:tnLst>
+  </p:timing>
+</p:sld>
+</file>
+
+<file path=ppt/slides/slide13.xml><?xml version="1.0" encoding="utf-8"?>
+<p:sld xmlns:a="http://schemas.openxmlformats.org/drawingml/2006/main" xmlns:r="http://schemas.openxmlformats.org/officeDocument/2006/relationships" xmlns:p="http://schemas.openxmlformats.org/presentationml/2006/main">
+  <p:cSld>
+    <p:spTree>
+      <p:nvGrpSpPr>
+        <p:cNvPr id="1" name=""/>
+        <p:cNvGrpSpPr/>
+        <p:nvPr/>
+      </p:nvGrpSpPr>
+      <p:grpSpPr>
+        <a:xfrm>
+          <a:off x="0" y="0"/>
+          <a:ext cx="0" cy="0"/>
+          <a:chOff x="0" y="0"/>
+          <a:chExt cx="0" cy="0"/>
+        </a:xfrm>
+      </p:grpSpPr>
+      <p:sp>
+        <p:nvSpPr>
           <p:cNvPr id="2" name="Titel 1"/>
           <p:cNvSpPr>
             <a:spLocks noGrp="1"/>
@@ -7264,7 +7653,7 @@
   <p:timing>
     <p:tnLst>
       <p:par>
-        <p:cTn id="1" dur="indefinite" restart="never" nodeType="tmRoot"/>
+        <p:cTn xmlns:p14="http://schemas.microsoft.com/office/powerpoint/2010/main" id="1" dur="indefinite" restart="never" nodeType="tmRoot"/>
       </p:par>
     </p:tnLst>
   </p:timing>
@@ -7531,7 +7920,7 @@
   <p:timing>
     <p:tnLst>
       <p:par>
-        <p:cTn id="1" dur="indefinite" restart="never" nodeType="tmRoot"/>
+        <p:cTn xmlns:p14="http://schemas.microsoft.com/office/powerpoint/2010/main" id="1" dur="indefinite" restart="never" nodeType="tmRoot"/>
       </p:par>
     </p:tnLst>
   </p:timing>
@@ -7572,21 +7961,8 @@
           <a:p>
             <a:r>
               <a:rPr lang="en-US" dirty="0" smtClean="0"/>
-              <a:t>Standard </a:t>
-            </a:r>
-            <a:r>
-              <a:rPr lang="en-US" dirty="0" smtClean="0"/>
-              <a:t>project without </a:t>
-            </a:r>
-            <a:r>
-              <a:rPr lang="en-US" smtClean="0"/>
-              <a:t>the support of </a:t>
-            </a:r>
-            <a:r>
-              <a:rPr lang="en-US" dirty="0" smtClean="0"/>
-              <a:t>a framework: </a:t>
-            </a:r>
-            <a:endParaRPr lang="en-US" dirty="0" smtClean="0"/>
+              <a:t>Standard project without the support of a framework: </a:t>
+            </a:r>
           </a:p>
           <a:p>
             <a:pPr lvl="1"/>
@@ -7629,17 +8005,10 @@
           <a:p>
             <a:pPr lvl="1"/>
             <a:r>
-              <a:rPr lang="en-US" dirty="0" smtClean="0">
-                <a:solidFill>
-                  <a:srgbClr val="FF0000"/>
-                </a:solidFill>
-              </a:rPr>
-              <a:t>Martin:</a:t>
-            </a:r>
-            <a:r>
               <a:rPr lang="en-US" dirty="0" smtClean="0"/>
-              <a:t> ______________________</a:t>
-            </a:r>
+              <a:t>Martin: Backend Web-Developer</a:t>
+            </a:r>
+            <a:endParaRPr lang="en-US" dirty="0" smtClean="0"/>
           </a:p>
           <a:p>
             <a:pPr lvl="1"/>
@@ -7728,7 +8097,7 @@
   <p:timing>
     <p:tnLst>
       <p:par>
-        <p:cTn id="1" dur="indefinite" restart="never" nodeType="tmRoot"/>
+        <p:cTn xmlns:p14="http://schemas.microsoft.com/office/powerpoint/2010/main" id="1" dur="indefinite" restart="never" nodeType="tmRoot"/>
       </p:par>
     </p:tnLst>
   </p:timing>
@@ -7808,40 +8177,68 @@
             <p:ph sz="half" idx="13"/>
           </p:nvPr>
         </p:nvSpPr>
-        <p:spPr/>
+        <p:spPr>
+          <a:xfrm>
+            <a:off x="468000" y="2160000"/>
+            <a:ext cx="8265692" cy="3960000"/>
+          </a:xfrm>
+        </p:spPr>
         <p:txBody>
           <a:bodyPr/>
           <a:lstStyle/>
           <a:p>
             <a:r>
               <a:rPr lang="en-US" dirty="0" smtClean="0"/>
-              <a:t>HTML for static content</a:t>
-            </a:r>
-          </a:p>
-          <a:p>
+              <a:t>HTML </a:t>
+            </a:r>
             <a:r>
               <a:rPr lang="en-US" dirty="0" smtClean="0"/>
-              <a:t>CSS for Styling</a:t>
-            </a:r>
-          </a:p>
-          <a:p>
+              <a:t>for </a:t>
+            </a:r>
             <a:r>
               <a:rPr lang="en-US" dirty="0" smtClean="0"/>
-              <a:t>JavaScript for _____________________</a:t>
-            </a:r>
-          </a:p>
-          <a:p>
+              <a:t>static </a:t>
+            </a:r>
             <a:r>
               <a:rPr lang="en-US" dirty="0" smtClean="0"/>
-              <a:t>PHP </a:t>
+              <a:t>content and templates</a:t>
+            </a:r>
+            <a:endParaRPr lang="en-US" dirty="0" smtClean="0"/>
+          </a:p>
+          <a:p>
+            <a:r>
+              <a:rPr lang="en-US" dirty="0" smtClean="0"/>
+              <a:t>CSS3 </a:t>
+            </a:r>
+            <a:r>
+              <a:rPr lang="en-US" dirty="0" smtClean="0"/>
+              <a:t>for </a:t>
             </a:r>
             <a:r>
               <a:rPr lang="en-US" dirty="0"/>
-              <a:t>for	_____________________</a:t>
-            </a:r>
-          </a:p>
-          <a:p>
+              <a:t>s</a:t>
+            </a:r>
+            <a:r>
+              <a:rPr lang="en-US" dirty="0" smtClean="0"/>
+              <a:t>tyling and animation</a:t>
+            </a:r>
             <a:endParaRPr lang="en-US" dirty="0" smtClean="0"/>
+          </a:p>
+          <a:p>
+            <a:r>
+              <a:rPr lang="en-US" dirty="0" smtClean="0"/>
+              <a:t>JavaScript </a:t>
+            </a:r>
+            <a:r>
+              <a:rPr lang="en-US" dirty="0" smtClean="0"/>
+              <a:t>for the shopping cart cookie</a:t>
+            </a:r>
+          </a:p>
+          <a:p>
+            <a:r>
+              <a:rPr lang="en-US" dirty="0" smtClean="0"/>
+              <a:t>PHP (OOP) for the server</a:t>
+            </a:r>
           </a:p>
           <a:p>
             <a:r>
@@ -7854,8 +8251,9 @@
             </a:r>
             <a:r>
               <a:rPr lang="en-US" dirty="0" smtClean="0"/>
-              <a:t>_____________________</a:t>
-            </a:r>
+              <a:t>fetching Wikipedia data and autocomplete of the search</a:t>
+            </a:r>
+            <a:endParaRPr lang="en-US" dirty="0" smtClean="0"/>
           </a:p>
           <a:p>
             <a:r>
@@ -7864,8 +8262,13 @@
             </a:r>
             <a:r>
               <a:rPr lang="en-US" dirty="0"/>
-              <a:t>for _____________________</a:t>
-            </a:r>
+              <a:t>for </a:t>
+            </a:r>
+            <a:r>
+              <a:rPr lang="en-US" dirty="0" smtClean="0"/>
+              <a:t>fetching Wikipedia articles via REST client</a:t>
+            </a:r>
+            <a:endParaRPr lang="en-US" dirty="0"/>
           </a:p>
           <a:p>
             <a:pPr marL="0" indent="0">
@@ -7879,16 +8282,39 @@
               <a:t>and in addition to them</a:t>
             </a:r>
             <a:r>
+              <a:rPr lang="en-US" dirty="0" smtClean="0"/>
+              <a:t>:</a:t>
+            </a:r>
+          </a:p>
+          <a:p>
+            <a:pPr lvl="1"/>
+            <a:r>
+              <a:rPr lang="en-US" dirty="0" smtClean="0"/>
+              <a:t>MySQL </a:t>
+            </a:r>
+            <a:r>
               <a:rPr lang="en-US" dirty="0"/>
-              <a:t>: _____________________</a:t>
-            </a:r>
-          </a:p>
-          <a:p>
+              <a:t>for storing the </a:t>
+            </a:r>
+            <a:r>
+              <a:rPr lang="en-US" dirty="0" smtClean="0"/>
+              <a:t>data</a:t>
+            </a:r>
+          </a:p>
+          <a:p>
+            <a:pPr lvl="1"/>
+            <a:r>
+              <a:rPr lang="en-US" dirty="0" smtClean="0"/>
+              <a:t>Regex for form validation / template rendering and translation files</a:t>
+            </a:r>
+          </a:p>
+          <a:p>
+            <a:pPr lvl="1"/>
+            <a:r>
+              <a:rPr lang="en-US" dirty="0" err="1" smtClean="0"/>
+              <a:t>jQuery</a:t>
+            </a:r>
             <a:endParaRPr lang="en-US" dirty="0" smtClean="0"/>
-          </a:p>
-          <a:p>
-            <a:pPr lvl="1"/>
-            <a:endParaRPr lang="en-US" dirty="0"/>
           </a:p>
         </p:txBody>
       </p:sp>
@@ -7905,7 +8331,7 @@
   <p:timing>
     <p:tnLst>
       <p:par>
-        <p:cTn id="1" dur="indefinite" restart="never" nodeType="tmRoot"/>
+        <p:cTn xmlns:p14="http://schemas.microsoft.com/office/powerpoint/2010/main" id="1" dur="indefinite" restart="never" nodeType="tmRoot"/>
       </p:par>
     </p:tnLst>
   </p:timing>
@@ -7946,7 +8372,11 @@
           <a:p>
             <a:r>
               <a:rPr lang="de-CH" dirty="0" smtClean="0"/>
-              <a:t>Live Demonstration &amp; Features</a:t>
+              <a:t>Live Demonstration &amp; </a:t>
+            </a:r>
+            <a:r>
+              <a:rPr lang="de-CH" dirty="0" smtClean="0"/>
+              <a:t>Features - Core</a:t>
             </a:r>
             <a:endParaRPr lang="de-CH" dirty="0"/>
           </a:p>
@@ -8002,8 +8432,8 @@
         </p:nvSpPr>
         <p:spPr>
           <a:xfrm>
-            <a:off x="467999" y="1439230"/>
-            <a:ext cx="8171999" cy="3960000"/>
+            <a:off x="468000" y="1439230"/>
+            <a:ext cx="3850000" cy="3960000"/>
           </a:xfrm>
         </p:spPr>
         <p:txBody>
@@ -8011,47 +8441,174 @@
           <a:lstStyle/>
           <a:p>
             <a:r>
-              <a:rPr lang="de-CH" i="1" dirty="0" smtClean="0"/>
-              <a:t>Martin (</a:t>
-            </a:r>
-            <a:r>
-              <a:rPr lang="de-CH" i="1" dirty="0"/>
-              <a:t>Namen entfernen wir dann für </a:t>
-            </a:r>
-            <a:r>
-              <a:rPr lang="de-CH" i="1" dirty="0" err="1"/>
-              <a:t>Präsi</a:t>
-            </a:r>
-            <a:r>
-              <a:rPr lang="de-CH" i="1" dirty="0" smtClean="0"/>
-              <a:t>):</a:t>
+              <a:rPr lang="de-CH" dirty="0" smtClean="0"/>
+              <a:t>Template Engine</a:t>
+            </a:r>
+          </a:p>
+          <a:p>
+            <a:pPr lvl="1"/>
+            <a:r>
+              <a:rPr lang="de-CH" dirty="0" smtClean="0"/>
+              <a:t>Variables </a:t>
+            </a:r>
+            <a:r>
+              <a:rPr lang="de-CH" dirty="0"/>
+              <a:t>/ </a:t>
+            </a:r>
+            <a:r>
+              <a:rPr lang="de-CH" dirty="0" err="1" smtClean="0"/>
+              <a:t>Ifs</a:t>
+            </a:r>
+            <a:r>
+              <a:rPr lang="de-CH" dirty="0" smtClean="0"/>
+              <a:t> </a:t>
+            </a:r>
+            <a:r>
+              <a:rPr lang="de-CH" dirty="0"/>
+              <a:t>/ </a:t>
+            </a:r>
+            <a:r>
+              <a:rPr lang="de-CH" dirty="0" smtClean="0"/>
+              <a:t>Loops</a:t>
+            </a:r>
+            <a:endParaRPr lang="de-CH" dirty="0"/>
+          </a:p>
+          <a:p>
+            <a:r>
+              <a:rPr lang="de-CH" dirty="0"/>
+              <a:t>Translation</a:t>
+            </a:r>
+          </a:p>
+          <a:p>
+            <a:pPr lvl="1"/>
+            <a:r>
+              <a:rPr lang="de-CH" dirty="0" err="1" smtClean="0"/>
+              <a:t>Based</a:t>
+            </a:r>
+            <a:r>
+              <a:rPr lang="de-CH" dirty="0" smtClean="0"/>
+              <a:t> on </a:t>
+            </a:r>
+            <a:r>
+              <a:rPr lang="de-CH" dirty="0" err="1" smtClean="0"/>
+              <a:t>files</a:t>
+            </a:r>
+            <a:endParaRPr lang="de-CH" dirty="0"/>
+          </a:p>
+          <a:p>
+            <a:pPr lvl="1"/>
+            <a:r>
+              <a:rPr lang="de-CH" dirty="0" smtClean="0"/>
+              <a:t>Variables </a:t>
+            </a:r>
+            <a:r>
+              <a:rPr lang="de-CH" dirty="0" err="1" smtClean="0"/>
+              <a:t>possible</a:t>
             </a:r>
             <a:endParaRPr lang="de-CH" dirty="0" smtClean="0"/>
           </a:p>
           <a:p>
+            <a:r>
+              <a:rPr lang="de-CH" dirty="0" smtClean="0"/>
+              <a:t>DB-Models </a:t>
+            </a:r>
+          </a:p>
+          <a:p>
             <a:pPr lvl="1"/>
             <a:r>
               <a:rPr lang="de-CH" dirty="0" smtClean="0"/>
-              <a:t>Basis Infrastruktur</a:t>
+              <a:t>Dynamic</a:t>
             </a:r>
           </a:p>
           <a:p>
             <a:pPr lvl="1"/>
             <a:r>
               <a:rPr lang="de-CH" dirty="0" smtClean="0"/>
-              <a:t>DEINE THEMEN</a:t>
+              <a:t>Simple </a:t>
+            </a:r>
+            <a:r>
+              <a:rPr lang="de-CH" dirty="0" err="1" smtClean="0"/>
+              <a:t>to</a:t>
+            </a:r>
+            <a:r>
+              <a:rPr lang="de-CH" dirty="0" smtClean="0"/>
+              <a:t> </a:t>
+            </a:r>
+            <a:r>
+              <a:rPr lang="de-CH" dirty="0" err="1" smtClean="0"/>
+              <a:t>extend</a:t>
+            </a:r>
+            <a:endParaRPr lang="de-CH" dirty="0" smtClean="0"/>
+          </a:p>
+          <a:p>
+            <a:r>
+              <a:rPr lang="de-CH" dirty="0" smtClean="0"/>
+              <a:t>View Controller</a:t>
             </a:r>
           </a:p>
           <a:p>
             <a:pPr lvl="1"/>
             <a:r>
               <a:rPr lang="de-CH" dirty="0" smtClean="0"/>
-              <a:t>+ Präsentation eines Features nach Wahl</a:t>
-            </a:r>
-            <a:endParaRPr lang="de-CH" dirty="0"/>
-          </a:p>
-        </p:txBody>
-      </p:sp>
+              <a:t>Fast </a:t>
+            </a:r>
+            <a:r>
+              <a:rPr lang="de-CH" dirty="0" err="1" smtClean="0"/>
+              <a:t>development</a:t>
+            </a:r>
+            <a:endParaRPr lang="de-CH" dirty="0" smtClean="0"/>
+          </a:p>
+          <a:p>
+            <a:pPr lvl="1"/>
+            <a:r>
+              <a:rPr lang="de-CH" dirty="0" smtClean="0"/>
+              <a:t>AJAX-</a:t>
+            </a:r>
+            <a:r>
+              <a:rPr lang="de-CH" dirty="0" err="1" smtClean="0"/>
+              <a:t>calls</a:t>
+            </a:r>
+            <a:endParaRPr lang="de-CH" dirty="0" smtClean="0"/>
+          </a:p>
+          <a:p>
+            <a:pPr lvl="1"/>
+            <a:endParaRPr lang="de-CH" dirty="0" smtClean="0"/>
+          </a:p>
+          <a:p>
+            <a:pPr lvl="2"/>
+            <a:endParaRPr lang="de-CH" dirty="0" smtClean="0"/>
+          </a:p>
+        </p:txBody>
+      </p:sp>
+      <p:pic>
+        <p:nvPicPr>
+          <p:cNvPr id="2" name="Bild 1" descr="model presentation.png"/>
+          <p:cNvPicPr>
+            <a:picLocks noChangeAspect="1"/>
+          </p:cNvPicPr>
+          <p:nvPr/>
+        </p:nvPicPr>
+        <p:blipFill rotWithShape="1">
+          <a:blip r:embed="rId2">
+            <a:extLst>
+              <a:ext uri="{28A0092B-C50C-407E-A947-70E740481C1C}">
+                <a14:useLocalDpi xmlns:a14="http://schemas.microsoft.com/office/drawing/2010/main" val="0"/>
+              </a:ext>
+            </a:extLst>
+          </a:blip>
+          <a:srcRect r="19456" b="49669"/>
+          <a:stretch/>
+        </p:blipFill>
+        <p:spPr>
+          <a:xfrm>
+            <a:off x="3985849" y="1248764"/>
+            <a:ext cx="4642067" cy="4256634"/>
+          </a:xfrm>
+          <a:prstGeom prst="rect">
+            <a:avLst/>
+          </a:prstGeom>
+        </p:spPr>
+      </p:pic>
     </p:spTree>
     <p:extLst>
       <p:ext uri="{BB962C8B-B14F-4D97-AF65-F5344CB8AC3E}">
@@ -8065,7 +8622,7 @@
   <p:timing>
     <p:tnLst>
       <p:par>
-        <p:cTn id="1" dur="indefinite" restart="never" nodeType="tmRoot"/>
+        <p:cTn xmlns:p14="http://schemas.microsoft.com/office/powerpoint/2010/main" id="1" dur="indefinite" restart="never" nodeType="tmRoot"/>
       </p:par>
     </p:tnLst>
   </p:timing>
@@ -8106,7 +8663,11 @@
           <a:p>
             <a:r>
               <a:rPr lang="de-CH" dirty="0" smtClean="0"/>
-              <a:t>Live Demonstration &amp; Features</a:t>
+              <a:t>Live Demonstration &amp; </a:t>
+            </a:r>
+            <a:r>
+              <a:rPr lang="de-CH" dirty="0" smtClean="0"/>
+              <a:t>Features - Translation</a:t>
             </a:r>
             <a:endParaRPr lang="de-CH" dirty="0"/>
           </a:p>
@@ -8150,106 +8711,38 @@
           </a:p>
         </p:txBody>
       </p:sp>
-      <p:sp>
-        <p:nvSpPr>
-          <p:cNvPr id="9" name="Inhaltsplatzhalter 8"/>
-          <p:cNvSpPr>
-            <a:spLocks noGrp="1"/>
-          </p:cNvSpPr>
+      <p:pic>
+        <p:nvPicPr>
+          <p:cNvPr id="3" name="Inhaltsplatzhalter 2" descr="model presentation-translation.png"/>
+          <p:cNvPicPr>
+            <a:picLocks noGrp="1" noChangeAspect="1"/>
+          </p:cNvPicPr>
           <p:nvPr>
             <p:ph sz="half" idx="13"/>
           </p:nvPr>
-        </p:nvSpPr>
+        </p:nvPicPr>
+        <p:blipFill rotWithShape="1">
+          <a:blip r:embed="rId2">
+            <a:extLst>
+              <a:ext uri="{28A0092B-C50C-407E-A947-70E740481C1C}">
+                <a14:useLocalDpi xmlns:a14="http://schemas.microsoft.com/office/drawing/2010/main" val="0"/>
+              </a:ext>
+            </a:extLst>
+          </a:blip>
+          <a:srcRect t="6560" r="1837" b="59804"/>
+          <a:stretch/>
+        </p:blipFill>
         <p:spPr>
           <a:xfrm>
-            <a:off x="468000" y="1439230"/>
-            <a:ext cx="8171998" cy="3960000"/>
+            <a:off x="617726" y="1124693"/>
+            <a:ext cx="8022273" cy="3888155"/>
           </a:xfrm>
         </p:spPr>
-        <p:txBody>
-          <a:bodyPr/>
-          <a:lstStyle/>
-          <a:p>
-            <a:r>
-              <a:rPr lang="de-CH" i="1" dirty="0" smtClean="0"/>
-              <a:t>Marcel (Namen entfernen wir dann für </a:t>
-            </a:r>
-            <a:r>
-              <a:rPr lang="de-CH" i="1" dirty="0" err="1" smtClean="0"/>
-              <a:t>Präsi</a:t>
-            </a:r>
-            <a:r>
-              <a:rPr lang="de-CH" i="1" dirty="0" smtClean="0"/>
-              <a:t>):</a:t>
-            </a:r>
-            <a:endParaRPr lang="de-CH" i="1" dirty="0"/>
-          </a:p>
-          <a:p>
-            <a:pPr lvl="1"/>
-            <a:r>
-              <a:rPr lang="de-CH" dirty="0" smtClean="0"/>
-              <a:t>DEINE THEMEN</a:t>
-            </a:r>
-          </a:p>
-          <a:p>
-            <a:pPr lvl="1"/>
-            <a:r>
-              <a:rPr lang="de-CH" dirty="0" smtClean="0"/>
-              <a:t>Wikipedia-REST </a:t>
-            </a:r>
-            <a:r>
-              <a:rPr lang="de-CH" dirty="0"/>
-              <a:t>API- Präsentation Shop- </a:t>
-            </a:r>
-            <a:r>
-              <a:rPr lang="de-CH" dirty="0" smtClean="0"/>
-              <a:t>Model</a:t>
-            </a:r>
-            <a:br>
-              <a:rPr lang="de-CH" dirty="0" smtClean="0"/>
-            </a:br>
-            <a:r>
-              <a:rPr lang="de-CH" dirty="0" smtClean="0"/>
-              <a:t>Beispiel </a:t>
-            </a:r>
-            <a:r>
-              <a:rPr lang="de-CH" dirty="0"/>
-              <a:t>anhand </a:t>
-            </a:r>
-            <a:r>
-              <a:rPr lang="de-CH" dirty="0" smtClean="0"/>
-              <a:t>User Model </a:t>
-            </a:r>
-            <a:r>
-              <a:rPr lang="de-CH" dirty="0"/>
-              <a:t>(</a:t>
-            </a:r>
-            <a:r>
-              <a:rPr lang="de-CH" dirty="0" err="1"/>
-              <a:t>create</a:t>
-            </a:r>
-            <a:r>
-              <a:rPr lang="de-CH" dirty="0"/>
-              <a:t> / </a:t>
-            </a:r>
-            <a:r>
-              <a:rPr lang="de-CH" dirty="0" err="1"/>
-              <a:t>login</a:t>
-            </a:r>
-            <a:r>
-              <a:rPr lang="de-CH" dirty="0"/>
-              <a:t>)</a:t>
-            </a:r>
-          </a:p>
-          <a:p>
-            <a:endParaRPr lang="de-CH" dirty="0"/>
-          </a:p>
-        </p:txBody>
-      </p:sp>
+      </p:pic>
     </p:spTree>
     <p:extLst>
       <p:ext uri="{BB962C8B-B14F-4D97-AF65-F5344CB8AC3E}">
-        <p14:creationId xmlns:p14="http://schemas.microsoft.com/office/powerpoint/2010/main" val="1221095212"/>
+        <p14:creationId xmlns:p14="http://schemas.microsoft.com/office/powerpoint/2010/main" val="4128981613"/>
       </p:ext>
     </p:extLst>
   </p:cSld>
@@ -8259,7 +8752,7 @@
   <p:timing>
     <p:tnLst>
       <p:par>
-        <p:cTn id="1" dur="indefinite" restart="never" nodeType="tmRoot"/>
+        <p:cTn xmlns:p14="http://schemas.microsoft.com/office/powerpoint/2010/main" id="1" dur="indefinite" restart="never" nodeType="tmRoot"/>
       </p:par>
     </p:tnLst>
   </p:timing>
@@ -8300,7 +8793,11 @@
           <a:p>
             <a:r>
               <a:rPr lang="de-CH" dirty="0" smtClean="0"/>
-              <a:t>Live Demonstration &amp; Features</a:t>
+              <a:t>Live Demonstration &amp; </a:t>
+            </a:r>
+            <a:r>
+              <a:rPr lang="de-CH" dirty="0" smtClean="0"/>
+              <a:t>Features - Template Engine</a:t>
             </a:r>
             <a:endParaRPr lang="de-CH" dirty="0"/>
           </a:p>
@@ -8344,325 +8841,39 @@
           </a:p>
         </p:txBody>
       </p:sp>
-      <p:sp>
-        <p:nvSpPr>
-          <p:cNvPr id="9" name="Inhaltsplatzhalter 8"/>
-          <p:cNvSpPr>
-            <a:spLocks noGrp="1"/>
-          </p:cNvSpPr>
-          <p:nvPr>
-            <p:ph sz="half" idx="13"/>
-          </p:nvPr>
-        </p:nvSpPr>
+      <p:pic>
+        <p:nvPicPr>
+          <p:cNvPr id="5" name="Bild 4" descr="model presentation-renderer.png"/>
+          <p:cNvPicPr>
+            <a:picLocks noChangeAspect="1"/>
+          </p:cNvPicPr>
+          <p:nvPr/>
+        </p:nvPicPr>
+        <p:blipFill rotWithShape="1">
+          <a:blip r:embed="rId2">
+            <a:extLst>
+              <a:ext uri="{28A0092B-C50C-407E-A947-70E740481C1C}">
+                <a14:useLocalDpi xmlns:a14="http://schemas.microsoft.com/office/drawing/2010/main" val="0"/>
+              </a:ext>
+            </a:extLst>
+          </a:blip>
+          <a:srcRect t="11966" r="3255" b="51852"/>
+          <a:stretch/>
+        </p:blipFill>
         <p:spPr>
           <a:xfrm>
-            <a:off x="468000" y="1439230"/>
-            <a:ext cx="8171998" cy="3960000"/>
+            <a:off x="1208762" y="1465385"/>
+            <a:ext cx="6980637" cy="3692764"/>
           </a:xfrm>
+          <a:prstGeom prst="rect">
+            <a:avLst/>
+          </a:prstGeom>
         </p:spPr>
-        <p:txBody>
-          <a:bodyPr/>
-          <a:lstStyle/>
-          <a:p>
-            <a:r>
-              <a:rPr lang="de-CH" i="1" dirty="0" smtClean="0"/>
-              <a:t>Fabian </a:t>
-            </a:r>
-            <a:r>
-              <a:rPr lang="de-CH" i="1" dirty="0"/>
-              <a:t>(Namen entfernen wir dann für </a:t>
-            </a:r>
-            <a:r>
-              <a:rPr lang="de-CH" i="1" dirty="0" err="1"/>
-              <a:t>Präsi</a:t>
-            </a:r>
-            <a:r>
-              <a:rPr lang="de-CH" i="1" dirty="0" smtClean="0"/>
-              <a:t>):</a:t>
-            </a:r>
-            <a:r>
-              <a:rPr lang="de-CH" dirty="0" smtClean="0"/>
-              <a:t>:</a:t>
-            </a:r>
-            <a:endParaRPr lang="de-CH" dirty="0"/>
-          </a:p>
-          <a:p>
-            <a:pPr lvl="1"/>
-            <a:r>
-              <a:rPr lang="de-CH" dirty="0" smtClean="0"/>
-              <a:t>Shopping </a:t>
-            </a:r>
-            <a:r>
-              <a:rPr lang="de-CH" dirty="0" err="1" smtClean="0"/>
-              <a:t>with</a:t>
-            </a:r>
-            <a:r>
-              <a:rPr lang="de-CH" dirty="0" smtClean="0"/>
-              <a:t> «</a:t>
-            </a:r>
-            <a:r>
-              <a:rPr lang="de-CH" dirty="0" err="1" smtClean="0"/>
-              <a:t>groot</a:t>
-            </a:r>
-            <a:r>
-              <a:rPr lang="de-CH" dirty="0" smtClean="0"/>
-              <a:t>»</a:t>
-            </a:r>
-          </a:p>
-          <a:p>
-            <a:pPr lvl="1"/>
-            <a:r>
-              <a:rPr lang="de-CH" dirty="0" smtClean="0"/>
-              <a:t>Shopping </a:t>
-            </a:r>
-            <a:r>
-              <a:rPr lang="de-CH" dirty="0" err="1" smtClean="0"/>
-              <a:t>cart</a:t>
-            </a:r>
-            <a:endParaRPr lang="de-CH" dirty="0" smtClean="0"/>
-          </a:p>
-          <a:p>
-            <a:pPr lvl="2"/>
-            <a:r>
-              <a:rPr lang="de-CH" dirty="0" smtClean="0"/>
-              <a:t>OOP </a:t>
-            </a:r>
-            <a:r>
-              <a:rPr lang="de-CH" dirty="0" err="1"/>
-              <a:t>e</a:t>
-            </a:r>
-            <a:r>
-              <a:rPr lang="de-CH" dirty="0" err="1" smtClean="0"/>
-              <a:t>lement</a:t>
-            </a:r>
-            <a:r>
-              <a:rPr lang="de-CH" dirty="0" smtClean="0"/>
-              <a:t> in PHP</a:t>
-            </a:r>
-          </a:p>
-          <a:p>
-            <a:pPr lvl="2"/>
-            <a:r>
-              <a:rPr lang="de-CH" dirty="0" err="1" smtClean="0"/>
-              <a:t>Cart</a:t>
-            </a:r>
-            <a:r>
-              <a:rPr lang="de-CH" dirty="0" smtClean="0"/>
-              <a:t> </a:t>
-            </a:r>
-            <a:r>
-              <a:rPr lang="de-CH" dirty="0" err="1" smtClean="0"/>
-              <a:t>temporarily</a:t>
-            </a:r>
-            <a:r>
-              <a:rPr lang="de-CH" dirty="0" smtClean="0"/>
-              <a:t> </a:t>
-            </a:r>
-            <a:r>
-              <a:rPr lang="de-CH" dirty="0" err="1" smtClean="0"/>
-              <a:t>stored</a:t>
-            </a:r>
-            <a:r>
-              <a:rPr lang="de-CH" dirty="0" smtClean="0"/>
-              <a:t> </a:t>
-            </a:r>
-            <a:r>
-              <a:rPr lang="de-CH" dirty="0" err="1" smtClean="0"/>
-              <a:t>as</a:t>
-            </a:r>
-            <a:r>
-              <a:rPr lang="de-CH" dirty="0" smtClean="0"/>
-              <a:t> a JSON </a:t>
-            </a:r>
-            <a:r>
-              <a:rPr lang="de-CH" dirty="0" err="1" smtClean="0"/>
-              <a:t>encoded</a:t>
-            </a:r>
-            <a:r>
-              <a:rPr lang="de-CH" dirty="0" smtClean="0"/>
-              <a:t> </a:t>
-            </a:r>
-            <a:r>
-              <a:rPr lang="de-CH" dirty="0" err="1" smtClean="0"/>
-              <a:t>array</a:t>
-            </a:r>
-            <a:r>
-              <a:rPr lang="de-CH" dirty="0" smtClean="0"/>
-              <a:t> in </a:t>
-            </a:r>
-            <a:r>
-              <a:rPr lang="de-CH" smtClean="0"/>
-              <a:t>a Cookie</a:t>
-            </a:r>
-          </a:p>
-          <a:p>
-            <a:pPr lvl="2"/>
-            <a:r>
-              <a:rPr lang="de-CH" smtClean="0"/>
-              <a:t>Creating</a:t>
-            </a:r>
-            <a:r>
-              <a:rPr lang="de-CH" dirty="0" smtClean="0"/>
-              <a:t> </a:t>
-            </a:r>
-            <a:r>
-              <a:rPr lang="de-CH" dirty="0" err="1" smtClean="0"/>
-              <a:t>of</a:t>
-            </a:r>
-            <a:r>
-              <a:rPr lang="de-CH" dirty="0" smtClean="0"/>
-              <a:t> a </a:t>
-            </a:r>
-            <a:r>
-              <a:rPr lang="de-CH" dirty="0" err="1" smtClean="0"/>
-              <a:t>shopping</a:t>
-            </a:r>
-            <a:r>
-              <a:rPr lang="de-CH" dirty="0" smtClean="0"/>
-              <a:t> </a:t>
-            </a:r>
-            <a:r>
-              <a:rPr lang="de-CH" dirty="0" err="1" smtClean="0"/>
-              <a:t>cart</a:t>
-            </a:r>
-            <a:r>
-              <a:rPr lang="de-CH" dirty="0" smtClean="0"/>
-              <a:t> </a:t>
-            </a:r>
-            <a:r>
-              <a:rPr lang="de-CH" dirty="0" err="1" smtClean="0"/>
-              <a:t>object</a:t>
-            </a:r>
-            <a:r>
-              <a:rPr lang="de-CH" dirty="0" smtClean="0"/>
-              <a:t> </a:t>
-            </a:r>
-            <a:r>
-              <a:rPr lang="de-CH" dirty="0" err="1" smtClean="0"/>
-              <a:t>by</a:t>
-            </a:r>
-            <a:r>
-              <a:rPr lang="de-CH" dirty="0" smtClean="0"/>
-              <a:t> </a:t>
-            </a:r>
-            <a:r>
-              <a:rPr lang="de-CH" dirty="0" err="1" smtClean="0"/>
-              <a:t>using</a:t>
-            </a:r>
-            <a:r>
-              <a:rPr lang="de-CH" dirty="0" smtClean="0"/>
-              <a:t> </a:t>
-            </a:r>
-            <a:r>
-              <a:rPr lang="de-CH" dirty="0" err="1" smtClean="0"/>
-              <a:t>the</a:t>
-            </a:r>
-            <a:r>
-              <a:rPr lang="de-CH" dirty="0" smtClean="0"/>
-              <a:t> </a:t>
-            </a:r>
-            <a:r>
-              <a:rPr lang="de-CH" dirty="0" err="1" smtClean="0"/>
-              <a:t>array</a:t>
-            </a:r>
-            <a:r>
-              <a:rPr lang="de-CH" dirty="0" smtClean="0"/>
-              <a:t> in </a:t>
-            </a:r>
-            <a:r>
-              <a:rPr lang="de-CH" dirty="0" err="1" smtClean="0"/>
-              <a:t>order</a:t>
-            </a:r>
-            <a:r>
-              <a:rPr lang="de-CH" dirty="0" smtClean="0"/>
-              <a:t> to have </a:t>
-            </a:r>
-            <a:r>
-              <a:rPr lang="de-CH" dirty="0" err="1" smtClean="0"/>
-              <a:t>access</a:t>
-            </a:r>
-            <a:r>
-              <a:rPr lang="de-CH" dirty="0" smtClean="0"/>
-              <a:t> to </a:t>
-            </a:r>
-            <a:r>
-              <a:rPr lang="de-CH" dirty="0" err="1" smtClean="0"/>
-              <a:t>functions</a:t>
-            </a:r>
-            <a:r>
-              <a:rPr lang="de-CH" dirty="0" smtClean="0"/>
-              <a:t> like </a:t>
-            </a:r>
-            <a:r>
-              <a:rPr lang="de-CH" dirty="0" err="1" smtClean="0"/>
-              <a:t>calculate</a:t>
-            </a:r>
-            <a:r>
-              <a:rPr lang="de-CH" dirty="0" smtClean="0"/>
-              <a:t> </a:t>
-            </a:r>
-            <a:r>
-              <a:rPr lang="de-CH" dirty="0" err="1" smtClean="0"/>
-              <a:t>price</a:t>
-            </a:r>
-            <a:r>
-              <a:rPr lang="de-CH" dirty="0" smtClean="0"/>
-              <a:t> &amp; </a:t>
-            </a:r>
-            <a:r>
-              <a:rPr lang="de-CH" dirty="0" err="1" smtClean="0"/>
-              <a:t>display</a:t>
-            </a:r>
-            <a:r>
-              <a:rPr lang="de-CH" dirty="0" smtClean="0"/>
-              <a:t> </a:t>
-            </a:r>
-            <a:r>
-              <a:rPr lang="de-CH" dirty="0" err="1" smtClean="0"/>
-              <a:t>the</a:t>
-            </a:r>
-            <a:r>
-              <a:rPr lang="de-CH" dirty="0" smtClean="0"/>
-              <a:t> </a:t>
-            </a:r>
-            <a:r>
-              <a:rPr lang="de-CH" dirty="0" err="1" smtClean="0"/>
-              <a:t>cart</a:t>
-            </a:r>
-            <a:r>
-              <a:rPr lang="de-CH" dirty="0" smtClean="0"/>
-              <a:t> </a:t>
-            </a:r>
-          </a:p>
-          <a:p>
-            <a:pPr lvl="2"/>
-            <a:r>
-              <a:rPr lang="de-CH" dirty="0" err="1" smtClean="0"/>
-              <a:t>Ordering</a:t>
-            </a:r>
-            <a:r>
-              <a:rPr lang="de-CH" dirty="0" smtClean="0"/>
-              <a:t> </a:t>
-            </a:r>
-            <a:r>
-              <a:rPr lang="de-CH" dirty="0" err="1" smtClean="0"/>
-              <a:t>process</a:t>
-            </a:r>
-            <a:endParaRPr lang="de-CH" dirty="0" smtClean="0"/>
-          </a:p>
-          <a:p>
-            <a:pPr lvl="1"/>
-            <a:r>
-              <a:rPr lang="de-CH" dirty="0" smtClean="0"/>
-              <a:t>Layout</a:t>
-            </a:r>
-          </a:p>
-        </p:txBody>
-      </p:sp>
+      </p:pic>
     </p:spTree>
     <p:extLst>
       <p:ext uri="{BB962C8B-B14F-4D97-AF65-F5344CB8AC3E}">
-        <p14:creationId xmlns:p14="http://schemas.microsoft.com/office/powerpoint/2010/main" val="291798853"/>
+        <p14:creationId xmlns:p14="http://schemas.microsoft.com/office/powerpoint/2010/main" val="1275846205"/>
       </p:ext>
     </p:extLst>
   </p:cSld>
@@ -8672,7 +8883,7 @@
   <p:timing>
     <p:tnLst>
       <p:par>
-        <p:cTn id="1" dur="indefinite" restart="never" nodeType="tmRoot"/>
+        <p:cTn xmlns:p14="http://schemas.microsoft.com/office/powerpoint/2010/main" id="1" dur="indefinite" restart="never" nodeType="tmRoot"/>
       </p:par>
     </p:tnLst>
   </p:timing>
@@ -8698,91 +8909,7 @@
       </p:grpSpPr>
       <p:sp>
         <p:nvSpPr>
-          <p:cNvPr id="2" name="Inhaltsplatzhalter 1"/>
-          <p:cNvSpPr>
-            <a:spLocks noGrp="1"/>
-          </p:cNvSpPr>
-          <p:nvPr>
-            <p:ph sz="half" idx="1"/>
-          </p:nvPr>
-        </p:nvSpPr>
-        <p:spPr/>
-        <p:txBody>
-          <a:bodyPr/>
-          <a:lstStyle/>
-          <a:p>
-            <a:r>
-              <a:rPr lang="de-CH" dirty="0" smtClean="0"/>
-              <a:t>Martin</a:t>
-            </a:r>
-          </a:p>
-          <a:p>
-            <a:pPr lvl="1"/>
-            <a:r>
-              <a:rPr lang="de-CH" dirty="0" smtClean="0"/>
-              <a:t>_________</a:t>
-            </a:r>
-          </a:p>
-          <a:p>
-            <a:r>
-              <a:rPr lang="de-CH" dirty="0" smtClean="0"/>
-              <a:t>Fabian</a:t>
-            </a:r>
-          </a:p>
-          <a:p>
-            <a:pPr lvl="1"/>
-            <a:r>
-              <a:rPr lang="de-CH" dirty="0" smtClean="0"/>
-              <a:t>Shopping </a:t>
-            </a:r>
-            <a:r>
-              <a:rPr lang="de-CH" dirty="0" err="1" smtClean="0"/>
-              <a:t>cart</a:t>
-            </a:r>
-            <a:r>
-              <a:rPr lang="de-CH" dirty="0" smtClean="0"/>
-              <a:t> &amp; </a:t>
-            </a:r>
-            <a:r>
-              <a:rPr lang="de-CH" dirty="0" err="1" smtClean="0"/>
-              <a:t>ordering</a:t>
-            </a:r>
-            <a:endParaRPr lang="de-CH" dirty="0" smtClean="0"/>
-          </a:p>
-          <a:p>
-            <a:pPr lvl="1"/>
-            <a:r>
-              <a:rPr lang="de-CH" dirty="0" smtClean="0"/>
-              <a:t>CSS</a:t>
-            </a:r>
-          </a:p>
-          <a:p>
-            <a:r>
-              <a:rPr lang="de-CH" dirty="0" smtClean="0"/>
-              <a:t>Marcel</a:t>
-            </a:r>
-          </a:p>
-          <a:p>
-            <a:pPr lvl="1"/>
-            <a:r>
-              <a:rPr lang="de-CH" dirty="0"/>
-              <a:t>_________</a:t>
-            </a:r>
-          </a:p>
-          <a:p>
-            <a:endParaRPr lang="de-CH" dirty="0" smtClean="0"/>
-          </a:p>
-          <a:p>
-            <a:endParaRPr lang="de-CH" dirty="0" smtClean="0"/>
-          </a:p>
-          <a:p>
-            <a:endParaRPr lang="de-CH" dirty="0"/>
-          </a:p>
-        </p:txBody>
-      </p:sp>
-      <p:sp>
-        <p:nvSpPr>
-          <p:cNvPr id="3" name="Titel 2"/>
+          <p:cNvPr id="7" name="Titel 6"/>
           <p:cNvSpPr>
             <a:spLocks noGrp="1"/>
           </p:cNvSpPr>
@@ -8796,29 +8923,143 @@
           <a:lstStyle/>
           <a:p>
             <a:r>
+              <a:rPr lang="de-CH" dirty="0" smtClean="0"/>
+              <a:t>Live Demonstration &amp; Features</a:t>
+            </a:r>
+            <a:endParaRPr lang="de-CH" dirty="0"/>
+          </a:p>
+        </p:txBody>
+      </p:sp>
+      <p:sp>
+        <p:nvSpPr>
+          <p:cNvPr id="8" name="Textplatzhalter 7"/>
+          <p:cNvSpPr>
+            <a:spLocks noGrp="1"/>
+          </p:cNvSpPr>
+          <p:nvPr>
+            <p:ph type="body" idx="1"/>
+          </p:nvPr>
+        </p:nvSpPr>
+        <p:spPr/>
+        <p:txBody>
+          <a:bodyPr/>
+          <a:lstStyle/>
+          <a:p>
+            <a:endParaRPr lang="de-CH" dirty="0"/>
+          </a:p>
+        </p:txBody>
+      </p:sp>
+      <p:sp>
+        <p:nvSpPr>
+          <p:cNvPr id="11" name="Textplatzhalter 10"/>
+          <p:cNvSpPr>
+            <a:spLocks noGrp="1"/>
+          </p:cNvSpPr>
+          <p:nvPr>
+            <p:ph type="body" idx="18"/>
+          </p:nvPr>
+        </p:nvSpPr>
+        <p:spPr/>
+        <p:txBody>
+          <a:bodyPr/>
+          <a:lstStyle/>
+          <a:p>
+            <a:endParaRPr lang="de-CH"/>
+          </a:p>
+        </p:txBody>
+      </p:sp>
+      <p:sp>
+        <p:nvSpPr>
+          <p:cNvPr id="9" name="Inhaltsplatzhalter 8"/>
+          <p:cNvSpPr>
+            <a:spLocks noGrp="1"/>
+          </p:cNvSpPr>
+          <p:nvPr>
+            <p:ph sz="half" idx="13"/>
+          </p:nvPr>
+        </p:nvSpPr>
+        <p:spPr>
+          <a:xfrm>
+            <a:off x="468000" y="1439230"/>
+            <a:ext cx="8171998" cy="3960000"/>
+          </a:xfrm>
+        </p:spPr>
+        <p:txBody>
+          <a:bodyPr/>
+          <a:lstStyle/>
+          <a:p>
+            <a:r>
+              <a:rPr lang="de-CH" i="1" dirty="0" smtClean="0"/>
+              <a:t>Marcel (Namen entfernen wir dann für </a:t>
+            </a:r>
+            <a:r>
+              <a:rPr lang="de-CH" i="1" dirty="0" err="1" smtClean="0"/>
+              <a:t>Präsi</a:t>
+            </a:r>
+            <a:r>
+              <a:rPr lang="de-CH" i="1" dirty="0" smtClean="0"/>
+              <a:t>):</a:t>
+            </a:r>
+            <a:endParaRPr lang="de-CH" i="1" dirty="0"/>
+          </a:p>
+          <a:p>
+            <a:pPr lvl="1"/>
+            <a:r>
+              <a:rPr lang="de-CH" dirty="0" smtClean="0"/>
+              <a:t>DEINE THEMEN</a:t>
+            </a:r>
+          </a:p>
+          <a:p>
+            <a:pPr lvl="1"/>
+            <a:r>
+              <a:rPr lang="de-CH" dirty="0" smtClean="0"/>
+              <a:t>Wikipedia-REST </a:t>
+            </a:r>
+            <a:r>
               <a:rPr lang="de-CH" dirty="0"/>
-              <a:t>Distribution </a:t>
+              <a:t>API- Präsentation Shop- </a:t>
+            </a:r>
+            <a:r>
+              <a:rPr lang="de-CH" dirty="0" smtClean="0"/>
+              <a:t>Model</a:t>
+            </a:r>
+            <a:br>
+              <a:rPr lang="de-CH" dirty="0" smtClean="0"/>
+            </a:br>
+            <a:r>
+              <a:rPr lang="de-CH" dirty="0" smtClean="0"/>
+              <a:t>Beispiel </a:t>
+            </a:r>
+            <a:r>
+              <a:rPr lang="de-CH" dirty="0"/>
+              <a:t>anhand </a:t>
+            </a:r>
+            <a:r>
+              <a:rPr lang="de-CH" dirty="0" smtClean="0"/>
+              <a:t>User Model </a:t>
+            </a:r>
+            <a:r>
+              <a:rPr lang="de-CH" dirty="0"/>
+              <a:t>(</a:t>
             </a:r>
             <a:r>
               <a:rPr lang="de-CH" dirty="0" err="1"/>
-              <a:t>among</a:t>
+              <a:t>create</a:t>
             </a:r>
             <a:r>
               <a:rPr lang="de-CH" dirty="0"/>
-              <a:t> </a:t>
+              <a:t> / </a:t>
             </a:r>
             <a:r>
               <a:rPr lang="de-CH" dirty="0" err="1"/>
-              <a:t>the</a:t>
+              <a:t>login</a:t>
             </a:r>
             <a:r>
               <a:rPr lang="de-CH" dirty="0"/>
-              <a:t> </a:t>
-            </a:r>
-            <a:r>
-              <a:rPr lang="de-CH" dirty="0" err="1"/>
-              <a:t>team</a:t>
-            </a:r>
+              <a:t>)</a:t>
+            </a:r>
+          </a:p>
+          <a:p>
             <a:endParaRPr lang="de-CH" dirty="0"/>
           </a:p>
         </p:txBody>
@@ -8826,7 +9067,7 @@
     </p:spTree>
     <p:extLst>
       <p:ext uri="{BB962C8B-B14F-4D97-AF65-F5344CB8AC3E}">
-        <p14:creationId xmlns:p14="http://schemas.microsoft.com/office/powerpoint/2010/main" val="1401125318"/>
+        <p14:creationId xmlns:p14="http://schemas.microsoft.com/office/powerpoint/2010/main" val="1221095212"/>
       </p:ext>
     </p:extLst>
   </p:cSld>
@@ -8836,7 +9077,7 @@
   <p:timing>
     <p:tnLst>
       <p:par>
-        <p:cTn id="1" dur="indefinite" restart="never" nodeType="tmRoot"/>
+        <p:cTn xmlns:p14="http://schemas.microsoft.com/office/powerpoint/2010/main" id="1" dur="indefinite" restart="never" nodeType="tmRoot"/>
       </p:par>
     </p:tnLst>
   </p:timing>
@@ -8862,52 +9103,7 @@
       </p:grpSpPr>
       <p:sp>
         <p:nvSpPr>
-          <p:cNvPr id="2" name="Content Placeholder 1"/>
-          <p:cNvSpPr>
-            <a:spLocks noGrp="1"/>
-          </p:cNvSpPr>
-          <p:nvPr>
-            <p:ph sz="half" idx="1"/>
-          </p:nvPr>
-        </p:nvSpPr>
-        <p:spPr/>
-        <p:txBody>
-          <a:bodyPr/>
-          <a:lstStyle/>
-          <a:p>
-            <a:r>
-              <a:rPr lang="en-US" dirty="0" smtClean="0"/>
-              <a:t>Distribution of work demands good planning – especially in teams where there’s a gap in skills &amp; experience</a:t>
-            </a:r>
-          </a:p>
-          <a:p>
-            <a:r>
-              <a:rPr lang="en-US" dirty="0" smtClean="0"/>
-              <a:t>As a beginner it’s a blessing to have skilled colleagues around you</a:t>
-            </a:r>
-          </a:p>
-          <a:p>
-            <a:pPr lvl="1"/>
-            <a:r>
-              <a:rPr lang="en-US" dirty="0" smtClean="0"/>
-              <a:t>CSS can be really tricky and might getting out of control without a proper hierarchy</a:t>
-            </a:r>
-          </a:p>
-          <a:p>
-            <a:r>
-              <a:rPr lang="en-US" dirty="0" smtClean="0"/>
-              <a:t>Handling of the repository tool with a suitable hierarchy and the possibility of versioning (unfortunately not available in GitHub)</a:t>
-            </a:r>
-          </a:p>
-          <a:p>
-            <a:pPr lvl="1"/>
-            <a:endParaRPr lang="en-US" dirty="0"/>
-          </a:p>
-        </p:txBody>
-      </p:sp>
-      <p:sp>
-        <p:nvSpPr>
-          <p:cNvPr id="3" name="Title 2"/>
+          <p:cNvPr id="7" name="Titel 6"/>
           <p:cNvSpPr>
             <a:spLocks noGrp="1"/>
           </p:cNvSpPr>
@@ -8921,17 +9117,370 @@
           <a:lstStyle/>
           <a:p>
             <a:r>
-              <a:rPr lang="en-US" dirty="0" smtClean="0"/>
-              <a:t>Lessons learnt &amp; Review</a:t>
-            </a:r>
-            <a:endParaRPr lang="en-US" dirty="0"/>
+              <a:rPr lang="de-CH" dirty="0" smtClean="0"/>
+              <a:t>Live Demonstration &amp; Features</a:t>
+            </a:r>
+            <a:endParaRPr lang="de-CH" dirty="0"/>
+          </a:p>
+        </p:txBody>
+      </p:sp>
+      <p:sp>
+        <p:nvSpPr>
+          <p:cNvPr id="8" name="Textplatzhalter 7"/>
+          <p:cNvSpPr>
+            <a:spLocks noGrp="1"/>
+          </p:cNvSpPr>
+          <p:nvPr>
+            <p:ph type="body" idx="1"/>
+          </p:nvPr>
+        </p:nvSpPr>
+        <p:spPr/>
+        <p:txBody>
+          <a:bodyPr/>
+          <a:lstStyle/>
+          <a:p>
+            <a:endParaRPr lang="de-CH" dirty="0"/>
+          </a:p>
+        </p:txBody>
+      </p:sp>
+      <p:sp>
+        <p:nvSpPr>
+          <p:cNvPr id="11" name="Textplatzhalter 10"/>
+          <p:cNvSpPr>
+            <a:spLocks noGrp="1"/>
+          </p:cNvSpPr>
+          <p:nvPr>
+            <p:ph type="body" idx="18"/>
+          </p:nvPr>
+        </p:nvSpPr>
+        <p:spPr/>
+        <p:txBody>
+          <a:bodyPr/>
+          <a:lstStyle/>
+          <a:p>
+            <a:endParaRPr lang="de-CH"/>
+          </a:p>
+        </p:txBody>
+      </p:sp>
+      <p:sp>
+        <p:nvSpPr>
+          <p:cNvPr id="9" name="Inhaltsplatzhalter 8"/>
+          <p:cNvSpPr>
+            <a:spLocks noGrp="1"/>
+          </p:cNvSpPr>
+          <p:nvPr>
+            <p:ph sz="half" idx="13"/>
+          </p:nvPr>
+        </p:nvSpPr>
+        <p:spPr>
+          <a:xfrm>
+            <a:off x="468000" y="1439230"/>
+            <a:ext cx="8171998" cy="3960000"/>
+          </a:xfrm>
+        </p:spPr>
+        <p:txBody>
+          <a:bodyPr/>
+          <a:lstStyle/>
+          <a:p>
+            <a:r>
+              <a:rPr lang="de-CH" i="1" dirty="0" smtClean="0"/>
+              <a:t>Fabian </a:t>
+            </a:r>
+            <a:r>
+              <a:rPr lang="de-CH" i="1" dirty="0"/>
+              <a:t>(Namen entfernen wir dann für </a:t>
+            </a:r>
+            <a:r>
+              <a:rPr lang="de-CH" i="1" dirty="0" err="1"/>
+              <a:t>Präsi</a:t>
+            </a:r>
+            <a:r>
+              <a:rPr lang="de-CH" i="1" dirty="0" smtClean="0"/>
+              <a:t>):</a:t>
+            </a:r>
+            <a:r>
+              <a:rPr lang="de-CH" dirty="0" smtClean="0"/>
+              <a:t>:</a:t>
+            </a:r>
+            <a:endParaRPr lang="de-CH" dirty="0"/>
+          </a:p>
+          <a:p>
+            <a:pPr lvl="1"/>
+            <a:r>
+              <a:rPr lang="de-CH" dirty="0" smtClean="0"/>
+              <a:t>Shopping </a:t>
+            </a:r>
+            <a:r>
+              <a:rPr lang="de-CH" dirty="0" err="1" smtClean="0"/>
+              <a:t>with</a:t>
+            </a:r>
+            <a:r>
+              <a:rPr lang="de-CH" dirty="0" smtClean="0"/>
+              <a:t> «</a:t>
+            </a:r>
+            <a:r>
+              <a:rPr lang="de-CH" dirty="0" err="1" smtClean="0"/>
+              <a:t>groot</a:t>
+            </a:r>
+            <a:r>
+              <a:rPr lang="de-CH" dirty="0" smtClean="0"/>
+              <a:t>»</a:t>
+            </a:r>
+          </a:p>
+          <a:p>
+            <a:pPr lvl="1"/>
+            <a:r>
+              <a:rPr lang="de-CH" dirty="0" smtClean="0"/>
+              <a:t>Shopping </a:t>
+            </a:r>
+            <a:r>
+              <a:rPr lang="de-CH" dirty="0" err="1" smtClean="0"/>
+              <a:t>cart</a:t>
+            </a:r>
+            <a:endParaRPr lang="de-CH" dirty="0" smtClean="0"/>
+          </a:p>
+          <a:p>
+            <a:pPr lvl="2"/>
+            <a:r>
+              <a:rPr lang="de-CH" dirty="0" smtClean="0"/>
+              <a:t>OOP </a:t>
+            </a:r>
+            <a:r>
+              <a:rPr lang="de-CH" dirty="0" err="1"/>
+              <a:t>e</a:t>
+            </a:r>
+            <a:r>
+              <a:rPr lang="de-CH" dirty="0" err="1" smtClean="0"/>
+              <a:t>lement</a:t>
+            </a:r>
+            <a:r>
+              <a:rPr lang="de-CH" dirty="0" smtClean="0"/>
+              <a:t> in PHP</a:t>
+            </a:r>
+          </a:p>
+          <a:p>
+            <a:pPr lvl="2"/>
+            <a:r>
+              <a:rPr lang="de-CH" dirty="0" err="1" smtClean="0"/>
+              <a:t>Cart</a:t>
+            </a:r>
+            <a:r>
+              <a:rPr lang="de-CH" dirty="0" smtClean="0"/>
+              <a:t> </a:t>
+            </a:r>
+            <a:r>
+              <a:rPr lang="de-CH" dirty="0" err="1" smtClean="0"/>
+              <a:t>temporarily</a:t>
+            </a:r>
+            <a:r>
+              <a:rPr lang="de-CH" dirty="0" smtClean="0"/>
+              <a:t> </a:t>
+            </a:r>
+            <a:r>
+              <a:rPr lang="de-CH" dirty="0" err="1" smtClean="0"/>
+              <a:t>stored</a:t>
+            </a:r>
+            <a:r>
+              <a:rPr lang="de-CH" dirty="0" smtClean="0"/>
+              <a:t> </a:t>
+            </a:r>
+            <a:r>
+              <a:rPr lang="de-CH" dirty="0" err="1" smtClean="0"/>
+              <a:t>as</a:t>
+            </a:r>
+            <a:r>
+              <a:rPr lang="de-CH" dirty="0" smtClean="0"/>
+              <a:t> a JSON </a:t>
+            </a:r>
+            <a:r>
+              <a:rPr lang="de-CH" dirty="0" err="1" smtClean="0"/>
+              <a:t>encoded</a:t>
+            </a:r>
+            <a:r>
+              <a:rPr lang="de-CH" dirty="0" smtClean="0"/>
+              <a:t> </a:t>
+            </a:r>
+            <a:r>
+              <a:rPr lang="de-CH" dirty="0" err="1" smtClean="0"/>
+              <a:t>array</a:t>
+            </a:r>
+            <a:r>
+              <a:rPr lang="de-CH" dirty="0" smtClean="0"/>
+              <a:t> in </a:t>
+            </a:r>
+            <a:r>
+              <a:rPr lang="de-CH" smtClean="0"/>
+              <a:t>a Cookie</a:t>
+            </a:r>
+          </a:p>
+          <a:p>
+            <a:pPr lvl="2"/>
+            <a:r>
+              <a:rPr lang="de-CH" smtClean="0"/>
+              <a:t>Creating</a:t>
+            </a:r>
+            <a:r>
+              <a:rPr lang="de-CH" dirty="0" smtClean="0"/>
+              <a:t> </a:t>
+            </a:r>
+            <a:r>
+              <a:rPr lang="de-CH" dirty="0" err="1" smtClean="0"/>
+              <a:t>of</a:t>
+            </a:r>
+            <a:r>
+              <a:rPr lang="de-CH" dirty="0" smtClean="0"/>
+              <a:t> a </a:t>
+            </a:r>
+            <a:r>
+              <a:rPr lang="de-CH" dirty="0" err="1" smtClean="0"/>
+              <a:t>shopping</a:t>
+            </a:r>
+            <a:r>
+              <a:rPr lang="de-CH" dirty="0" smtClean="0"/>
+              <a:t> </a:t>
+            </a:r>
+            <a:r>
+              <a:rPr lang="de-CH" dirty="0" err="1" smtClean="0"/>
+              <a:t>cart</a:t>
+            </a:r>
+            <a:r>
+              <a:rPr lang="de-CH" dirty="0" smtClean="0"/>
+              <a:t> </a:t>
+            </a:r>
+            <a:r>
+              <a:rPr lang="de-CH" dirty="0" err="1" smtClean="0"/>
+              <a:t>object</a:t>
+            </a:r>
+            <a:r>
+              <a:rPr lang="de-CH" dirty="0" smtClean="0"/>
+              <a:t> </a:t>
+            </a:r>
+            <a:r>
+              <a:rPr lang="de-CH" dirty="0" err="1" smtClean="0"/>
+              <a:t>by</a:t>
+            </a:r>
+            <a:r>
+              <a:rPr lang="de-CH" dirty="0" smtClean="0"/>
+              <a:t> </a:t>
+            </a:r>
+            <a:r>
+              <a:rPr lang="de-CH" dirty="0" err="1" smtClean="0"/>
+              <a:t>using</a:t>
+            </a:r>
+            <a:r>
+              <a:rPr lang="de-CH" dirty="0" smtClean="0"/>
+              <a:t> </a:t>
+            </a:r>
+            <a:r>
+              <a:rPr lang="de-CH" dirty="0" err="1" smtClean="0"/>
+              <a:t>the</a:t>
+            </a:r>
+            <a:r>
+              <a:rPr lang="de-CH" dirty="0" smtClean="0"/>
+              <a:t> </a:t>
+            </a:r>
+            <a:r>
+              <a:rPr lang="de-CH" dirty="0" err="1" smtClean="0"/>
+              <a:t>array</a:t>
+            </a:r>
+            <a:r>
+              <a:rPr lang="de-CH" dirty="0" smtClean="0"/>
+              <a:t> in </a:t>
+            </a:r>
+            <a:r>
+              <a:rPr lang="de-CH" dirty="0" err="1" smtClean="0"/>
+              <a:t>order</a:t>
+            </a:r>
+            <a:r>
+              <a:rPr lang="de-CH" dirty="0" smtClean="0"/>
+              <a:t> to have </a:t>
+            </a:r>
+            <a:r>
+              <a:rPr lang="de-CH" dirty="0" err="1" smtClean="0"/>
+              <a:t>access</a:t>
+            </a:r>
+            <a:r>
+              <a:rPr lang="de-CH" dirty="0" smtClean="0"/>
+              <a:t> to </a:t>
+            </a:r>
+            <a:r>
+              <a:rPr lang="de-CH" dirty="0" err="1" smtClean="0"/>
+              <a:t>functions</a:t>
+            </a:r>
+            <a:r>
+              <a:rPr lang="de-CH" dirty="0" smtClean="0"/>
+              <a:t> like </a:t>
+            </a:r>
+            <a:r>
+              <a:rPr lang="de-CH" dirty="0" err="1" smtClean="0"/>
+              <a:t>calculate</a:t>
+            </a:r>
+            <a:r>
+              <a:rPr lang="de-CH" dirty="0" smtClean="0"/>
+              <a:t> </a:t>
+            </a:r>
+            <a:r>
+              <a:rPr lang="de-CH" dirty="0" err="1" smtClean="0"/>
+              <a:t>price</a:t>
+            </a:r>
+            <a:r>
+              <a:rPr lang="de-CH" dirty="0" smtClean="0"/>
+              <a:t> &amp; </a:t>
+            </a:r>
+            <a:r>
+              <a:rPr lang="de-CH" dirty="0" err="1" smtClean="0"/>
+              <a:t>display</a:t>
+            </a:r>
+            <a:r>
+              <a:rPr lang="de-CH" dirty="0" smtClean="0"/>
+              <a:t> </a:t>
+            </a:r>
+            <a:r>
+              <a:rPr lang="de-CH" dirty="0" err="1" smtClean="0"/>
+              <a:t>the</a:t>
+            </a:r>
+            <a:r>
+              <a:rPr lang="de-CH" dirty="0" smtClean="0"/>
+              <a:t> </a:t>
+            </a:r>
+            <a:r>
+              <a:rPr lang="de-CH" dirty="0" err="1" smtClean="0"/>
+              <a:t>cart</a:t>
+            </a:r>
+            <a:r>
+              <a:rPr lang="de-CH" dirty="0" smtClean="0"/>
+              <a:t> </a:t>
+            </a:r>
+          </a:p>
+          <a:p>
+            <a:pPr lvl="2"/>
+            <a:r>
+              <a:rPr lang="de-CH" dirty="0" err="1" smtClean="0"/>
+              <a:t>Ordering</a:t>
+            </a:r>
+            <a:r>
+              <a:rPr lang="de-CH" dirty="0" smtClean="0"/>
+              <a:t> </a:t>
+            </a:r>
+            <a:r>
+              <a:rPr lang="de-CH" dirty="0" err="1" smtClean="0"/>
+              <a:t>process</a:t>
+            </a:r>
+            <a:endParaRPr lang="de-CH" dirty="0" smtClean="0"/>
+          </a:p>
+          <a:p>
+            <a:pPr lvl="1"/>
+            <a:r>
+              <a:rPr lang="de-CH" dirty="0" smtClean="0"/>
+              <a:t>Layout</a:t>
+            </a:r>
           </a:p>
         </p:txBody>
       </p:sp>
     </p:spTree>
     <p:extLst>
       <p:ext uri="{BB962C8B-B14F-4D97-AF65-F5344CB8AC3E}">
-        <p14:creationId xmlns:p14="http://schemas.microsoft.com/office/powerpoint/2010/main" val="2865284130"/>
+        <p14:creationId xmlns:p14="http://schemas.microsoft.com/office/powerpoint/2010/main" val="291798853"/>
       </p:ext>
     </p:extLst>
   </p:cSld>
@@ -8941,7 +9490,7 @@
   <p:timing>
     <p:tnLst>
       <p:par>
-        <p:cTn id="1" dur="indefinite" restart="never" nodeType="tmRoot"/>
+        <p:cTn xmlns:p14="http://schemas.microsoft.com/office/powerpoint/2010/main" id="1" dur="indefinite" restart="never" nodeType="tmRoot"/>
       </p:par>
     </p:tnLst>
   </p:timing>

--- a/trunk/doc/Presentation.pptx
+++ b/trunk/doc/Presentation.pptx
@@ -241,7 +241,7 @@
           <a:p>
             <a:fld id="{EFA0D184-D464-48E9-9CA0-A94E873F6C2C}" type="datetimeFigureOut">
               <a:rPr lang="de-CH" smtClean="0"/>
-              <a:t>10.01.15</a:t>
+              <a:t>11.01.2015</a:t>
             </a:fld>
             <a:endParaRPr lang="de-CH"/>
           </a:p>
@@ -307,7 +307,7 @@
           <a:p>
             <a:fld id="{5F377753-DB7C-4FA7-98FC-17681D88797A}" type="slidenum">
               <a:rPr lang="de-CH" smtClean="0"/>
-              <a:t>‹Nr.›</a:t>
+              <a:t>‹#›</a:t>
             </a:fld>
             <a:endParaRPr lang="de-CH"/>
           </a:p>
@@ -411,7 +411,7 @@
           <a:p>
             <a:fld id="{5AF2B663-2BA9-4D7E-8201-5DE4109E1EDD}" type="datetimeFigureOut">
               <a:rPr lang="de-CH" smtClean="0"/>
-              <a:t>10.01.15</a:t>
+              <a:t>11.01.2015</a:t>
             </a:fld>
             <a:endParaRPr lang="de-CH"/>
           </a:p>
@@ -570,7 +570,7 @@
           <a:p>
             <a:fld id="{37E44704-8E6D-4CF2-8CFA-A0F7BC751896}" type="slidenum">
               <a:rPr lang="de-CH" smtClean="0"/>
-              <a:t>‹Nr.›</a:t>
+              <a:t>‹#›</a:t>
             </a:fld>
             <a:endParaRPr lang="de-CH"/>
           </a:p>
@@ -1011,14 +1011,14 @@
             <a:noFill/>
           </a:ln>
           <a:extLst>
-            <a:ext uri="{909E8E84-426E-40dd-AFC4-6F175D3DCCD1}">
+            <a:ext uri="{909E8E84-426E-40DD-AFC4-6F175D3DCCD1}">
               <a14:hiddenFill xmlns:a14="http://schemas.microsoft.com/office/drawing/2010/main">
                 <a:solidFill>
                   <a:srgbClr val="FFFFFF"/>
                 </a:solidFill>
               </a14:hiddenFill>
             </a:ext>
-            <a:ext uri="{91240B29-F687-4f45-9708-019B960494DF}">
+            <a:ext uri="{91240B29-F687-4F45-9708-019B960494DF}">
               <a14:hiddenLine xmlns:a14="http://schemas.microsoft.com/office/drawing/2010/main" w="9525">
                 <a:solidFill>
                   <a:srgbClr val="000000"/>
@@ -1434,7 +1434,7 @@
   <p:timing>
     <p:tnLst>
       <p:par>
-        <p:cTn xmlns:p14="http://schemas.microsoft.com/office/powerpoint/2010/main" id="1" dur="indefinite" restart="never" nodeType="tmRoot"/>
+        <p:cTn id="1" dur="indefinite" restart="never" nodeType="tmRoot"/>
       </p:par>
     </p:tnLst>
   </p:timing>
@@ -2137,7 +2137,7 @@
           <a:p>
             <a:fld id="{F19AE9A8-34D4-4E8C-BE9C-13C550F1BED0}" type="slidenum">
               <a:rPr lang="de-CH" smtClean="0"/>
-              <a:t>‹Nr.›</a:t>
+              <a:t>‹#›</a:t>
             </a:fld>
             <a:endParaRPr lang="de-CH" dirty="0"/>
           </a:p>
@@ -2190,7 +2190,7 @@
           <a:p>
             <a:fld id="{F19AE9A8-34D4-4E8C-BE9C-13C550F1BED0}" type="slidenum">
               <a:rPr lang="de-CH" smtClean="0"/>
-              <a:t>‹Nr.›</a:t>
+              <a:t>‹#›</a:t>
             </a:fld>
             <a:endParaRPr lang="de-CH" dirty="0"/>
           </a:p>
@@ -2492,14 +2492,14 @@
             <a:noFill/>
           </a:ln>
           <a:extLst>
-            <a:ext uri="{909E8E84-426E-40dd-AFC4-6F175D3DCCD1}">
+            <a:ext uri="{909E8E84-426E-40DD-AFC4-6F175D3DCCD1}">
               <a14:hiddenFill xmlns:a14="http://schemas.microsoft.com/office/drawing/2010/main">
                 <a:solidFill>
                   <a:srgbClr val="FFFFFF"/>
                 </a:solidFill>
               </a14:hiddenFill>
             </a:ext>
-            <a:ext uri="{91240B29-F687-4f45-9708-019B960494DF}">
+            <a:ext uri="{91240B29-F687-4F45-9708-019B960494DF}">
               <a14:hiddenLine xmlns:a14="http://schemas.microsoft.com/office/drawing/2010/main" w="9525">
                 <a:solidFill>
                   <a:srgbClr val="000000"/>
@@ -2886,7 +2886,7 @@
   <p:timing>
     <p:tnLst>
       <p:par>
-        <p:cTn xmlns:p14="http://schemas.microsoft.com/office/powerpoint/2010/main" id="1" dur="indefinite" restart="never" nodeType="tmRoot"/>
+        <p:cTn id="1" dur="indefinite" restart="never" nodeType="tmRoot"/>
       </p:par>
     </p:tnLst>
   </p:timing>
@@ -3263,7 +3263,7 @@
           <a:p>
             <a:fld id="{F19AE9A8-34D4-4E8C-BE9C-13C550F1BED0}" type="slidenum">
               <a:rPr lang="de-CH" smtClean="0"/>
-              <a:t>‹Nr.›</a:t>
+              <a:t>‹#›</a:t>
             </a:fld>
             <a:endParaRPr lang="de-CH" dirty="0"/>
           </a:p>
@@ -3282,7 +3282,7 @@
   <p:timing>
     <p:tnLst>
       <p:par>
-        <p:cTn xmlns:p14="http://schemas.microsoft.com/office/powerpoint/2010/main" id="1" dur="indefinite" restart="never" nodeType="tmRoot"/>
+        <p:cTn id="1" dur="indefinite" restart="never" nodeType="tmRoot"/>
       </p:par>
     </p:tnLst>
   </p:timing>
@@ -3659,7 +3659,7 @@
           <a:p>
             <a:fld id="{F19AE9A8-34D4-4E8C-BE9C-13C550F1BED0}" type="slidenum">
               <a:rPr lang="de-CH" smtClean="0"/>
-              <a:t>‹Nr.›</a:t>
+              <a:t>‹#›</a:t>
             </a:fld>
             <a:endParaRPr lang="de-CH" dirty="0"/>
           </a:p>
@@ -3678,7 +3678,7 @@
   <p:timing>
     <p:tnLst>
       <p:par>
-        <p:cTn xmlns:p14="http://schemas.microsoft.com/office/powerpoint/2010/main" id="1" dur="indefinite" restart="never" nodeType="tmRoot"/>
+        <p:cTn id="1" dur="indefinite" restart="never" nodeType="tmRoot"/>
       </p:par>
     </p:tnLst>
   </p:timing>
@@ -3893,7 +3893,7 @@
           <a:p>
             <a:fld id="{F19AE9A8-34D4-4E8C-BE9C-13C550F1BED0}" type="slidenum">
               <a:rPr lang="de-CH" smtClean="0"/>
-              <a:t>‹Nr.›</a:t>
+              <a:t>‹#›</a:t>
             </a:fld>
             <a:endParaRPr lang="de-CH" dirty="0"/>
           </a:p>
@@ -3912,7 +3912,7 @@
   <p:timing>
     <p:tnLst>
       <p:par>
-        <p:cTn xmlns:p14="http://schemas.microsoft.com/office/powerpoint/2010/main" id="1" dur="indefinite" restart="never" nodeType="tmRoot"/>
+        <p:cTn id="1" dur="indefinite" restart="never" nodeType="tmRoot"/>
       </p:par>
     </p:tnLst>
   </p:timing>
@@ -4202,7 +4202,7 @@
           <a:p>
             <a:fld id="{F19AE9A8-34D4-4E8C-BE9C-13C550F1BED0}" type="slidenum">
               <a:rPr lang="de-CH" smtClean="0"/>
-              <a:t>‹Nr.›</a:t>
+              <a:t>‹#›</a:t>
             </a:fld>
             <a:endParaRPr lang="de-CH" dirty="0"/>
           </a:p>
@@ -4221,7 +4221,7 @@
   <p:timing>
     <p:tnLst>
       <p:par>
-        <p:cTn xmlns:p14="http://schemas.microsoft.com/office/powerpoint/2010/main" id="1" dur="indefinite" restart="never" nodeType="tmRoot"/>
+        <p:cTn id="1" dur="indefinite" restart="never" nodeType="tmRoot"/>
       </p:par>
     </p:tnLst>
   </p:timing>
@@ -4732,7 +4732,7 @@
           <a:p>
             <a:fld id="{F19AE9A8-34D4-4E8C-BE9C-13C550F1BED0}" type="slidenum">
               <a:rPr lang="de-CH" smtClean="0"/>
-              <a:t>‹Nr.›</a:t>
+              <a:t>‹#›</a:t>
             </a:fld>
             <a:endParaRPr lang="de-CH" dirty="0"/>
           </a:p>
@@ -4751,7 +4751,7 @@
   <p:timing>
     <p:tnLst>
       <p:par>
-        <p:cTn xmlns:p14="http://schemas.microsoft.com/office/powerpoint/2010/main" id="1" dur="indefinite" restart="never" nodeType="tmRoot"/>
+        <p:cTn id="1" dur="indefinite" restart="never" nodeType="tmRoot"/>
       </p:par>
     </p:tnLst>
   </p:timing>
@@ -5262,7 +5262,7 @@
           <a:p>
             <a:fld id="{F19AE9A8-34D4-4E8C-BE9C-13C550F1BED0}" type="slidenum">
               <a:rPr lang="de-CH" smtClean="0"/>
-              <a:t>‹Nr.›</a:t>
+              <a:t>‹#›</a:t>
             </a:fld>
             <a:endParaRPr lang="de-CH" dirty="0"/>
           </a:p>
@@ -5281,7 +5281,7 @@
   <p:timing>
     <p:tnLst>
       <p:par>
-        <p:cTn xmlns:p14="http://schemas.microsoft.com/office/powerpoint/2010/main" id="1" dur="indefinite" restart="never" nodeType="tmRoot"/>
+        <p:cTn id="1" dur="indefinite" restart="never" nodeType="tmRoot"/>
       </p:par>
     </p:tnLst>
   </p:timing>
@@ -5989,7 +5989,7 @@
           <a:p>
             <a:fld id="{F19AE9A8-34D4-4E8C-BE9C-13C550F1BED0}" type="slidenum">
               <a:rPr lang="de-CH" smtClean="0"/>
-              <a:t>‹Nr.›</a:t>
+              <a:t>‹#›</a:t>
             </a:fld>
             <a:endParaRPr lang="de-CH" dirty="0"/>
           </a:p>
@@ -6054,14 +6054,14 @@
             <a:noFill/>
           </a:ln>
           <a:extLst>
-            <a:ext uri="{909E8E84-426E-40dd-AFC4-6F175D3DCCD1}">
+            <a:ext uri="{909E8E84-426E-40DD-AFC4-6F175D3DCCD1}">
               <a14:hiddenFill xmlns:a14="http://schemas.microsoft.com/office/drawing/2010/main">
                 <a:solidFill>
                   <a:srgbClr val="FFFFFF"/>
                 </a:solidFill>
               </a14:hiddenFill>
             </a:ext>
-            <a:ext uri="{91240B29-F687-4f45-9708-019B960494DF}">
+            <a:ext uri="{91240B29-F687-4F45-9708-019B960494DF}">
               <a14:hiddenLine xmlns:a14="http://schemas.microsoft.com/office/drawing/2010/main" w="9525">
                 <a:solidFill>
                   <a:srgbClr val="000000"/>
@@ -6375,7 +6375,7 @@
             <a:fld id="{F19AE9A8-34D4-4E8C-BE9C-13C550F1BED0}" type="slidenum">
               <a:rPr lang="de-CH" smtClean="0"/>
               <a:pPr/>
-              <a:t>‹Nr.›</a:t>
+              <a:t>‹#›</a:t>
             </a:fld>
             <a:endParaRPr lang="de-CH" dirty="0"/>
           </a:p>
@@ -6400,7 +6400,7 @@
   <p:timing>
     <p:tnLst>
       <p:par>
-        <p:cTn xmlns:p14="http://schemas.microsoft.com/office/powerpoint/2010/main" id="1" dur="indefinite" restart="never" nodeType="tmRoot"/>
+        <p:cTn id="1" dur="indefinite" restart="never" nodeType="tmRoot"/>
       </p:par>
     </p:tnLst>
   </p:timing>
@@ -6837,14 +6837,14 @@
           </a:xfrm>
           <a:noFill/>
           <a:extLst>
-            <a:ext uri="{909E8E84-426E-40dd-AFC4-6F175D3DCCD1}">
+            <a:ext uri="{909E8E84-426E-40DD-AFC4-6F175D3DCCD1}">
               <a14:hiddenFill xmlns:a14="http://schemas.microsoft.com/office/drawing/2010/main">
                 <a:solidFill>
                   <a:srgbClr val="FFFFFF"/>
                 </a:solidFill>
               </a14:hiddenFill>
             </a:ext>
-            <a:ext uri="{91240B29-F687-4f45-9708-019B960494DF}">
+            <a:ext uri="{91240B29-F687-4F45-9708-019B960494DF}">
               <a14:hiddenLine xmlns:a14="http://schemas.microsoft.com/office/drawing/2010/main" w="9525">
                 <a:solidFill>
                   <a:srgbClr val="000000"/>
@@ -6924,14 +6924,14 @@
           </a:xfrm>
           <a:noFill/>
           <a:extLst>
-            <a:ext uri="{909E8E84-426E-40dd-AFC4-6F175D3DCCD1}">
+            <a:ext uri="{909E8E84-426E-40DD-AFC4-6F175D3DCCD1}">
               <a14:hiddenFill xmlns:a14="http://schemas.microsoft.com/office/drawing/2010/main">
                 <a:solidFill>
                   <a:srgbClr val="FFFFFF"/>
                 </a:solidFill>
               </a14:hiddenFill>
             </a:ext>
-            <a:ext uri="{91240B29-F687-4f45-9708-019B960494DF}">
+            <a:ext uri="{91240B29-F687-4F45-9708-019B960494DF}">
               <a14:hiddenLine xmlns:a14="http://schemas.microsoft.com/office/drawing/2010/main" w="9525">
                 <a:solidFill>
                   <a:srgbClr val="000000"/>
@@ -7008,14 +7008,14 @@
           </a:xfrm>
           <a:noFill/>
           <a:extLst>
-            <a:ext uri="{909E8E84-426E-40dd-AFC4-6F175D3DCCD1}">
+            <a:ext uri="{909E8E84-426E-40DD-AFC4-6F175D3DCCD1}">
               <a14:hiddenFill xmlns:a14="http://schemas.microsoft.com/office/drawing/2010/main">
                 <a:solidFill>
                   <a:srgbClr val="FFFFFF"/>
                 </a:solidFill>
               </a14:hiddenFill>
             </a:ext>
-            <a:ext uri="{91240B29-F687-4f45-9708-019B960494DF}">
+            <a:ext uri="{91240B29-F687-4F45-9708-019B960494DF}">
               <a14:hiddenLine xmlns:a14="http://schemas.microsoft.com/office/drawing/2010/main" w="9525">
                 <a:solidFill>
                   <a:srgbClr val="000000"/>
@@ -7087,7 +7087,7 @@
   <p:timing>
     <p:tnLst>
       <p:par>
-        <p:cTn xmlns:p14="http://schemas.microsoft.com/office/powerpoint/2010/main" id="1" dur="indefinite" restart="never" nodeType="tmRoot"/>
+        <p:cTn id="1" dur="indefinite" restart="never" nodeType="tmRoot"/>
       </p:par>
     </p:tnLst>
   </p:timing>
@@ -7212,7 +7212,6 @@
               <a:rPr lang="de-CH" dirty="0" smtClean="0"/>
               <a:t>(Emotional Support)</a:t>
             </a:r>
-            <a:endParaRPr lang="de-CH" dirty="0" smtClean="0"/>
           </a:p>
           <a:p>
             <a:r>
@@ -7327,7 +7326,7 @@
   <p:timing>
     <p:tnLst>
       <p:par>
-        <p:cTn xmlns:p14="http://schemas.microsoft.com/office/powerpoint/2010/main" id="1" dur="indefinite" restart="never" nodeType="tmRoot"/>
+        <p:cTn id="1" dur="indefinite" restart="never" nodeType="tmRoot"/>
       </p:par>
     </p:tnLst>
   </p:timing>
@@ -7385,36 +7384,6 @@
             </a:r>
           </a:p>
           <a:p>
-            <a:r>
-              <a:rPr lang="en-US" dirty="0" smtClean="0"/>
-              <a:t>Handling of the repository tool with a suitable hierarchy and the possibility of versioning (unfortunately not available in </a:t>
-            </a:r>
-            <a:r>
-              <a:rPr lang="en-US" dirty="0" err="1" smtClean="0"/>
-              <a:t>GitHub</a:t>
-            </a:r>
-            <a:r>
-              <a:rPr lang="en-US" dirty="0" smtClean="0"/>
-              <a:t>) [WIESO </a:t>
-            </a:r>
-            <a:r>
-              <a:rPr lang="en-US" dirty="0" err="1" smtClean="0"/>
-              <a:t>nid</a:t>
-            </a:r>
-            <a:r>
-              <a:rPr lang="en-US" dirty="0" smtClean="0"/>
-              <a:t>, was </a:t>
-            </a:r>
-            <a:r>
-              <a:rPr lang="en-US" dirty="0" err="1" smtClean="0"/>
-              <a:t>meinsch</a:t>
-            </a:r>
-            <a:r>
-              <a:rPr lang="en-US" dirty="0" smtClean="0"/>
-              <a:t> do?]</a:t>
-            </a:r>
-          </a:p>
-          <a:p>
             <a:pPr marL="0" indent="0">
               <a:buNone/>
             </a:pPr>
@@ -7462,7 +7431,7 @@
   <p:timing>
     <p:tnLst>
       <p:par>
-        <p:cTn xmlns:p14="http://schemas.microsoft.com/office/powerpoint/2010/main" id="1" dur="indefinite" restart="never" nodeType="tmRoot"/>
+        <p:cTn id="1" dur="indefinite" restart="never" nodeType="tmRoot"/>
       </p:par>
     </p:tnLst>
   </p:timing>
@@ -7510,11 +7479,7 @@
             <a:pPr lvl="1"/>
             <a:r>
               <a:rPr lang="en-US" dirty="0" smtClean="0"/>
-              <a:t>Despite of the given technologies to use there was enough space for individual </a:t>
-            </a:r>
-            <a:r>
-              <a:rPr lang="en-US" dirty="0" smtClean="0"/>
-              <a:t>implementation</a:t>
+              <a:t>Despite of the given technologies to use there was enough space for individual implementation</a:t>
             </a:r>
           </a:p>
           <a:p>
@@ -7523,7 +7488,6 @@
               <a:rPr lang="en-US" dirty="0" smtClean="0"/>
               <a:t>Separation of the workload depending on the skillset</a:t>
             </a:r>
-            <a:endParaRPr lang="en-US" dirty="0" smtClean="0"/>
           </a:p>
           <a:p>
             <a:endParaRPr lang="en-US" dirty="0"/>
@@ -7587,7 +7551,7 @@
   <p:timing>
     <p:tnLst>
       <p:par>
-        <p:cTn xmlns:p14="http://schemas.microsoft.com/office/powerpoint/2010/main" id="1" dur="indefinite" restart="never" nodeType="tmRoot"/>
+        <p:cTn id="1" dur="indefinite" restart="never" nodeType="tmRoot"/>
       </p:par>
     </p:tnLst>
   </p:timing>
@@ -7653,7 +7617,7 @@
   <p:timing>
     <p:tnLst>
       <p:par>
-        <p:cTn xmlns:p14="http://schemas.microsoft.com/office/powerpoint/2010/main" id="1" dur="indefinite" restart="never" nodeType="tmRoot"/>
+        <p:cTn id="1" dur="indefinite" restart="never" nodeType="tmRoot"/>
       </p:par>
     </p:tnLst>
   </p:timing>
@@ -7920,7 +7884,7 @@
   <p:timing>
     <p:tnLst>
       <p:par>
-        <p:cTn xmlns:p14="http://schemas.microsoft.com/office/powerpoint/2010/main" id="1" dur="indefinite" restart="never" nodeType="tmRoot"/>
+        <p:cTn id="1" dur="indefinite" restart="never" nodeType="tmRoot"/>
       </p:par>
     </p:tnLst>
   </p:timing>
@@ -8008,7 +7972,6 @@
               <a:rPr lang="en-US" dirty="0" smtClean="0"/>
               <a:t>Martin: Backend Web-Developer</a:t>
             </a:r>
-            <a:endParaRPr lang="en-US" dirty="0" smtClean="0"/>
           </a:p>
           <a:p>
             <a:pPr lvl="1"/>
@@ -8097,7 +8060,7 @@
   <p:timing>
     <p:tnLst>
       <p:par>
-        <p:cTn xmlns:p14="http://schemas.microsoft.com/office/powerpoint/2010/main" id="1" dur="indefinite" restart="never" nodeType="tmRoot"/>
+        <p:cTn id="1" dur="indefinite" restart="never" nodeType="tmRoot"/>
       </p:par>
     </p:tnLst>
   </p:timing>
@@ -8189,30 +8152,13 @@
           <a:p>
             <a:r>
               <a:rPr lang="en-US" dirty="0" smtClean="0"/>
-              <a:t>HTML </a:t>
-            </a:r>
+              <a:t>HTML for static content and templates</a:t>
+            </a:r>
+          </a:p>
+          <a:p>
             <a:r>
               <a:rPr lang="en-US" dirty="0" smtClean="0"/>
-              <a:t>for </a:t>
-            </a:r>
-            <a:r>
-              <a:rPr lang="en-US" dirty="0" smtClean="0"/>
-              <a:t>static </a:t>
-            </a:r>
-            <a:r>
-              <a:rPr lang="en-US" dirty="0" smtClean="0"/>
-              <a:t>content and templates</a:t>
-            </a:r>
-            <a:endParaRPr lang="en-US" dirty="0" smtClean="0"/>
-          </a:p>
-          <a:p>
-            <a:r>
-              <a:rPr lang="en-US" dirty="0" smtClean="0"/>
-              <a:t>CSS3 </a:t>
-            </a:r>
-            <a:r>
-              <a:rPr lang="en-US" dirty="0" smtClean="0"/>
-              <a:t>for </a:t>
+              <a:t>CSS3 for </a:t>
             </a:r>
             <a:r>
               <a:rPr lang="en-US" dirty="0"/>
@@ -8222,16 +8168,11 @@
               <a:rPr lang="en-US" dirty="0" smtClean="0"/>
               <a:t>tyling and animation</a:t>
             </a:r>
-            <a:endParaRPr lang="en-US" dirty="0" smtClean="0"/>
           </a:p>
           <a:p>
             <a:r>
               <a:rPr lang="en-US" dirty="0" smtClean="0"/>
-              <a:t>JavaScript </a:t>
-            </a:r>
-            <a:r>
-              <a:rPr lang="en-US" dirty="0" smtClean="0"/>
-              <a:t>for the shopping cart cookie</a:t>
+              <a:t>JavaScript for the shopping cart cookie</a:t>
             </a:r>
           </a:p>
           <a:p>
@@ -8253,7 +8194,6 @@
               <a:rPr lang="en-US" dirty="0" smtClean="0"/>
               <a:t>fetching Wikipedia data and autocomplete of the search</a:t>
             </a:r>
-            <a:endParaRPr lang="en-US" dirty="0" smtClean="0"/>
           </a:p>
           <a:p>
             <a:r>
@@ -8279,11 +8219,7 @@
           <a:p>
             <a:r>
               <a:rPr lang="en-US" dirty="0" smtClean="0"/>
-              <a:t>and in addition to them</a:t>
-            </a:r>
-            <a:r>
-              <a:rPr lang="en-US" dirty="0" smtClean="0"/>
-              <a:t>:</a:t>
+              <a:t>and in addition to them:</a:t>
             </a:r>
           </a:p>
           <a:p>
@@ -8331,7 +8267,7 @@
   <p:timing>
     <p:tnLst>
       <p:par>
-        <p:cTn xmlns:p14="http://schemas.microsoft.com/office/powerpoint/2010/main" id="1" dur="indefinite" restart="never" nodeType="tmRoot"/>
+        <p:cTn id="1" dur="indefinite" restart="never" nodeType="tmRoot"/>
       </p:par>
     </p:tnLst>
   </p:timing>
@@ -8372,11 +8308,7 @@
           <a:p>
             <a:r>
               <a:rPr lang="de-CH" dirty="0" smtClean="0"/>
-              <a:t>Live Demonstration &amp; </a:t>
-            </a:r>
-            <a:r>
-              <a:rPr lang="de-CH" dirty="0" smtClean="0"/>
-              <a:t>Features - Core</a:t>
+              <a:t>Live Demonstration &amp; Features - Core</a:t>
             </a:r>
             <a:endParaRPr lang="de-CH" dirty="0"/>
           </a:p>
@@ -8622,7 +8554,7 @@
   <p:timing>
     <p:tnLst>
       <p:par>
-        <p:cTn xmlns:p14="http://schemas.microsoft.com/office/powerpoint/2010/main" id="1" dur="indefinite" restart="never" nodeType="tmRoot"/>
+        <p:cTn id="1" dur="indefinite" restart="never" nodeType="tmRoot"/>
       </p:par>
     </p:tnLst>
   </p:timing>
@@ -8663,11 +8595,7 @@
           <a:p>
             <a:r>
               <a:rPr lang="de-CH" dirty="0" smtClean="0"/>
-              <a:t>Live Demonstration &amp; </a:t>
-            </a:r>
-            <a:r>
-              <a:rPr lang="de-CH" dirty="0" smtClean="0"/>
-              <a:t>Features - Translation</a:t>
+              <a:t>Live Demonstration &amp; Features - Translation</a:t>
             </a:r>
             <a:endParaRPr lang="de-CH" dirty="0"/>
           </a:p>
@@ -8752,7 +8680,7 @@
   <p:timing>
     <p:tnLst>
       <p:par>
-        <p:cTn xmlns:p14="http://schemas.microsoft.com/office/powerpoint/2010/main" id="1" dur="indefinite" restart="never" nodeType="tmRoot"/>
+        <p:cTn id="1" dur="indefinite" restart="never" nodeType="tmRoot"/>
       </p:par>
     </p:tnLst>
   </p:timing>
@@ -8793,11 +8721,7 @@
           <a:p>
             <a:r>
               <a:rPr lang="de-CH" dirty="0" smtClean="0"/>
-              <a:t>Live Demonstration &amp; </a:t>
-            </a:r>
-            <a:r>
-              <a:rPr lang="de-CH" dirty="0" smtClean="0"/>
-              <a:t>Features - Template Engine</a:t>
+              <a:t>Live Demonstration &amp; Features - Template Engine</a:t>
             </a:r>
             <a:endParaRPr lang="de-CH" dirty="0"/>
           </a:p>
@@ -8883,7 +8807,7 @@
   <p:timing>
     <p:tnLst>
       <p:par>
-        <p:cTn xmlns:p14="http://schemas.microsoft.com/office/powerpoint/2010/main" id="1" dur="indefinite" restart="never" nodeType="tmRoot"/>
+        <p:cTn id="1" dur="indefinite" restart="never" nodeType="tmRoot"/>
       </p:par>
     </p:tnLst>
   </p:timing>
@@ -9077,7 +9001,7 @@
   <p:timing>
     <p:tnLst>
       <p:par>
-        <p:cTn xmlns:p14="http://schemas.microsoft.com/office/powerpoint/2010/main" id="1" dur="indefinite" restart="never" nodeType="tmRoot"/>
+        <p:cTn id="1" dur="indefinite" restart="never" nodeType="tmRoot"/>
       </p:par>
     </p:tnLst>
   </p:timing>
@@ -9490,7 +9414,7 @@
   <p:timing>
     <p:tnLst>
       <p:par>
-        <p:cTn xmlns:p14="http://schemas.microsoft.com/office/powerpoint/2010/main" id="1" dur="indefinite" restart="never" nodeType="tmRoot"/>
+        <p:cTn id="1" dur="indefinite" restart="never" nodeType="tmRoot"/>
       </p:par>
     </p:tnLst>
   </p:timing>
@@ -10328,6 +10252,33 @@
 </file>
 
 <file path=customXml/item1.xml><?xml version="1.0" encoding="utf-8"?>
+<p:properties xmlns:p="http://schemas.microsoft.com/office/2006/metadata/properties" xmlns:xsi="http://www.w3.org/2001/XMLSchema-instance" xmlns:pc="http://schemas.microsoft.com/office/infopath/2007/PartnerControls">
+  <documentManagement>
+    <TaxCatchAll xmlns="2551ef7e-3b29-44d1-a8ad-ef34c26bfc60">
+      <Value>241</Value>
+    </TaxCatchAll>
+    <BfhIntranetDepartmentText xmlns="4b463c31-e9b0-413b-88df-ea7e9f53a7ba">
+      <Terms xmlns="http://schemas.microsoft.com/office/infopath/2007/PartnerControls">
+        <TermInfo xmlns="http://schemas.microsoft.com/office/infopath/2007/PartnerControls">
+          <TermName xmlns="http://schemas.microsoft.com/office/infopath/2007/PartnerControls">Vorlage</TermName>
+          <TermId xmlns="http://schemas.microsoft.com/office/infopath/2007/PartnerControls">de1a6d3c-ac6a-4b34-8edd-308eb81066db</TermId>
+        </TermInfo>
+      </Terms>
+    </BfhIntranetDepartmentText>
+  </documentManagement>
+</p:properties>
+</file>
+
+<file path=customXml/item2.xml><?xml version="1.0" encoding="utf-8"?>
+<?mso-contentType ?>
+<FormTemplates xmlns="http://schemas.microsoft.com/sharepoint/v3/contenttype/forms">
+  <Display>DocumentLibraryForm</Display>
+  <Edit>DocumentLibraryForm</Edit>
+  <New>DocumentLibraryForm</New>
+</FormTemplates>
+</file>
+
+<file path=customXml/item3.xml><?xml version="1.0" encoding="utf-8"?>
 <ct:contentTypeSchema xmlns:ct="http://schemas.microsoft.com/office/2006/metadata/contentType" xmlns:ma="http://schemas.microsoft.com/office/2006/metadata/properties/metaAttributes" ct:_="" ma:_="" ma:contentTypeName="BFH Document" ma:contentTypeID="0x0101009127C3B567804923A8661E062BBD8EF500562C9D82744B284A86093F1D9B579BDC" ma:contentTypeVersion="2" ma:contentTypeDescription="Ein neues Dokument erstellen." ma:contentTypeScope="" ma:versionID="85c74107ca2205fa2d79ffbd44cb7ca7">
   <xsd:schema xmlns:xsd="http://www.w3.org/2001/XMLSchema" xmlns:xs="http://www.w3.org/2001/XMLSchema" xmlns:p="http://schemas.microsoft.com/office/2006/metadata/properties" xmlns:ns2="4b463c31-e9b0-413b-88df-ea7e9f53a7ba" xmlns:ns3="2551ef7e-3b29-44d1-a8ad-ef34c26bfc60" targetNamespace="http://schemas.microsoft.com/office/2006/metadata/properties" ma:root="true" ma:fieldsID="850aabddd6d95701c4b28714f3a316c8" ns2:_="" ns3:_="">
     <xsd:import namespace="4b463c31-e9b0-413b-88df-ea7e9f53a7ba"/>
@@ -10472,34 +10423,32 @@
 </ct:contentTypeSchema>
 </file>
 
-<file path=customXml/item2.xml><?xml version="1.0" encoding="utf-8"?>
-<?mso-contentType ?>
-<FormTemplates xmlns="http://schemas.microsoft.com/sharepoint/v3/contenttype/forms">
-  <Display>DocumentLibraryForm</Display>
-  <Edit>DocumentLibraryForm</Edit>
-  <New>DocumentLibraryForm</New>
-</FormTemplates>
+<file path=customXml/itemProps1.xml><?xml version="1.0" encoding="utf-8"?>
+<ds:datastoreItem xmlns:ds="http://schemas.openxmlformats.org/officeDocument/2006/customXml" ds:itemID="{96591048-6F15-48C6-9650-9BFF3E56974F}">
+  <ds:schemaRefs>
+    <ds:schemaRef ds:uri="http://purl.org/dc/elements/1.1/"/>
+    <ds:schemaRef ds:uri="4b463c31-e9b0-413b-88df-ea7e9f53a7ba"/>
+    <ds:schemaRef ds:uri="http://purl.org/dc/terms/"/>
+    <ds:schemaRef ds:uri="http://schemas.microsoft.com/office/2006/metadata/properties"/>
+    <ds:schemaRef ds:uri="http://schemas.microsoft.com/office/2006/documentManagement/types"/>
+    <ds:schemaRef ds:uri="http://purl.org/dc/dcmitype/"/>
+    <ds:schemaRef ds:uri="http://www.w3.org/XML/1998/namespace"/>
+    <ds:schemaRef ds:uri="http://schemas.microsoft.com/office/infopath/2007/PartnerControls"/>
+    <ds:schemaRef ds:uri="http://schemas.openxmlformats.org/package/2006/metadata/core-properties"/>
+    <ds:schemaRef ds:uri="2551ef7e-3b29-44d1-a8ad-ef34c26bfc60"/>
+  </ds:schemaRefs>
+</ds:datastoreItem>
 </file>
 
-<file path=customXml/item3.xml><?xml version="1.0" encoding="utf-8"?>
-<p:properties xmlns:p="http://schemas.microsoft.com/office/2006/metadata/properties" xmlns:xsi="http://www.w3.org/2001/XMLSchema-instance" xmlns:pc="http://schemas.microsoft.com/office/infopath/2007/PartnerControls">
-  <documentManagement>
-    <TaxCatchAll xmlns="2551ef7e-3b29-44d1-a8ad-ef34c26bfc60">
-      <Value>241</Value>
-    </TaxCatchAll>
-    <BfhIntranetDepartmentText xmlns="4b463c31-e9b0-413b-88df-ea7e9f53a7ba">
-      <Terms xmlns="http://schemas.microsoft.com/office/infopath/2007/PartnerControls">
-        <TermInfo xmlns="http://schemas.microsoft.com/office/infopath/2007/PartnerControls">
-          <TermName xmlns="http://schemas.microsoft.com/office/infopath/2007/PartnerControls">Vorlage</TermName>
-          <TermId xmlns="http://schemas.microsoft.com/office/infopath/2007/PartnerControls">de1a6d3c-ac6a-4b34-8edd-308eb81066db</TermId>
-        </TermInfo>
-      </Terms>
-    </BfhIntranetDepartmentText>
-  </documentManagement>
-</p:properties>
+<file path=customXml/itemProps2.xml><?xml version="1.0" encoding="utf-8"?>
+<ds:datastoreItem xmlns:ds="http://schemas.openxmlformats.org/officeDocument/2006/customXml" ds:itemID="{CCF5E5E7-7F77-47A8-99A9-B4D5839292F3}">
+  <ds:schemaRefs>
+    <ds:schemaRef ds:uri="http://schemas.microsoft.com/sharepoint/v3/contenttype/forms"/>
+  </ds:schemaRefs>
+</ds:datastoreItem>
 </file>
 
-<file path=customXml/itemProps1.xml><?xml version="1.0" encoding="utf-8"?>
+<file path=customXml/itemProps3.xml><?xml version="1.0" encoding="utf-8"?>
 <ds:datastoreItem xmlns:ds="http://schemas.openxmlformats.org/officeDocument/2006/customXml" ds:itemID="{8F3C1F62-CC3B-4F2A-BAEC-F8005B132EC9}">
   <ds:schemaRefs>
     <ds:schemaRef ds:uri="http://schemas.microsoft.com/office/2006/metadata/contentType"/>
@@ -10516,29 +10465,4 @@
     <ds:schemaRef ds:uri="http://schemas.microsoft.com/internal/obd"/>
   </ds:schemaRefs>
 </ds:datastoreItem>
-</file>
-
-<file path=customXml/itemProps2.xml><?xml version="1.0" encoding="utf-8"?>
-<ds:datastoreItem xmlns:ds="http://schemas.openxmlformats.org/officeDocument/2006/customXml" ds:itemID="{CCF5E5E7-7F77-47A8-99A9-B4D5839292F3}">
-  <ds:schemaRefs>
-    <ds:schemaRef ds:uri="http://schemas.microsoft.com/sharepoint/v3/contenttype/forms"/>
-  </ds:schemaRefs>
-</ds:datastoreItem>
-</file>
-
-<file path=customXml/itemProps3.xml><?xml version="1.0" encoding="utf-8"?>
-<ds:datastoreItem xmlns:ds="http://schemas.openxmlformats.org/officeDocument/2006/customXml" ds:itemID="{96591048-6F15-48C6-9650-9BFF3E56974F}">
-  <ds:schemaRefs>
-    <ds:schemaRef ds:uri="http://purl.org/dc/elements/1.1/"/>
-    <ds:schemaRef ds:uri="4b463c31-e9b0-413b-88df-ea7e9f53a7ba"/>
-    <ds:schemaRef ds:uri="http://purl.org/dc/terms/"/>
-    <ds:schemaRef ds:uri="http://schemas.microsoft.com/office/2006/metadata/properties"/>
-    <ds:schemaRef ds:uri="http://schemas.microsoft.com/office/2006/documentManagement/types"/>
-    <ds:schemaRef ds:uri="http://purl.org/dc/dcmitype/"/>
-    <ds:schemaRef ds:uri="http://www.w3.org/XML/1998/namespace"/>
-    <ds:schemaRef ds:uri="http://schemas.microsoft.com/office/infopath/2007/PartnerControls"/>
-    <ds:schemaRef ds:uri="http://schemas.openxmlformats.org/package/2006/metadata/core-properties"/>
-    <ds:schemaRef ds:uri="2551ef7e-3b29-44d1-a8ad-ef34c26bfc60"/>
-  </ds:schemaRefs>
-</ds:datastoreItem>
 </file>
--- a/trunk/doc/Presentation.pptx
+++ b/trunk/doc/Presentation.pptx
@@ -7925,7 +7925,15 @@
           <a:p>
             <a:r>
               <a:rPr lang="en-US" dirty="0" smtClean="0"/>
-              <a:t>Standard project without the support of a framework: </a:t>
+              <a:t>Standard project without the support of a </a:t>
+            </a:r>
+            <a:r>
+              <a:rPr lang="en-US" dirty="0" smtClean="0"/>
+              <a:t>backend-framework</a:t>
+            </a:r>
+            <a:r>
+              <a:rPr lang="en-US" dirty="0" smtClean="0"/>
+              <a:t>: </a:t>
             </a:r>
           </a:p>
           <a:p>
@@ -9107,30 +9115,6 @@
           <a:lstStyle/>
           <a:p>
             <a:r>
-              <a:rPr lang="de-CH" i="1" dirty="0" smtClean="0"/>
-              <a:t>Fabian </a:t>
-            </a:r>
-            <a:r>
-              <a:rPr lang="de-CH" i="1" dirty="0"/>
-              <a:t>(Namen entfernen wir dann für </a:t>
-            </a:r>
-            <a:r>
-              <a:rPr lang="de-CH" i="1" dirty="0" err="1"/>
-              <a:t>Präsi</a:t>
-            </a:r>
-            <a:r>
-              <a:rPr lang="de-CH" i="1" dirty="0" smtClean="0"/>
-              <a:t>):</a:t>
-            </a:r>
-            <a:r>
-              <a:rPr lang="de-CH" dirty="0" smtClean="0"/>
-              <a:t>:</a:t>
-            </a:r>
-            <a:endParaRPr lang="de-CH" dirty="0"/>
-          </a:p>
-          <a:p>
-            <a:pPr lvl="1"/>
-            <a:r>
               <a:rPr lang="de-CH" dirty="0" smtClean="0"/>
               <a:t>Shopping </a:t>
             </a:r>
@@ -9230,17 +9214,13 @@
             </a:r>
             <a:r>
               <a:rPr lang="de-CH" dirty="0" smtClean="0"/>
-              <a:t> in </a:t>
-            </a:r>
-            <a:r>
-              <a:rPr lang="de-CH" smtClean="0"/>
-              <a:t>a Cookie</a:t>
+              <a:t> in a Cookie</a:t>
             </a:r>
           </a:p>
           <a:p>
             <a:pPr lvl="2"/>
             <a:r>
-              <a:rPr lang="de-CH" smtClean="0"/>
+              <a:rPr lang="de-CH" dirty="0" err="1" smtClean="0"/>
               <a:t>Creating</a:t>
             </a:r>
             <a:r>
@@ -9391,13 +9371,6 @@
               <a:t>process</a:t>
             </a:r>
             <a:endParaRPr lang="de-CH" dirty="0" smtClean="0"/>
-          </a:p>
-          <a:p>
-            <a:pPr lvl="1"/>
-            <a:r>
-              <a:rPr lang="de-CH" dirty="0" smtClean="0"/>
-              <a:t>Layout</a:t>
-            </a:r>
           </a:p>
         </p:txBody>
       </p:sp>
@@ -10252,33 +10225,6 @@
 </file>
 
 <file path=customXml/item1.xml><?xml version="1.0" encoding="utf-8"?>
-<p:properties xmlns:p="http://schemas.microsoft.com/office/2006/metadata/properties" xmlns:xsi="http://www.w3.org/2001/XMLSchema-instance" xmlns:pc="http://schemas.microsoft.com/office/infopath/2007/PartnerControls">
-  <documentManagement>
-    <TaxCatchAll xmlns="2551ef7e-3b29-44d1-a8ad-ef34c26bfc60">
-      <Value>241</Value>
-    </TaxCatchAll>
-    <BfhIntranetDepartmentText xmlns="4b463c31-e9b0-413b-88df-ea7e9f53a7ba">
-      <Terms xmlns="http://schemas.microsoft.com/office/infopath/2007/PartnerControls">
-        <TermInfo xmlns="http://schemas.microsoft.com/office/infopath/2007/PartnerControls">
-          <TermName xmlns="http://schemas.microsoft.com/office/infopath/2007/PartnerControls">Vorlage</TermName>
-          <TermId xmlns="http://schemas.microsoft.com/office/infopath/2007/PartnerControls">de1a6d3c-ac6a-4b34-8edd-308eb81066db</TermId>
-        </TermInfo>
-      </Terms>
-    </BfhIntranetDepartmentText>
-  </documentManagement>
-</p:properties>
-</file>
-
-<file path=customXml/item2.xml><?xml version="1.0" encoding="utf-8"?>
-<?mso-contentType ?>
-<FormTemplates xmlns="http://schemas.microsoft.com/sharepoint/v3/contenttype/forms">
-  <Display>DocumentLibraryForm</Display>
-  <Edit>DocumentLibraryForm</Edit>
-  <New>DocumentLibraryForm</New>
-</FormTemplates>
-</file>
-
-<file path=customXml/item3.xml><?xml version="1.0" encoding="utf-8"?>
 <ct:contentTypeSchema xmlns:ct="http://schemas.microsoft.com/office/2006/metadata/contentType" xmlns:ma="http://schemas.microsoft.com/office/2006/metadata/properties/metaAttributes" ct:_="" ma:_="" ma:contentTypeName="BFH Document" ma:contentTypeID="0x0101009127C3B567804923A8661E062BBD8EF500562C9D82744B284A86093F1D9B579BDC" ma:contentTypeVersion="2" ma:contentTypeDescription="Ein neues Dokument erstellen." ma:contentTypeScope="" ma:versionID="85c74107ca2205fa2d79ffbd44cb7ca7">
   <xsd:schema xmlns:xsd="http://www.w3.org/2001/XMLSchema" xmlns:xs="http://www.w3.org/2001/XMLSchema" xmlns:p="http://schemas.microsoft.com/office/2006/metadata/properties" xmlns:ns2="4b463c31-e9b0-413b-88df-ea7e9f53a7ba" xmlns:ns3="2551ef7e-3b29-44d1-a8ad-ef34c26bfc60" targetNamespace="http://schemas.microsoft.com/office/2006/metadata/properties" ma:root="true" ma:fieldsID="850aabddd6d95701c4b28714f3a316c8" ns2:_="" ns3:_="">
     <xsd:import namespace="4b463c31-e9b0-413b-88df-ea7e9f53a7ba"/>
@@ -10423,32 +10369,34 @@
 </ct:contentTypeSchema>
 </file>
 
-<file path=customXml/itemProps1.xml><?xml version="1.0" encoding="utf-8"?>
-<ds:datastoreItem xmlns:ds="http://schemas.openxmlformats.org/officeDocument/2006/customXml" ds:itemID="{96591048-6F15-48C6-9650-9BFF3E56974F}">
-  <ds:schemaRefs>
-    <ds:schemaRef ds:uri="http://purl.org/dc/elements/1.1/"/>
-    <ds:schemaRef ds:uri="4b463c31-e9b0-413b-88df-ea7e9f53a7ba"/>
-    <ds:schemaRef ds:uri="http://purl.org/dc/terms/"/>
-    <ds:schemaRef ds:uri="http://schemas.microsoft.com/office/2006/metadata/properties"/>
-    <ds:schemaRef ds:uri="http://schemas.microsoft.com/office/2006/documentManagement/types"/>
-    <ds:schemaRef ds:uri="http://purl.org/dc/dcmitype/"/>
-    <ds:schemaRef ds:uri="http://www.w3.org/XML/1998/namespace"/>
-    <ds:schemaRef ds:uri="http://schemas.microsoft.com/office/infopath/2007/PartnerControls"/>
-    <ds:schemaRef ds:uri="http://schemas.openxmlformats.org/package/2006/metadata/core-properties"/>
-    <ds:schemaRef ds:uri="2551ef7e-3b29-44d1-a8ad-ef34c26bfc60"/>
-  </ds:schemaRefs>
-</ds:datastoreItem>
+<file path=customXml/item2.xml><?xml version="1.0" encoding="utf-8"?>
+<?mso-contentType ?>
+<FormTemplates xmlns="http://schemas.microsoft.com/sharepoint/v3/contenttype/forms">
+  <Display>DocumentLibraryForm</Display>
+  <Edit>DocumentLibraryForm</Edit>
+  <New>DocumentLibraryForm</New>
+</FormTemplates>
 </file>
 
-<file path=customXml/itemProps2.xml><?xml version="1.0" encoding="utf-8"?>
-<ds:datastoreItem xmlns:ds="http://schemas.openxmlformats.org/officeDocument/2006/customXml" ds:itemID="{CCF5E5E7-7F77-47A8-99A9-B4D5839292F3}">
-  <ds:schemaRefs>
-    <ds:schemaRef ds:uri="http://schemas.microsoft.com/sharepoint/v3/contenttype/forms"/>
-  </ds:schemaRefs>
-</ds:datastoreItem>
+<file path=customXml/item3.xml><?xml version="1.0" encoding="utf-8"?>
+<p:properties xmlns:p="http://schemas.microsoft.com/office/2006/metadata/properties" xmlns:xsi="http://www.w3.org/2001/XMLSchema-instance" xmlns:pc="http://schemas.microsoft.com/office/infopath/2007/PartnerControls">
+  <documentManagement>
+    <TaxCatchAll xmlns="2551ef7e-3b29-44d1-a8ad-ef34c26bfc60">
+      <Value>241</Value>
+    </TaxCatchAll>
+    <BfhIntranetDepartmentText xmlns="4b463c31-e9b0-413b-88df-ea7e9f53a7ba">
+      <Terms xmlns="http://schemas.microsoft.com/office/infopath/2007/PartnerControls">
+        <TermInfo xmlns="http://schemas.microsoft.com/office/infopath/2007/PartnerControls">
+          <TermName xmlns="http://schemas.microsoft.com/office/infopath/2007/PartnerControls">Vorlage</TermName>
+          <TermId xmlns="http://schemas.microsoft.com/office/infopath/2007/PartnerControls">de1a6d3c-ac6a-4b34-8edd-308eb81066db</TermId>
+        </TermInfo>
+      </Terms>
+    </BfhIntranetDepartmentText>
+  </documentManagement>
+</p:properties>
 </file>
 
-<file path=customXml/itemProps3.xml><?xml version="1.0" encoding="utf-8"?>
+<file path=customXml/itemProps1.xml><?xml version="1.0" encoding="utf-8"?>
 <ds:datastoreItem xmlns:ds="http://schemas.openxmlformats.org/officeDocument/2006/customXml" ds:itemID="{8F3C1F62-CC3B-4F2A-BAEC-F8005B132EC9}">
   <ds:schemaRefs>
     <ds:schemaRef ds:uri="http://schemas.microsoft.com/office/2006/metadata/contentType"/>
@@ -10465,4 +10413,29 @@
     <ds:schemaRef ds:uri="http://schemas.microsoft.com/internal/obd"/>
   </ds:schemaRefs>
 </ds:datastoreItem>
+</file>
+
+<file path=customXml/itemProps2.xml><?xml version="1.0" encoding="utf-8"?>
+<ds:datastoreItem xmlns:ds="http://schemas.openxmlformats.org/officeDocument/2006/customXml" ds:itemID="{CCF5E5E7-7F77-47A8-99A9-B4D5839292F3}">
+  <ds:schemaRefs>
+    <ds:schemaRef ds:uri="http://schemas.microsoft.com/sharepoint/v3/contenttype/forms"/>
+  </ds:schemaRefs>
+</ds:datastoreItem>
+</file>
+
+<file path=customXml/itemProps3.xml><?xml version="1.0" encoding="utf-8"?>
+<ds:datastoreItem xmlns:ds="http://schemas.openxmlformats.org/officeDocument/2006/customXml" ds:itemID="{96591048-6F15-48C6-9650-9BFF3E56974F}">
+  <ds:schemaRefs>
+    <ds:schemaRef ds:uri="http://purl.org/dc/elements/1.1/"/>
+    <ds:schemaRef ds:uri="4b463c31-e9b0-413b-88df-ea7e9f53a7ba"/>
+    <ds:schemaRef ds:uri="http://purl.org/dc/terms/"/>
+    <ds:schemaRef ds:uri="http://schemas.microsoft.com/office/2006/metadata/properties"/>
+    <ds:schemaRef ds:uri="http://schemas.microsoft.com/office/2006/documentManagement/types"/>
+    <ds:schemaRef ds:uri="http://purl.org/dc/dcmitype/"/>
+    <ds:schemaRef ds:uri="http://www.w3.org/XML/1998/namespace"/>
+    <ds:schemaRef ds:uri="http://schemas.microsoft.com/office/infopath/2007/PartnerControls"/>
+    <ds:schemaRef ds:uri="http://schemas.openxmlformats.org/package/2006/metadata/core-properties"/>
+    <ds:schemaRef ds:uri="2551ef7e-3b29-44d1-a8ad-ef34c26bfc60"/>
+  </ds:schemaRefs>
+</ds:datastoreItem>
 </file>
--- a/trunk/doc/Presentation.pptx
+++ b/trunk/doc/Presentation.pptx
@@ -307,7 +307,7 @@
           <a:p>
             <a:fld id="{5F377753-DB7C-4FA7-98FC-17681D88797A}" type="slidenum">
               <a:rPr lang="de-CH" smtClean="0"/>
-              <a:t>‹#›</a:t>
+              <a:t>‹Nr.›</a:t>
             </a:fld>
             <a:endParaRPr lang="de-CH"/>
           </a:p>
@@ -570,7 +570,7 @@
           <a:p>
             <a:fld id="{37E44704-8E6D-4CF2-8CFA-A0F7BC751896}" type="slidenum">
               <a:rPr lang="de-CH" smtClean="0"/>
-              <a:t>‹#›</a:t>
+              <a:t>‹Nr.›</a:t>
             </a:fld>
             <a:endParaRPr lang="de-CH"/>
           </a:p>
@@ -2137,7 +2137,7 @@
           <a:p>
             <a:fld id="{F19AE9A8-34D4-4E8C-BE9C-13C550F1BED0}" type="slidenum">
               <a:rPr lang="de-CH" smtClean="0"/>
-              <a:t>‹#›</a:t>
+              <a:t>‹Nr.›</a:t>
             </a:fld>
             <a:endParaRPr lang="de-CH" dirty="0"/>
           </a:p>
@@ -2190,7 +2190,7 @@
           <a:p>
             <a:fld id="{F19AE9A8-34D4-4E8C-BE9C-13C550F1BED0}" type="slidenum">
               <a:rPr lang="de-CH" smtClean="0"/>
-              <a:t>‹#›</a:t>
+              <a:t>‹Nr.›</a:t>
             </a:fld>
             <a:endParaRPr lang="de-CH" dirty="0"/>
           </a:p>
@@ -3263,7 +3263,7 @@
           <a:p>
             <a:fld id="{F19AE9A8-34D4-4E8C-BE9C-13C550F1BED0}" type="slidenum">
               <a:rPr lang="de-CH" smtClean="0"/>
-              <a:t>‹#›</a:t>
+              <a:t>‹Nr.›</a:t>
             </a:fld>
             <a:endParaRPr lang="de-CH" dirty="0"/>
           </a:p>
@@ -3659,7 +3659,7 @@
           <a:p>
             <a:fld id="{F19AE9A8-34D4-4E8C-BE9C-13C550F1BED0}" type="slidenum">
               <a:rPr lang="de-CH" smtClean="0"/>
-              <a:t>‹#›</a:t>
+              <a:t>‹Nr.›</a:t>
             </a:fld>
             <a:endParaRPr lang="de-CH" dirty="0"/>
           </a:p>
@@ -3893,7 +3893,7 @@
           <a:p>
             <a:fld id="{F19AE9A8-34D4-4E8C-BE9C-13C550F1BED0}" type="slidenum">
               <a:rPr lang="de-CH" smtClean="0"/>
-              <a:t>‹#›</a:t>
+              <a:t>‹Nr.›</a:t>
             </a:fld>
             <a:endParaRPr lang="de-CH" dirty="0"/>
           </a:p>
@@ -4202,7 +4202,7 @@
           <a:p>
             <a:fld id="{F19AE9A8-34D4-4E8C-BE9C-13C550F1BED0}" type="slidenum">
               <a:rPr lang="de-CH" smtClean="0"/>
-              <a:t>‹#›</a:t>
+              <a:t>‹Nr.›</a:t>
             </a:fld>
             <a:endParaRPr lang="de-CH" dirty="0"/>
           </a:p>
@@ -4732,7 +4732,7 @@
           <a:p>
             <a:fld id="{F19AE9A8-34D4-4E8C-BE9C-13C550F1BED0}" type="slidenum">
               <a:rPr lang="de-CH" smtClean="0"/>
-              <a:t>‹#›</a:t>
+              <a:t>‹Nr.›</a:t>
             </a:fld>
             <a:endParaRPr lang="de-CH" dirty="0"/>
           </a:p>
@@ -5262,7 +5262,7 @@
           <a:p>
             <a:fld id="{F19AE9A8-34D4-4E8C-BE9C-13C550F1BED0}" type="slidenum">
               <a:rPr lang="de-CH" smtClean="0"/>
-              <a:t>‹#›</a:t>
+              <a:t>‹Nr.›</a:t>
             </a:fld>
             <a:endParaRPr lang="de-CH" dirty="0"/>
           </a:p>
@@ -5989,7 +5989,7 @@
           <a:p>
             <a:fld id="{F19AE9A8-34D4-4E8C-BE9C-13C550F1BED0}" type="slidenum">
               <a:rPr lang="de-CH" smtClean="0"/>
-              <a:t>‹#›</a:t>
+              <a:t>‹Nr.›</a:t>
             </a:fld>
             <a:endParaRPr lang="de-CH" dirty="0"/>
           </a:p>
@@ -6375,7 +6375,7 @@
             <a:fld id="{F19AE9A8-34D4-4E8C-BE9C-13C550F1BED0}" type="slidenum">
               <a:rPr lang="de-CH" smtClean="0"/>
               <a:pPr/>
-              <a:t>‹#›</a:t>
+              <a:t>‹Nr.›</a:t>
             </a:fld>
             <a:endParaRPr lang="de-CH" dirty="0"/>
           </a:p>
@@ -7380,8 +7380,27 @@
             <a:pPr lvl="1"/>
             <a:r>
               <a:rPr lang="en-US" dirty="0" smtClean="0"/>
-              <a:t>CSS can be really tricky and might getting out of control without a proper hierarchy</a:t>
-            </a:r>
+              <a:t>CSS can be really tricky and might getting out of control without a proper </a:t>
+            </a:r>
+            <a:r>
+              <a:rPr lang="en-US" dirty="0" smtClean="0"/>
+              <a:t>hierarchy</a:t>
+            </a:r>
+          </a:p>
+          <a:p>
+            <a:r>
+              <a:rPr lang="en-US" dirty="0" smtClean="0"/>
+              <a:t>If you do it, do it right (translations</a:t>
+            </a:r>
+            <a:r>
+              <a:rPr lang="en-US" dirty="0"/>
+              <a:t>, encapsulation, </a:t>
+            </a:r>
+            <a:r>
+              <a:rPr lang="en-US" dirty="0" smtClean="0"/>
+              <a:t>commenting…)</a:t>
+            </a:r>
+            <a:endParaRPr lang="en-US" dirty="0" smtClean="0"/>
           </a:p>
           <a:p>
             <a:pPr marL="0" indent="0">
@@ -7856,12 +7875,8 @@
               <a:t>learnt</a:t>
             </a:r>
             <a:r>
-              <a:rPr lang="de-CH" dirty="0"/>
-              <a:t> </a:t>
-            </a:r>
-            <a:r>
               <a:rPr lang="de-CH" dirty="0" smtClean="0"/>
-              <a:t>&amp; </a:t>
+              <a:t> &amp; </a:t>
             </a:r>
             <a:r>
               <a:rPr lang="de-CH" dirty="0" err="1" smtClean="0"/>
@@ -7925,15 +7940,7 @@
           <a:p>
             <a:r>
               <a:rPr lang="en-US" dirty="0" smtClean="0"/>
-              <a:t>Standard project without the support of a </a:t>
-            </a:r>
-            <a:r>
-              <a:rPr lang="en-US" dirty="0" smtClean="0"/>
-              <a:t>backend-framework</a:t>
-            </a:r>
-            <a:r>
-              <a:rPr lang="en-US" dirty="0" smtClean="0"/>
-              <a:t>: </a:t>
+              <a:t>Standard project without the support of a backend-framework: </a:t>
             </a:r>
           </a:p>
           <a:p>
@@ -8005,12 +8012,20 @@
           <a:p>
             <a:pPr lvl="1"/>
             <a:r>
-              <a:rPr lang="en-US" dirty="0" smtClean="0">
-                <a:solidFill>
-                  <a:srgbClr val="FF0000"/>
-                </a:solidFill>
-              </a:rPr>
-              <a:t>Marcel:</a:t>
+              <a:rPr lang="en-US" dirty="0" smtClean="0"/>
+              <a:t>Marcel</a:t>
+            </a:r>
+            <a:r>
+              <a:rPr lang="en-US" dirty="0" smtClean="0"/>
+              <a:t>: Web-Developer (</a:t>
+            </a:r>
+            <a:r>
+              <a:rPr lang="en-US" dirty="0" err="1" smtClean="0"/>
+              <a:t>Webflow</a:t>
+            </a:r>
+            <a:r>
+              <a:rPr lang="en-US" dirty="0" smtClean="0"/>
+              <a:t>)</a:t>
             </a:r>
             <a:r>
               <a:rPr lang="en-US" dirty="0" smtClean="0"/>
@@ -8238,7 +8253,15 @@
             </a:r>
             <a:r>
               <a:rPr lang="en-US" dirty="0"/>
-              <a:t>for storing the </a:t>
+              <a:t>for </a:t>
+            </a:r>
+            <a:r>
+              <a:rPr lang="en-US" dirty="0" smtClean="0"/>
+              <a:t>storing </a:t>
+            </a:r>
+            <a:r>
+              <a:rPr lang="en-US" dirty="0"/>
+              <a:t>the </a:t>
             </a:r>
             <a:r>
               <a:rPr lang="en-US" dirty="0" smtClean="0"/>
@@ -8920,82 +8943,178 @@
           <a:bodyPr/>
           <a:lstStyle/>
           <a:p>
-            <a:r>
-              <a:rPr lang="de-CH" i="1" dirty="0" smtClean="0"/>
-              <a:t>Marcel (Namen entfernen wir dann für </a:t>
-            </a:r>
-            <a:r>
-              <a:rPr lang="de-CH" i="1" dirty="0" err="1" smtClean="0"/>
-              <a:t>Präsi</a:t>
-            </a:r>
-            <a:r>
-              <a:rPr lang="de-CH" i="1" dirty="0" smtClean="0"/>
-              <a:t>):</a:t>
-            </a:r>
-            <a:endParaRPr lang="de-CH" i="1" dirty="0"/>
-          </a:p>
-          <a:p>
-            <a:pPr lvl="1"/>
+            <a:endParaRPr lang="de-CH" dirty="0" smtClean="0"/>
+          </a:p>
+          <a:p>
+            <a:endParaRPr lang="de-CH" dirty="0"/>
+          </a:p>
+          <a:p>
             <a:r>
               <a:rPr lang="de-CH" dirty="0" smtClean="0"/>
-              <a:t>DEINE THEMEN</a:t>
-            </a:r>
-          </a:p>
-          <a:p>
-            <a:pPr lvl="1"/>
+              <a:t>Login</a:t>
+            </a:r>
+          </a:p>
+          <a:p>
+            <a:r>
+              <a:rPr lang="de-CH" dirty="0" err="1" smtClean="0"/>
+              <a:t>Translations</a:t>
+            </a:r>
+            <a:endParaRPr lang="de-CH" dirty="0" smtClean="0"/>
+          </a:p>
+          <a:p>
             <a:r>
               <a:rPr lang="de-CH" dirty="0" smtClean="0"/>
-              <a:t>Wikipedia-REST </a:t>
-            </a:r>
-            <a:r>
-              <a:rPr lang="de-CH" dirty="0"/>
-              <a:t>API- Präsentation Shop- </a:t>
-            </a:r>
+              <a:t>Genres &amp; </a:t>
+            </a:r>
+            <a:r>
+              <a:rPr lang="de-CH" dirty="0" err="1" smtClean="0"/>
+              <a:t>Searching</a:t>
+            </a:r>
+            <a:endParaRPr lang="de-CH" dirty="0"/>
+          </a:p>
+          <a:p>
             <a:r>
               <a:rPr lang="de-CH" dirty="0" smtClean="0"/>
-              <a:t>Model</a:t>
-            </a:r>
-            <a:br>
+              <a:t>Wikipedia-REST</a:t>
+            </a:r>
+          </a:p>
+          <a:p>
+            <a:r>
               <a:rPr lang="de-CH" dirty="0" smtClean="0"/>
-            </a:br>
-            <a:r>
-              <a:rPr lang="de-CH" dirty="0" smtClean="0"/>
-              <a:t>Beispiel </a:t>
-            </a:r>
-            <a:r>
-              <a:rPr lang="de-CH" dirty="0"/>
-              <a:t>anhand </a:t>
-            </a:r>
-            <a:r>
-              <a:rPr lang="de-CH" dirty="0" smtClean="0"/>
-              <a:t>User Model </a:t>
-            </a:r>
-            <a:r>
-              <a:rPr lang="de-CH" dirty="0"/>
-              <a:t>(</a:t>
-            </a:r>
-            <a:r>
-              <a:rPr lang="de-CH" dirty="0" err="1"/>
-              <a:t>create</a:t>
-            </a:r>
-            <a:r>
-              <a:rPr lang="de-CH" dirty="0"/>
-              <a:t> / </a:t>
-            </a:r>
-            <a:r>
-              <a:rPr lang="de-CH" dirty="0" err="1"/>
-              <a:t>login</a:t>
-            </a:r>
-            <a:r>
-              <a:rPr lang="de-CH" dirty="0"/>
-              <a:t>)</a:t>
-            </a:r>
-          </a:p>
-          <a:p>
+              <a:t>User Model</a:t>
+            </a:r>
             <a:endParaRPr lang="de-CH" dirty="0"/>
           </a:p>
         </p:txBody>
       </p:sp>
+      <p:pic>
+        <p:nvPicPr>
+          <p:cNvPr id="1026" name="Picture 2"/>
+          <p:cNvPicPr>
+            <a:picLocks noChangeAspect="1" noChangeArrowheads="1"/>
+          </p:cNvPicPr>
+          <p:nvPr/>
+        </p:nvPicPr>
+        <p:blipFill>
+          <a:blip r:embed="rId2">
+            <a:extLst>
+              <a:ext uri="{28A0092B-C50C-407E-A947-70E740481C1C}">
+                <a14:useLocalDpi xmlns:a14="http://schemas.microsoft.com/office/drawing/2010/main" val="0"/>
+              </a:ext>
+            </a:extLst>
+          </a:blip>
+          <a:srcRect/>
+          <a:stretch>
+            <a:fillRect/>
+          </a:stretch>
+        </p:blipFill>
+        <p:spPr bwMode="auto">
+          <a:xfrm>
+            <a:off x="3024148" y="3773550"/>
+            <a:ext cx="4657725" cy="914400"/>
+          </a:xfrm>
+          <a:prstGeom prst="rect">
+            <a:avLst/>
+          </a:prstGeom>
+          <a:noFill/>
+          <a:ln>
+            <a:noFill/>
+          </a:ln>
+          <a:effectLst/>
+          <a:extLst>
+            <a:ext uri="{909E8E84-426E-40DD-AFC4-6F175D3DCCD1}">
+              <a14:hiddenFill xmlns:a14="http://schemas.microsoft.com/office/drawing/2010/main">
+                <a:solidFill>
+                  <a:schemeClr val="accent1"/>
+                </a:solidFill>
+              </a14:hiddenFill>
+            </a:ext>
+            <a:ext uri="{91240B29-F687-4F45-9708-019B960494DF}">
+              <a14:hiddenLine xmlns:a14="http://schemas.microsoft.com/office/drawing/2010/main" w="9525">
+                <a:solidFill>
+                  <a:schemeClr val="tx1"/>
+                </a:solidFill>
+                <a:miter lim="800000"/>
+                <a:headEnd/>
+                <a:tailEnd/>
+              </a14:hiddenLine>
+            </a:ext>
+            <a:ext uri="{AF507438-7753-43E0-B8FC-AC1667EBCBE1}">
+              <a14:hiddenEffects xmlns:a14="http://schemas.microsoft.com/office/drawing/2010/main">
+                <a:effectLst>
+                  <a:outerShdw dist="35921" dir="2700000" algn="ctr" rotWithShape="0">
+                    <a:schemeClr val="bg2"/>
+                  </a:outerShdw>
+                </a:effectLst>
+              </a14:hiddenEffects>
+            </a:ext>
+          </a:extLst>
+        </p:spPr>
+      </p:pic>
+      <p:pic>
+        <p:nvPicPr>
+          <p:cNvPr id="1027" name="Picture 3"/>
+          <p:cNvPicPr>
+            <a:picLocks noChangeAspect="1" noChangeArrowheads="1"/>
+          </p:cNvPicPr>
+          <p:nvPr/>
+        </p:nvPicPr>
+        <p:blipFill>
+          <a:blip r:embed="rId3">
+            <a:extLst>
+              <a:ext uri="{28A0092B-C50C-407E-A947-70E740481C1C}">
+                <a14:useLocalDpi xmlns:a14="http://schemas.microsoft.com/office/drawing/2010/main" val="0"/>
+              </a:ext>
+            </a:extLst>
+          </a:blip>
+          <a:srcRect/>
+          <a:stretch>
+            <a:fillRect/>
+          </a:stretch>
+        </p:blipFill>
+        <p:spPr bwMode="auto">
+          <a:xfrm>
+            <a:off x="3024148" y="1508938"/>
+            <a:ext cx="5362575" cy="1866900"/>
+          </a:xfrm>
+          <a:prstGeom prst="rect">
+            <a:avLst/>
+          </a:prstGeom>
+          <a:noFill/>
+          <a:ln>
+            <a:noFill/>
+          </a:ln>
+          <a:effectLst/>
+          <a:extLst>
+            <a:ext uri="{909E8E84-426E-40DD-AFC4-6F175D3DCCD1}">
+              <a14:hiddenFill xmlns:a14="http://schemas.microsoft.com/office/drawing/2010/main">
+                <a:solidFill>
+                  <a:schemeClr val="accent1"/>
+                </a:solidFill>
+              </a14:hiddenFill>
+            </a:ext>
+            <a:ext uri="{91240B29-F687-4F45-9708-019B960494DF}">
+              <a14:hiddenLine xmlns:a14="http://schemas.microsoft.com/office/drawing/2010/main" w="9525">
+                <a:solidFill>
+                  <a:schemeClr val="tx1"/>
+                </a:solidFill>
+                <a:miter lim="800000"/>
+                <a:headEnd/>
+                <a:tailEnd/>
+              </a14:hiddenLine>
+            </a:ext>
+            <a:ext uri="{AF507438-7753-43E0-B8FC-AC1667EBCBE1}">
+              <a14:hiddenEffects xmlns:a14="http://schemas.microsoft.com/office/drawing/2010/main">
+                <a:effectLst>
+                  <a:outerShdw dist="35921" dir="2700000" algn="ctr" rotWithShape="0">
+                    <a:schemeClr val="bg2"/>
+                  </a:outerShdw>
+                </a:effectLst>
+              </a14:hiddenEffects>
+            </a:ext>
+          </a:extLst>
+        </p:spPr>
+      </p:pic>
     </p:spTree>
     <p:extLst>
       <p:ext uri="{BB962C8B-B14F-4D97-AF65-F5344CB8AC3E}">
@@ -10225,6 +10344,33 @@
 </file>
 
 <file path=customXml/item1.xml><?xml version="1.0" encoding="utf-8"?>
+<p:properties xmlns:p="http://schemas.microsoft.com/office/2006/metadata/properties" xmlns:xsi="http://www.w3.org/2001/XMLSchema-instance" xmlns:pc="http://schemas.microsoft.com/office/infopath/2007/PartnerControls">
+  <documentManagement>
+    <TaxCatchAll xmlns="2551ef7e-3b29-44d1-a8ad-ef34c26bfc60">
+      <Value>241</Value>
+    </TaxCatchAll>
+    <BfhIntranetDepartmentText xmlns="4b463c31-e9b0-413b-88df-ea7e9f53a7ba">
+      <Terms xmlns="http://schemas.microsoft.com/office/infopath/2007/PartnerControls">
+        <TermInfo xmlns="http://schemas.microsoft.com/office/infopath/2007/PartnerControls">
+          <TermName xmlns="http://schemas.microsoft.com/office/infopath/2007/PartnerControls">Vorlage</TermName>
+          <TermId xmlns="http://schemas.microsoft.com/office/infopath/2007/PartnerControls">de1a6d3c-ac6a-4b34-8edd-308eb81066db</TermId>
+        </TermInfo>
+      </Terms>
+    </BfhIntranetDepartmentText>
+  </documentManagement>
+</p:properties>
+</file>
+
+<file path=customXml/item2.xml><?xml version="1.0" encoding="utf-8"?>
+<?mso-contentType ?>
+<FormTemplates xmlns="http://schemas.microsoft.com/sharepoint/v3/contenttype/forms">
+  <Display>DocumentLibraryForm</Display>
+  <Edit>DocumentLibraryForm</Edit>
+  <New>DocumentLibraryForm</New>
+</FormTemplates>
+</file>
+
+<file path=customXml/item3.xml><?xml version="1.0" encoding="utf-8"?>
 <ct:contentTypeSchema xmlns:ct="http://schemas.microsoft.com/office/2006/metadata/contentType" xmlns:ma="http://schemas.microsoft.com/office/2006/metadata/properties/metaAttributes" ct:_="" ma:_="" ma:contentTypeName="BFH Document" ma:contentTypeID="0x0101009127C3B567804923A8661E062BBD8EF500562C9D82744B284A86093F1D9B579BDC" ma:contentTypeVersion="2" ma:contentTypeDescription="Ein neues Dokument erstellen." ma:contentTypeScope="" ma:versionID="85c74107ca2205fa2d79ffbd44cb7ca7">
   <xsd:schema xmlns:xsd="http://www.w3.org/2001/XMLSchema" xmlns:xs="http://www.w3.org/2001/XMLSchema" xmlns:p="http://schemas.microsoft.com/office/2006/metadata/properties" xmlns:ns2="4b463c31-e9b0-413b-88df-ea7e9f53a7ba" xmlns:ns3="2551ef7e-3b29-44d1-a8ad-ef34c26bfc60" targetNamespace="http://schemas.microsoft.com/office/2006/metadata/properties" ma:root="true" ma:fieldsID="850aabddd6d95701c4b28714f3a316c8" ns2:_="" ns3:_="">
     <xsd:import namespace="4b463c31-e9b0-413b-88df-ea7e9f53a7ba"/>
@@ -10369,34 +10515,32 @@
 </ct:contentTypeSchema>
 </file>
 
-<file path=customXml/item2.xml><?xml version="1.0" encoding="utf-8"?>
-<?mso-contentType ?>
-<FormTemplates xmlns="http://schemas.microsoft.com/sharepoint/v3/contenttype/forms">
-  <Display>DocumentLibraryForm</Display>
-  <Edit>DocumentLibraryForm</Edit>
-  <New>DocumentLibraryForm</New>
-</FormTemplates>
+<file path=customXml/itemProps1.xml><?xml version="1.0" encoding="utf-8"?>
+<ds:datastoreItem xmlns:ds="http://schemas.openxmlformats.org/officeDocument/2006/customXml" ds:itemID="{96591048-6F15-48C6-9650-9BFF3E56974F}">
+  <ds:schemaRefs>
+    <ds:schemaRef ds:uri="http://purl.org/dc/elements/1.1/"/>
+    <ds:schemaRef ds:uri="4b463c31-e9b0-413b-88df-ea7e9f53a7ba"/>
+    <ds:schemaRef ds:uri="http://purl.org/dc/terms/"/>
+    <ds:schemaRef ds:uri="http://schemas.microsoft.com/office/2006/metadata/properties"/>
+    <ds:schemaRef ds:uri="http://schemas.microsoft.com/office/2006/documentManagement/types"/>
+    <ds:schemaRef ds:uri="http://purl.org/dc/dcmitype/"/>
+    <ds:schemaRef ds:uri="http://www.w3.org/XML/1998/namespace"/>
+    <ds:schemaRef ds:uri="http://schemas.microsoft.com/office/infopath/2007/PartnerControls"/>
+    <ds:schemaRef ds:uri="http://schemas.openxmlformats.org/package/2006/metadata/core-properties"/>
+    <ds:schemaRef ds:uri="2551ef7e-3b29-44d1-a8ad-ef34c26bfc60"/>
+  </ds:schemaRefs>
+</ds:datastoreItem>
 </file>
 
-<file path=customXml/item3.xml><?xml version="1.0" encoding="utf-8"?>
-<p:properties xmlns:p="http://schemas.microsoft.com/office/2006/metadata/properties" xmlns:xsi="http://www.w3.org/2001/XMLSchema-instance" xmlns:pc="http://schemas.microsoft.com/office/infopath/2007/PartnerControls">
-  <documentManagement>
-    <TaxCatchAll xmlns="2551ef7e-3b29-44d1-a8ad-ef34c26bfc60">
-      <Value>241</Value>
-    </TaxCatchAll>
-    <BfhIntranetDepartmentText xmlns="4b463c31-e9b0-413b-88df-ea7e9f53a7ba">
-      <Terms xmlns="http://schemas.microsoft.com/office/infopath/2007/PartnerControls">
-        <TermInfo xmlns="http://schemas.microsoft.com/office/infopath/2007/PartnerControls">
-          <TermName xmlns="http://schemas.microsoft.com/office/infopath/2007/PartnerControls">Vorlage</TermName>
-          <TermId xmlns="http://schemas.microsoft.com/office/infopath/2007/PartnerControls">de1a6d3c-ac6a-4b34-8edd-308eb81066db</TermId>
-        </TermInfo>
-      </Terms>
-    </BfhIntranetDepartmentText>
-  </documentManagement>
-</p:properties>
+<file path=customXml/itemProps2.xml><?xml version="1.0" encoding="utf-8"?>
+<ds:datastoreItem xmlns:ds="http://schemas.openxmlformats.org/officeDocument/2006/customXml" ds:itemID="{CCF5E5E7-7F77-47A8-99A9-B4D5839292F3}">
+  <ds:schemaRefs>
+    <ds:schemaRef ds:uri="http://schemas.microsoft.com/sharepoint/v3/contenttype/forms"/>
+  </ds:schemaRefs>
+</ds:datastoreItem>
 </file>
 
-<file path=customXml/itemProps1.xml><?xml version="1.0" encoding="utf-8"?>
+<file path=customXml/itemProps3.xml><?xml version="1.0" encoding="utf-8"?>
 <ds:datastoreItem xmlns:ds="http://schemas.openxmlformats.org/officeDocument/2006/customXml" ds:itemID="{8F3C1F62-CC3B-4F2A-BAEC-F8005B132EC9}">
   <ds:schemaRefs>
     <ds:schemaRef ds:uri="http://schemas.microsoft.com/office/2006/metadata/contentType"/>
@@ -10413,29 +10557,4 @@
     <ds:schemaRef ds:uri="http://schemas.microsoft.com/internal/obd"/>
   </ds:schemaRefs>
 </ds:datastoreItem>
-</file>
-
-<file path=customXml/itemProps2.xml><?xml version="1.0" encoding="utf-8"?>
-<ds:datastoreItem xmlns:ds="http://schemas.openxmlformats.org/officeDocument/2006/customXml" ds:itemID="{CCF5E5E7-7F77-47A8-99A9-B4D5839292F3}">
-  <ds:schemaRefs>
-    <ds:schemaRef ds:uri="http://schemas.microsoft.com/sharepoint/v3/contenttype/forms"/>
-  </ds:schemaRefs>
-</ds:datastoreItem>
-</file>
-
-<file path=customXml/itemProps3.xml><?xml version="1.0" encoding="utf-8"?>
-<ds:datastoreItem xmlns:ds="http://schemas.openxmlformats.org/officeDocument/2006/customXml" ds:itemID="{96591048-6F15-48C6-9650-9BFF3E56974F}">
-  <ds:schemaRefs>
-    <ds:schemaRef ds:uri="http://purl.org/dc/elements/1.1/"/>
-    <ds:schemaRef ds:uri="4b463c31-e9b0-413b-88df-ea7e9f53a7ba"/>
-    <ds:schemaRef ds:uri="http://purl.org/dc/terms/"/>
-    <ds:schemaRef ds:uri="http://schemas.microsoft.com/office/2006/metadata/properties"/>
-    <ds:schemaRef ds:uri="http://schemas.microsoft.com/office/2006/documentManagement/types"/>
-    <ds:schemaRef ds:uri="http://purl.org/dc/dcmitype/"/>
-    <ds:schemaRef ds:uri="http://www.w3.org/XML/1998/namespace"/>
-    <ds:schemaRef ds:uri="http://schemas.microsoft.com/office/infopath/2007/PartnerControls"/>
-    <ds:schemaRef ds:uri="http://schemas.openxmlformats.org/package/2006/metadata/core-properties"/>
-    <ds:schemaRef ds:uri="2551ef7e-3b29-44d1-a8ad-ef34c26bfc60"/>
-  </ds:schemaRefs>
-</ds:datastoreItem>
 </file>
--- a/trunk/doc/Presentation.pptx
+++ b/trunk/doc/Presentation.pptx
@@ -7255,9 +7255,43 @@
           <a:p>
             <a:pPr lvl="1"/>
             <a:r>
-              <a:rPr lang="de-CH" dirty="0"/>
-              <a:t>_________</a:t>
-            </a:r>
+              <a:rPr lang="de-CH" dirty="0" smtClean="0"/>
+              <a:t>REST API</a:t>
+            </a:r>
+          </a:p>
+          <a:p>
+            <a:pPr lvl="1"/>
+            <a:r>
+              <a:rPr lang="de-CH" dirty="0" smtClean="0"/>
+              <a:t>Administration &amp; Login</a:t>
+            </a:r>
+          </a:p>
+          <a:p>
+            <a:pPr lvl="1"/>
+            <a:r>
+              <a:rPr lang="de-CH" dirty="0" smtClean="0"/>
+              <a:t>Main &amp; Detail </a:t>
+            </a:r>
+            <a:r>
+              <a:rPr lang="de-CH" dirty="0" err="1" smtClean="0"/>
+              <a:t>view</a:t>
+            </a:r>
+            <a:endParaRPr lang="de-CH" dirty="0" smtClean="0"/>
+          </a:p>
+          <a:p>
+            <a:pPr lvl="1"/>
+            <a:r>
+              <a:rPr lang="de-CH" dirty="0" smtClean="0"/>
+              <a:t>Payment-Flow</a:t>
+            </a:r>
+          </a:p>
+          <a:p>
+            <a:pPr lvl="1"/>
+            <a:r>
+              <a:rPr lang="de-CH" dirty="0" err="1" smtClean="0"/>
+              <a:t>E-mail</a:t>
+            </a:r>
+            <a:endParaRPr lang="de-CH" dirty="0"/>
           </a:p>
           <a:p>
             <a:endParaRPr lang="de-CH" dirty="0" smtClean="0"/>
@@ -7380,11 +7414,7 @@
             <a:pPr lvl="1"/>
             <a:r>
               <a:rPr lang="en-US" dirty="0" smtClean="0"/>
-              <a:t>CSS can be really tricky and might getting out of control without a proper </a:t>
-            </a:r>
-            <a:r>
-              <a:rPr lang="en-US" dirty="0" smtClean="0"/>
-              <a:t>hierarchy</a:t>
+              <a:t>CSS can be really tricky and might getting out of control without a proper hierarchy</a:t>
             </a:r>
           </a:p>
           <a:p>
@@ -7400,7 +7430,6 @@
               <a:rPr lang="en-US" dirty="0" smtClean="0"/>
               <a:t>commenting…)</a:t>
             </a:r>
-            <a:endParaRPr lang="en-US" dirty="0" smtClean="0"/>
           </a:p>
           <a:p>
             <a:pPr marL="0" indent="0">
@@ -8013,11 +8042,7 @@
             <a:pPr lvl="1"/>
             <a:r>
               <a:rPr lang="en-US" dirty="0" smtClean="0"/>
-              <a:t>Marcel</a:t>
-            </a:r>
-            <a:r>
-              <a:rPr lang="en-US" dirty="0" smtClean="0"/>
-              <a:t>: Web-Developer (</a:t>
+              <a:t>Marcel: Web-Developer (</a:t>
             </a:r>
             <a:r>
               <a:rPr lang="en-US" dirty="0" err="1" smtClean="0"/>
@@ -8026,10 +8051,6 @@
             <a:r>
               <a:rPr lang="en-US" dirty="0" smtClean="0"/>
               <a:t>)</a:t>
-            </a:r>
-            <a:r>
-              <a:rPr lang="en-US" dirty="0" smtClean="0"/>
-              <a:t/>
             </a:r>
             <a:br>
               <a:rPr lang="en-US" dirty="0" smtClean="0"/>
@@ -10344,33 +10365,6 @@
 </file>
 
 <file path=customXml/item1.xml><?xml version="1.0" encoding="utf-8"?>
-<p:properties xmlns:p="http://schemas.microsoft.com/office/2006/metadata/properties" xmlns:xsi="http://www.w3.org/2001/XMLSchema-instance" xmlns:pc="http://schemas.microsoft.com/office/infopath/2007/PartnerControls">
-  <documentManagement>
-    <TaxCatchAll xmlns="2551ef7e-3b29-44d1-a8ad-ef34c26bfc60">
-      <Value>241</Value>
-    </TaxCatchAll>
-    <BfhIntranetDepartmentText xmlns="4b463c31-e9b0-413b-88df-ea7e9f53a7ba">
-      <Terms xmlns="http://schemas.microsoft.com/office/infopath/2007/PartnerControls">
-        <TermInfo xmlns="http://schemas.microsoft.com/office/infopath/2007/PartnerControls">
-          <TermName xmlns="http://schemas.microsoft.com/office/infopath/2007/PartnerControls">Vorlage</TermName>
-          <TermId xmlns="http://schemas.microsoft.com/office/infopath/2007/PartnerControls">de1a6d3c-ac6a-4b34-8edd-308eb81066db</TermId>
-        </TermInfo>
-      </Terms>
-    </BfhIntranetDepartmentText>
-  </documentManagement>
-</p:properties>
-</file>
-
-<file path=customXml/item2.xml><?xml version="1.0" encoding="utf-8"?>
-<?mso-contentType ?>
-<FormTemplates xmlns="http://schemas.microsoft.com/sharepoint/v3/contenttype/forms">
-  <Display>DocumentLibraryForm</Display>
-  <Edit>DocumentLibraryForm</Edit>
-  <New>DocumentLibraryForm</New>
-</FormTemplates>
-</file>
-
-<file path=customXml/item3.xml><?xml version="1.0" encoding="utf-8"?>
 <ct:contentTypeSchema xmlns:ct="http://schemas.microsoft.com/office/2006/metadata/contentType" xmlns:ma="http://schemas.microsoft.com/office/2006/metadata/properties/metaAttributes" ct:_="" ma:_="" ma:contentTypeName="BFH Document" ma:contentTypeID="0x0101009127C3B567804923A8661E062BBD8EF500562C9D82744B284A86093F1D9B579BDC" ma:contentTypeVersion="2" ma:contentTypeDescription="Ein neues Dokument erstellen." ma:contentTypeScope="" ma:versionID="85c74107ca2205fa2d79ffbd44cb7ca7">
   <xsd:schema xmlns:xsd="http://www.w3.org/2001/XMLSchema" xmlns:xs="http://www.w3.org/2001/XMLSchema" xmlns:p="http://schemas.microsoft.com/office/2006/metadata/properties" xmlns:ns2="4b463c31-e9b0-413b-88df-ea7e9f53a7ba" xmlns:ns3="2551ef7e-3b29-44d1-a8ad-ef34c26bfc60" targetNamespace="http://schemas.microsoft.com/office/2006/metadata/properties" ma:root="true" ma:fieldsID="850aabddd6d95701c4b28714f3a316c8" ns2:_="" ns3:_="">
     <xsd:import namespace="4b463c31-e9b0-413b-88df-ea7e9f53a7ba"/>
@@ -10515,32 +10509,34 @@
 </ct:contentTypeSchema>
 </file>
 
-<file path=customXml/itemProps1.xml><?xml version="1.0" encoding="utf-8"?>
-<ds:datastoreItem xmlns:ds="http://schemas.openxmlformats.org/officeDocument/2006/customXml" ds:itemID="{96591048-6F15-48C6-9650-9BFF3E56974F}">
-  <ds:schemaRefs>
-    <ds:schemaRef ds:uri="http://purl.org/dc/elements/1.1/"/>
-    <ds:schemaRef ds:uri="4b463c31-e9b0-413b-88df-ea7e9f53a7ba"/>
-    <ds:schemaRef ds:uri="http://purl.org/dc/terms/"/>
-    <ds:schemaRef ds:uri="http://schemas.microsoft.com/office/2006/metadata/properties"/>
-    <ds:schemaRef ds:uri="http://schemas.microsoft.com/office/2006/documentManagement/types"/>
-    <ds:schemaRef ds:uri="http://purl.org/dc/dcmitype/"/>
-    <ds:schemaRef ds:uri="http://www.w3.org/XML/1998/namespace"/>
-    <ds:schemaRef ds:uri="http://schemas.microsoft.com/office/infopath/2007/PartnerControls"/>
-    <ds:schemaRef ds:uri="http://schemas.openxmlformats.org/package/2006/metadata/core-properties"/>
-    <ds:schemaRef ds:uri="2551ef7e-3b29-44d1-a8ad-ef34c26bfc60"/>
-  </ds:schemaRefs>
-</ds:datastoreItem>
+<file path=customXml/item2.xml><?xml version="1.0" encoding="utf-8"?>
+<?mso-contentType ?>
+<FormTemplates xmlns="http://schemas.microsoft.com/sharepoint/v3/contenttype/forms">
+  <Display>DocumentLibraryForm</Display>
+  <Edit>DocumentLibraryForm</Edit>
+  <New>DocumentLibraryForm</New>
+</FormTemplates>
 </file>
 
-<file path=customXml/itemProps2.xml><?xml version="1.0" encoding="utf-8"?>
-<ds:datastoreItem xmlns:ds="http://schemas.openxmlformats.org/officeDocument/2006/customXml" ds:itemID="{CCF5E5E7-7F77-47A8-99A9-B4D5839292F3}">
-  <ds:schemaRefs>
-    <ds:schemaRef ds:uri="http://schemas.microsoft.com/sharepoint/v3/contenttype/forms"/>
-  </ds:schemaRefs>
-</ds:datastoreItem>
+<file path=customXml/item3.xml><?xml version="1.0" encoding="utf-8"?>
+<p:properties xmlns:p="http://schemas.microsoft.com/office/2006/metadata/properties" xmlns:xsi="http://www.w3.org/2001/XMLSchema-instance" xmlns:pc="http://schemas.microsoft.com/office/infopath/2007/PartnerControls">
+  <documentManagement>
+    <TaxCatchAll xmlns="2551ef7e-3b29-44d1-a8ad-ef34c26bfc60">
+      <Value>241</Value>
+    </TaxCatchAll>
+    <BfhIntranetDepartmentText xmlns="4b463c31-e9b0-413b-88df-ea7e9f53a7ba">
+      <Terms xmlns="http://schemas.microsoft.com/office/infopath/2007/PartnerControls">
+        <TermInfo xmlns="http://schemas.microsoft.com/office/infopath/2007/PartnerControls">
+          <TermName xmlns="http://schemas.microsoft.com/office/infopath/2007/PartnerControls">Vorlage</TermName>
+          <TermId xmlns="http://schemas.microsoft.com/office/infopath/2007/PartnerControls">de1a6d3c-ac6a-4b34-8edd-308eb81066db</TermId>
+        </TermInfo>
+      </Terms>
+    </BfhIntranetDepartmentText>
+  </documentManagement>
+</p:properties>
 </file>
 
-<file path=customXml/itemProps3.xml><?xml version="1.0" encoding="utf-8"?>
+<file path=customXml/itemProps1.xml><?xml version="1.0" encoding="utf-8"?>
 <ds:datastoreItem xmlns:ds="http://schemas.openxmlformats.org/officeDocument/2006/customXml" ds:itemID="{8F3C1F62-CC3B-4F2A-BAEC-F8005B132EC9}">
   <ds:schemaRefs>
     <ds:schemaRef ds:uri="http://schemas.microsoft.com/office/2006/metadata/contentType"/>
@@ -10557,4 +10553,29 @@
     <ds:schemaRef ds:uri="http://schemas.microsoft.com/internal/obd"/>
   </ds:schemaRefs>
 </ds:datastoreItem>
+</file>
+
+<file path=customXml/itemProps2.xml><?xml version="1.0" encoding="utf-8"?>
+<ds:datastoreItem xmlns:ds="http://schemas.openxmlformats.org/officeDocument/2006/customXml" ds:itemID="{CCF5E5E7-7F77-47A8-99A9-B4D5839292F3}">
+  <ds:schemaRefs>
+    <ds:schemaRef ds:uri="http://schemas.microsoft.com/sharepoint/v3/contenttype/forms"/>
+  </ds:schemaRefs>
+</ds:datastoreItem>
+</file>
+
+<file path=customXml/itemProps3.xml><?xml version="1.0" encoding="utf-8"?>
+<ds:datastoreItem xmlns:ds="http://schemas.openxmlformats.org/officeDocument/2006/customXml" ds:itemID="{96591048-6F15-48C6-9650-9BFF3E56974F}">
+  <ds:schemaRefs>
+    <ds:schemaRef ds:uri="http://purl.org/dc/elements/1.1/"/>
+    <ds:schemaRef ds:uri="4b463c31-e9b0-413b-88df-ea7e9f53a7ba"/>
+    <ds:schemaRef ds:uri="http://purl.org/dc/terms/"/>
+    <ds:schemaRef ds:uri="http://schemas.microsoft.com/office/2006/metadata/properties"/>
+    <ds:schemaRef ds:uri="http://schemas.microsoft.com/office/2006/documentManagement/types"/>
+    <ds:schemaRef ds:uri="http://purl.org/dc/dcmitype/"/>
+    <ds:schemaRef ds:uri="http://www.w3.org/XML/1998/namespace"/>
+    <ds:schemaRef ds:uri="http://schemas.microsoft.com/office/infopath/2007/PartnerControls"/>
+    <ds:schemaRef ds:uri="http://schemas.openxmlformats.org/package/2006/metadata/core-properties"/>
+    <ds:schemaRef ds:uri="2551ef7e-3b29-44d1-a8ad-ef34c26bfc60"/>
+  </ds:schemaRefs>
+</ds:datastoreItem>
 </file>
--- a/trunk/doc/Presentation.pptx
+++ b/trunk/doc/Presentation.pptx
@@ -241,7 +241,7 @@
           <a:p>
             <a:fld id="{EFA0D184-D464-48E9-9CA0-A94E873F6C2C}" type="datetimeFigureOut">
               <a:rPr lang="de-CH" smtClean="0"/>
-              <a:t>11.01.2015</a:t>
+              <a:t>12.01.2015</a:t>
             </a:fld>
             <a:endParaRPr lang="de-CH"/>
           </a:p>
@@ -307,7 +307,7 @@
           <a:p>
             <a:fld id="{5F377753-DB7C-4FA7-98FC-17681D88797A}" type="slidenum">
               <a:rPr lang="de-CH" smtClean="0"/>
-              <a:t>‹Nr.›</a:t>
+              <a:t>‹#›</a:t>
             </a:fld>
             <a:endParaRPr lang="de-CH"/>
           </a:p>
@@ -411,7 +411,7 @@
           <a:p>
             <a:fld id="{5AF2B663-2BA9-4D7E-8201-5DE4109E1EDD}" type="datetimeFigureOut">
               <a:rPr lang="de-CH" smtClean="0"/>
-              <a:t>11.01.2015</a:t>
+              <a:t>12.01.2015</a:t>
             </a:fld>
             <a:endParaRPr lang="de-CH"/>
           </a:p>
@@ -570,7 +570,7 @@
           <a:p>
             <a:fld id="{37E44704-8E6D-4CF2-8CFA-A0F7BC751896}" type="slidenum">
               <a:rPr lang="de-CH" smtClean="0"/>
-              <a:t>‹Nr.›</a:t>
+              <a:t>‹#›</a:t>
             </a:fld>
             <a:endParaRPr lang="de-CH"/>
           </a:p>
@@ -2137,7 +2137,7 @@
           <a:p>
             <a:fld id="{F19AE9A8-34D4-4E8C-BE9C-13C550F1BED0}" type="slidenum">
               <a:rPr lang="de-CH" smtClean="0"/>
-              <a:t>‹Nr.›</a:t>
+              <a:t>‹#›</a:t>
             </a:fld>
             <a:endParaRPr lang="de-CH" dirty="0"/>
           </a:p>
@@ -2190,7 +2190,7 @@
           <a:p>
             <a:fld id="{F19AE9A8-34D4-4E8C-BE9C-13C550F1BED0}" type="slidenum">
               <a:rPr lang="de-CH" smtClean="0"/>
-              <a:t>‹Nr.›</a:t>
+              <a:t>‹#›</a:t>
             </a:fld>
             <a:endParaRPr lang="de-CH" dirty="0"/>
           </a:p>
@@ -3263,7 +3263,7 @@
           <a:p>
             <a:fld id="{F19AE9A8-34D4-4E8C-BE9C-13C550F1BED0}" type="slidenum">
               <a:rPr lang="de-CH" smtClean="0"/>
-              <a:t>‹Nr.›</a:t>
+              <a:t>‹#›</a:t>
             </a:fld>
             <a:endParaRPr lang="de-CH" dirty="0"/>
           </a:p>
@@ -3659,7 +3659,7 @@
           <a:p>
             <a:fld id="{F19AE9A8-34D4-4E8C-BE9C-13C550F1BED0}" type="slidenum">
               <a:rPr lang="de-CH" smtClean="0"/>
-              <a:t>‹Nr.›</a:t>
+              <a:t>‹#›</a:t>
             </a:fld>
             <a:endParaRPr lang="de-CH" dirty="0"/>
           </a:p>
@@ -3893,7 +3893,7 @@
           <a:p>
             <a:fld id="{F19AE9A8-34D4-4E8C-BE9C-13C550F1BED0}" type="slidenum">
               <a:rPr lang="de-CH" smtClean="0"/>
-              <a:t>‹Nr.›</a:t>
+              <a:t>‹#›</a:t>
             </a:fld>
             <a:endParaRPr lang="de-CH" dirty="0"/>
           </a:p>
@@ -4202,7 +4202,7 @@
           <a:p>
             <a:fld id="{F19AE9A8-34D4-4E8C-BE9C-13C550F1BED0}" type="slidenum">
               <a:rPr lang="de-CH" smtClean="0"/>
-              <a:t>‹Nr.›</a:t>
+              <a:t>‹#›</a:t>
             </a:fld>
             <a:endParaRPr lang="de-CH" dirty="0"/>
           </a:p>
@@ -4732,7 +4732,7 @@
           <a:p>
             <a:fld id="{F19AE9A8-34D4-4E8C-BE9C-13C550F1BED0}" type="slidenum">
               <a:rPr lang="de-CH" smtClean="0"/>
-              <a:t>‹Nr.›</a:t>
+              <a:t>‹#›</a:t>
             </a:fld>
             <a:endParaRPr lang="de-CH" dirty="0"/>
           </a:p>
@@ -5262,7 +5262,7 @@
           <a:p>
             <a:fld id="{F19AE9A8-34D4-4E8C-BE9C-13C550F1BED0}" type="slidenum">
               <a:rPr lang="de-CH" smtClean="0"/>
-              <a:t>‹Nr.›</a:t>
+              <a:t>‹#›</a:t>
             </a:fld>
             <a:endParaRPr lang="de-CH" dirty="0"/>
           </a:p>
@@ -5989,7 +5989,7 @@
           <a:p>
             <a:fld id="{F19AE9A8-34D4-4E8C-BE9C-13C550F1BED0}" type="slidenum">
               <a:rPr lang="de-CH" smtClean="0"/>
-              <a:t>‹Nr.›</a:t>
+              <a:t>‹#›</a:t>
             </a:fld>
             <a:endParaRPr lang="de-CH" dirty="0"/>
           </a:p>
@@ -6375,7 +6375,7 @@
             <a:fld id="{F19AE9A8-34D4-4E8C-BE9C-13C550F1BED0}" type="slidenum">
               <a:rPr lang="de-CH" smtClean="0"/>
               <a:pPr/>
-              <a:t>‹Nr.›</a:t>
+              <a:t>‹#›</a:t>
             </a:fld>
             <a:endParaRPr lang="de-CH" dirty="0"/>
           </a:p>
@@ -8021,22 +8021,28 @@
             <a:pPr lvl="1"/>
             <a:r>
               <a:rPr lang="en-US" dirty="0" smtClean="0"/>
-              <a:t>Fabian:</a:t>
-            </a:r>
-          </a:p>
-          <a:p>
-            <a:pPr lvl="2"/>
+              <a:t>Fabian: Never </a:t>
+            </a:r>
             <a:r>
               <a:rPr lang="en-US" dirty="0" smtClean="0"/>
-              <a:t>Never really used any technology covered in the course</a:t>
+              <a:t>really used any technology covered in the course</a:t>
             </a:r>
             <a:br>
               <a:rPr lang="en-US" dirty="0" smtClean="0"/>
             </a:br>
             <a:r>
               <a:rPr lang="en-US" dirty="0" smtClean="0"/>
-              <a:t>except for HTML and CSS in apprenticeship. Therefore the pace of the course was quite demanding.</a:t>
-            </a:r>
+              <a:t>except for HTML and CSS </a:t>
+            </a:r>
+            <a:r>
+              <a:rPr lang="en-US" smtClean="0"/>
+              <a:t>in </a:t>
+            </a:r>
+            <a:r>
+              <a:rPr lang="en-US" smtClean="0"/>
+              <a:t>apprenticeship</a:t>
+            </a:r>
+            <a:endParaRPr lang="en-US" dirty="0" smtClean="0"/>
           </a:p>
           <a:p>
             <a:pPr lvl="1"/>
@@ -10365,6 +10371,33 @@
 </file>
 
 <file path=customXml/item1.xml><?xml version="1.0" encoding="utf-8"?>
+<p:properties xmlns:p="http://schemas.microsoft.com/office/2006/metadata/properties" xmlns:xsi="http://www.w3.org/2001/XMLSchema-instance" xmlns:pc="http://schemas.microsoft.com/office/infopath/2007/PartnerControls">
+  <documentManagement>
+    <TaxCatchAll xmlns="2551ef7e-3b29-44d1-a8ad-ef34c26bfc60">
+      <Value>241</Value>
+    </TaxCatchAll>
+    <BfhIntranetDepartmentText xmlns="4b463c31-e9b0-413b-88df-ea7e9f53a7ba">
+      <Terms xmlns="http://schemas.microsoft.com/office/infopath/2007/PartnerControls">
+        <TermInfo xmlns="http://schemas.microsoft.com/office/infopath/2007/PartnerControls">
+          <TermName xmlns="http://schemas.microsoft.com/office/infopath/2007/PartnerControls">Vorlage</TermName>
+          <TermId xmlns="http://schemas.microsoft.com/office/infopath/2007/PartnerControls">de1a6d3c-ac6a-4b34-8edd-308eb81066db</TermId>
+        </TermInfo>
+      </Terms>
+    </BfhIntranetDepartmentText>
+  </documentManagement>
+</p:properties>
+</file>
+
+<file path=customXml/item2.xml><?xml version="1.0" encoding="utf-8"?>
+<?mso-contentType ?>
+<FormTemplates xmlns="http://schemas.microsoft.com/sharepoint/v3/contenttype/forms">
+  <Display>DocumentLibraryForm</Display>
+  <Edit>DocumentLibraryForm</Edit>
+  <New>DocumentLibraryForm</New>
+</FormTemplates>
+</file>
+
+<file path=customXml/item3.xml><?xml version="1.0" encoding="utf-8"?>
 <ct:contentTypeSchema xmlns:ct="http://schemas.microsoft.com/office/2006/metadata/contentType" xmlns:ma="http://schemas.microsoft.com/office/2006/metadata/properties/metaAttributes" ct:_="" ma:_="" ma:contentTypeName="BFH Document" ma:contentTypeID="0x0101009127C3B567804923A8661E062BBD8EF500562C9D82744B284A86093F1D9B579BDC" ma:contentTypeVersion="2" ma:contentTypeDescription="Ein neues Dokument erstellen." ma:contentTypeScope="" ma:versionID="85c74107ca2205fa2d79ffbd44cb7ca7">
   <xsd:schema xmlns:xsd="http://www.w3.org/2001/XMLSchema" xmlns:xs="http://www.w3.org/2001/XMLSchema" xmlns:p="http://schemas.microsoft.com/office/2006/metadata/properties" xmlns:ns2="4b463c31-e9b0-413b-88df-ea7e9f53a7ba" xmlns:ns3="2551ef7e-3b29-44d1-a8ad-ef34c26bfc60" targetNamespace="http://schemas.microsoft.com/office/2006/metadata/properties" ma:root="true" ma:fieldsID="850aabddd6d95701c4b28714f3a316c8" ns2:_="" ns3:_="">
     <xsd:import namespace="4b463c31-e9b0-413b-88df-ea7e9f53a7ba"/>
@@ -10509,34 +10542,32 @@
 </ct:contentTypeSchema>
 </file>
 
-<file path=customXml/item2.xml><?xml version="1.0" encoding="utf-8"?>
-<?mso-contentType ?>
-<FormTemplates xmlns="http://schemas.microsoft.com/sharepoint/v3/contenttype/forms">
-  <Display>DocumentLibraryForm</Display>
-  <Edit>DocumentLibraryForm</Edit>
-  <New>DocumentLibraryForm</New>
-</FormTemplates>
+<file path=customXml/itemProps1.xml><?xml version="1.0" encoding="utf-8"?>
+<ds:datastoreItem xmlns:ds="http://schemas.openxmlformats.org/officeDocument/2006/customXml" ds:itemID="{96591048-6F15-48C6-9650-9BFF3E56974F}">
+  <ds:schemaRefs>
+    <ds:schemaRef ds:uri="http://purl.org/dc/elements/1.1/"/>
+    <ds:schemaRef ds:uri="4b463c31-e9b0-413b-88df-ea7e9f53a7ba"/>
+    <ds:schemaRef ds:uri="http://purl.org/dc/terms/"/>
+    <ds:schemaRef ds:uri="http://schemas.microsoft.com/office/2006/metadata/properties"/>
+    <ds:schemaRef ds:uri="http://schemas.microsoft.com/office/2006/documentManagement/types"/>
+    <ds:schemaRef ds:uri="http://purl.org/dc/dcmitype/"/>
+    <ds:schemaRef ds:uri="http://www.w3.org/XML/1998/namespace"/>
+    <ds:schemaRef ds:uri="http://schemas.microsoft.com/office/infopath/2007/PartnerControls"/>
+    <ds:schemaRef ds:uri="http://schemas.openxmlformats.org/package/2006/metadata/core-properties"/>
+    <ds:schemaRef ds:uri="2551ef7e-3b29-44d1-a8ad-ef34c26bfc60"/>
+  </ds:schemaRefs>
+</ds:datastoreItem>
 </file>
 
-<file path=customXml/item3.xml><?xml version="1.0" encoding="utf-8"?>
-<p:properties xmlns:p="http://schemas.microsoft.com/office/2006/metadata/properties" xmlns:xsi="http://www.w3.org/2001/XMLSchema-instance" xmlns:pc="http://schemas.microsoft.com/office/infopath/2007/PartnerControls">
-  <documentManagement>
-    <TaxCatchAll xmlns="2551ef7e-3b29-44d1-a8ad-ef34c26bfc60">
-      <Value>241</Value>
-    </TaxCatchAll>
-    <BfhIntranetDepartmentText xmlns="4b463c31-e9b0-413b-88df-ea7e9f53a7ba">
-      <Terms xmlns="http://schemas.microsoft.com/office/infopath/2007/PartnerControls">
-        <TermInfo xmlns="http://schemas.microsoft.com/office/infopath/2007/PartnerControls">
-          <TermName xmlns="http://schemas.microsoft.com/office/infopath/2007/PartnerControls">Vorlage</TermName>
-          <TermId xmlns="http://schemas.microsoft.com/office/infopath/2007/PartnerControls">de1a6d3c-ac6a-4b34-8edd-308eb81066db</TermId>
-        </TermInfo>
-      </Terms>
-    </BfhIntranetDepartmentText>
-  </documentManagement>
-</p:properties>
+<file path=customXml/itemProps2.xml><?xml version="1.0" encoding="utf-8"?>
+<ds:datastoreItem xmlns:ds="http://schemas.openxmlformats.org/officeDocument/2006/customXml" ds:itemID="{CCF5E5E7-7F77-47A8-99A9-B4D5839292F3}">
+  <ds:schemaRefs>
+    <ds:schemaRef ds:uri="http://schemas.microsoft.com/sharepoint/v3/contenttype/forms"/>
+  </ds:schemaRefs>
+</ds:datastoreItem>
 </file>
 
-<file path=customXml/itemProps1.xml><?xml version="1.0" encoding="utf-8"?>
+<file path=customXml/itemProps3.xml><?xml version="1.0" encoding="utf-8"?>
 <ds:datastoreItem xmlns:ds="http://schemas.openxmlformats.org/officeDocument/2006/customXml" ds:itemID="{8F3C1F62-CC3B-4F2A-BAEC-F8005B132EC9}">
   <ds:schemaRefs>
     <ds:schemaRef ds:uri="http://schemas.microsoft.com/office/2006/metadata/contentType"/>
@@ -10553,29 +10584,4 @@
     <ds:schemaRef ds:uri="http://schemas.microsoft.com/internal/obd"/>
   </ds:schemaRefs>
 </ds:datastoreItem>
-</file>
-
-<file path=customXml/itemProps2.xml><?xml version="1.0" encoding="utf-8"?>
-<ds:datastoreItem xmlns:ds="http://schemas.openxmlformats.org/officeDocument/2006/customXml" ds:itemID="{CCF5E5E7-7F77-47A8-99A9-B4D5839292F3}">
-  <ds:schemaRefs>
-    <ds:schemaRef ds:uri="http://schemas.microsoft.com/sharepoint/v3/contenttype/forms"/>
-  </ds:schemaRefs>
-</ds:datastoreItem>
-</file>
-
-<file path=customXml/itemProps3.xml><?xml version="1.0" encoding="utf-8"?>
-<ds:datastoreItem xmlns:ds="http://schemas.openxmlformats.org/officeDocument/2006/customXml" ds:itemID="{96591048-6F15-48C6-9650-9BFF3E56974F}">
-  <ds:schemaRefs>
-    <ds:schemaRef ds:uri="http://purl.org/dc/elements/1.1/"/>
-    <ds:schemaRef ds:uri="4b463c31-e9b0-413b-88df-ea7e9f53a7ba"/>
-    <ds:schemaRef ds:uri="http://purl.org/dc/terms/"/>
-    <ds:schemaRef ds:uri="http://schemas.microsoft.com/office/2006/metadata/properties"/>
-    <ds:schemaRef ds:uri="http://schemas.microsoft.com/office/2006/documentManagement/types"/>
-    <ds:schemaRef ds:uri="http://purl.org/dc/dcmitype/"/>
-    <ds:schemaRef ds:uri="http://www.w3.org/XML/1998/namespace"/>
-    <ds:schemaRef ds:uri="http://schemas.microsoft.com/office/infopath/2007/PartnerControls"/>
-    <ds:schemaRef ds:uri="http://schemas.openxmlformats.org/package/2006/metadata/core-properties"/>
-    <ds:schemaRef ds:uri="2551ef7e-3b29-44d1-a8ad-ef34c26bfc60"/>
-  </ds:schemaRefs>
-</ds:datastoreItem>
 </file>